--- a/Công nghiệp 4.0 và cuộc sống hiện nay.pptx
+++ b/Công nghiệp 4.0 và cuộc sống hiện nay.pptx
@@ -17,6 +17,11 @@
     <p:sldId id="265" r:id="rId11"/>
     <p:sldId id="266" r:id="rId12"/>
     <p:sldId id="267" r:id="rId13"/>
+    <p:sldId id="268" r:id="rId14"/>
+    <p:sldId id="270" r:id="rId15"/>
+    <p:sldId id="269" r:id="rId16"/>
+    <p:sldId id="271" r:id="rId17"/>
+    <p:sldId id="272" r:id="rId18"/>
   </p:sldIdLst>
   <p:sldSz cx="12192000" cy="6858000"/>
   <p:notesSz cx="6858000" cy="9144000"/>
@@ -5764,6 +5769,14 @@
 <file path=ppt/slides/slide1.xml><?xml version="1.0" encoding="utf-8"?>
 <p:sld xmlns:a="http://schemas.openxmlformats.org/drawingml/2006/main" xmlns:r="http://schemas.openxmlformats.org/officeDocument/2006/relationships" xmlns:p="http://schemas.openxmlformats.org/presentationml/2006/main">
   <p:cSld>
+    <p:bg>
+      <p:bgPr>
+        <a:solidFill>
+          <a:schemeClr val="bg2"/>
+        </a:solidFill>
+        <a:effectLst/>
+      </p:bgPr>
+    </p:bg>
     <p:spTree>
       <p:nvGrpSpPr>
         <p:cNvPr id="1" name=""/>
@@ -5778,6 +5791,663 @@
           <a:chExt cx="0" cy="0"/>
         </a:xfrm>
       </p:grpSpPr>
+      <p:sp useBgFill="1">
+        <p:nvSpPr>
+          <p:cNvPr id="8" name="Rectangle 7">
+            <a:extLst>
+              <a:ext uri="{FF2B5EF4-FFF2-40B4-BE49-F238E27FC236}">
+                <a16:creationId xmlns:a16="http://schemas.microsoft.com/office/drawing/2014/main" id="{9179DE42-5613-4B35-A1E6-6CCBAA13C743}"/>
+              </a:ext>
+              <a:ext uri="{C183D7F6-B498-43B3-948B-1728B52AA6E4}">
+                <adec:decorative xmlns:adec="http://schemas.microsoft.com/office/drawing/2017/decorative" val="1"/>
+              </a:ext>
+            </a:extLst>
+          </p:cNvPr>
+          <p:cNvSpPr>
+            <a:spLocks noGrp="1" noRot="1" noChangeAspect="1" noMove="1" noResize="1" noEditPoints="1" noAdjustHandles="1" noChangeArrowheads="1" noChangeShapeType="1" noTextEdit="1"/>
+          </p:cNvSpPr>
+          <p:nvPr>
+            <p:extLst>
+              <p:ext uri="{386F3935-93C4-4BCD-93E2-E3B085C9AB24}">
+                <p16:designElem xmlns:p16="http://schemas.microsoft.com/office/powerpoint/2015/main" val="1"/>
+              </p:ext>
+            </p:extLst>
+          </p:nvPr>
+        </p:nvSpPr>
+        <p:spPr>
+          <a:xfrm>
+            <a:off x="0" y="0"/>
+            <a:ext cx="12192000" cy="6858000"/>
+          </a:xfrm>
+          <a:prstGeom prst="rect">
+            <a:avLst/>
+          </a:prstGeom>
+          <a:ln>
+            <a:noFill/>
+          </a:ln>
+        </p:spPr>
+        <p:style>
+          <a:lnRef idx="2">
+            <a:schemeClr val="accent1">
+              <a:shade val="50000"/>
+            </a:schemeClr>
+          </a:lnRef>
+          <a:fillRef idx="1">
+            <a:schemeClr val="accent1"/>
+          </a:fillRef>
+          <a:effectRef idx="0">
+            <a:schemeClr val="accent1"/>
+          </a:effectRef>
+          <a:fontRef idx="minor">
+            <a:schemeClr val="lt1"/>
+          </a:fontRef>
+        </p:style>
+        <p:txBody>
+          <a:bodyPr rtlCol="0" anchor="ctr"/>
+          <a:lstStyle/>
+          <a:p>
+            <a:pPr algn="ctr"/>
+            <a:endParaRPr lang="en-US"/>
+          </a:p>
+        </p:txBody>
+      </p:sp>
+      <p:cxnSp>
+        <p:nvCxnSpPr>
+          <p:cNvPr id="10" name="Straight Connector 9">
+            <a:extLst>
+              <a:ext uri="{FF2B5EF4-FFF2-40B4-BE49-F238E27FC236}">
+                <a16:creationId xmlns:a16="http://schemas.microsoft.com/office/drawing/2014/main" id="{EB898B32-3891-4C3A-8F58-C5969D2E9033}"/>
+              </a:ext>
+              <a:ext uri="{C183D7F6-B498-43B3-948B-1728B52AA6E4}">
+                <adec:decorative xmlns:adec="http://schemas.microsoft.com/office/drawing/2017/decorative" val="1"/>
+              </a:ext>
+            </a:extLst>
+          </p:cNvPr>
+          <p:cNvCxnSpPr>
+            <a:cxnSpLocks noGrp="1" noRot="1" noChangeAspect="1" noMove="1" noResize="1" noEditPoints="1" noAdjustHandles="1" noChangeArrowheads="1" noChangeShapeType="1"/>
+          </p:cNvCxnSpPr>
+          <p:nvPr>
+            <p:extLst>
+              <p:ext uri="{386F3935-93C4-4BCD-93E2-E3B085C9AB24}">
+                <p16:designElem xmlns:p16="http://schemas.microsoft.com/office/powerpoint/2015/main" val="1"/>
+              </p:ext>
+            </p:extLst>
+          </p:nvPr>
+        </p:nvCxnSpPr>
+        <p:spPr>
+          <a:xfrm>
+            <a:off x="1448300" y="0"/>
+            <a:ext cx="1219200" cy="6858000"/>
+          </a:xfrm>
+          <a:prstGeom prst="line">
+            <a:avLst/>
+          </a:prstGeom>
+          <a:ln w="9525">
+            <a:solidFill>
+              <a:schemeClr val="accent1">
+                <a:lumMod val="75000"/>
+              </a:schemeClr>
+            </a:solidFill>
+          </a:ln>
+        </p:spPr>
+        <p:style>
+          <a:lnRef idx="2">
+            <a:schemeClr val="accent1"/>
+          </a:lnRef>
+          <a:fillRef idx="0">
+            <a:schemeClr val="accent1"/>
+          </a:fillRef>
+          <a:effectRef idx="1">
+            <a:schemeClr val="accent1"/>
+          </a:effectRef>
+          <a:fontRef idx="minor">
+            <a:schemeClr val="tx1"/>
+          </a:fontRef>
+        </p:style>
+      </p:cxnSp>
+      <p:cxnSp>
+        <p:nvCxnSpPr>
+          <p:cNvPr id="12" name="Straight Connector 11">
+            <a:extLst>
+              <a:ext uri="{FF2B5EF4-FFF2-40B4-BE49-F238E27FC236}">
+                <a16:creationId xmlns:a16="http://schemas.microsoft.com/office/drawing/2014/main" id="{4AE4806D-B8F9-4679-A68A-9BD21C01A301}"/>
+              </a:ext>
+              <a:ext uri="{C183D7F6-B498-43B3-948B-1728B52AA6E4}">
+                <adec:decorative xmlns:adec="http://schemas.microsoft.com/office/drawing/2017/decorative" val="1"/>
+              </a:ext>
+            </a:extLst>
+          </p:cNvPr>
+          <p:cNvCxnSpPr>
+            <a:cxnSpLocks noGrp="1" noRot="1" noChangeAspect="1" noMove="1" noResize="1" noEditPoints="1" noAdjustHandles="1" noChangeArrowheads="1" noChangeShapeType="1"/>
+          </p:cNvCxnSpPr>
+          <p:nvPr>
+            <p:extLst>
+              <p:ext uri="{386F3935-93C4-4BCD-93E2-E3B085C9AB24}">
+                <p16:designElem xmlns:p16="http://schemas.microsoft.com/office/powerpoint/2015/main" val="1"/>
+              </p:ext>
+            </p:extLst>
+          </p:nvPr>
+        </p:nvCxnSpPr>
+        <p:spPr>
+          <a:xfrm flipH="1">
+            <a:off x="67175" y="3681413"/>
+            <a:ext cx="4763558" cy="3176587"/>
+          </a:xfrm>
+          <a:prstGeom prst="line">
+            <a:avLst/>
+          </a:prstGeom>
+          <a:ln w="9525">
+            <a:solidFill>
+              <a:schemeClr val="tx1">
+                <a:lumMod val="50000"/>
+                <a:lumOff val="50000"/>
+                <a:alpha val="80000"/>
+              </a:schemeClr>
+            </a:solidFill>
+          </a:ln>
+        </p:spPr>
+        <p:style>
+          <a:lnRef idx="2">
+            <a:schemeClr val="accent1"/>
+          </a:lnRef>
+          <a:fillRef idx="0">
+            <a:schemeClr val="accent1"/>
+          </a:fillRef>
+          <a:effectRef idx="1">
+            <a:schemeClr val="accent1"/>
+          </a:effectRef>
+          <a:fontRef idx="minor">
+            <a:schemeClr val="tx1"/>
+          </a:fontRef>
+        </p:style>
+      </p:cxnSp>
+      <p:sp>
+        <p:nvSpPr>
+          <p:cNvPr id="14" name="Rectangle 23">
+            <a:extLst>
+              <a:ext uri="{FF2B5EF4-FFF2-40B4-BE49-F238E27FC236}">
+                <a16:creationId xmlns:a16="http://schemas.microsoft.com/office/drawing/2014/main" id="{52FB45E9-914E-4471-AC87-E475CD51767D}"/>
+              </a:ext>
+              <a:ext uri="{C183D7F6-B498-43B3-948B-1728B52AA6E4}">
+                <adec:decorative xmlns:adec="http://schemas.microsoft.com/office/drawing/2017/decorative" val="1"/>
+              </a:ext>
+            </a:extLst>
+          </p:cNvPr>
+          <p:cNvSpPr>
+            <a:spLocks noGrp="1" noRot="1" noChangeAspect="1" noMove="1" noResize="1" noEditPoints="1" noAdjustHandles="1" noChangeArrowheads="1" noChangeShapeType="1" noTextEdit="1"/>
+          </p:cNvSpPr>
+          <p:nvPr>
+            <p:extLst>
+              <p:ext uri="{386F3935-93C4-4BCD-93E2-E3B085C9AB24}">
+                <p16:designElem xmlns:p16="http://schemas.microsoft.com/office/powerpoint/2015/main" val="1"/>
+              </p:ext>
+            </p:extLst>
+          </p:nvPr>
+        </p:nvSpPr>
+        <p:spPr>
+          <a:xfrm>
+            <a:off x="1258764" y="-8467"/>
+            <a:ext cx="3007349" cy="6866467"/>
+          </a:xfrm>
+          <a:custGeom>
+            <a:avLst/>
+            <a:gdLst/>
+            <a:ahLst/>
+            <a:cxnLst/>
+            <a:rect l="l" t="t" r="r" b="b"/>
+            <a:pathLst>
+              <a:path w="3007349" h="6866467">
+                <a:moveTo>
+                  <a:pt x="2045532" y="0"/>
+                </a:moveTo>
+                <a:lnTo>
+                  <a:pt x="3007349" y="0"/>
+                </a:lnTo>
+                <a:lnTo>
+                  <a:pt x="3007349" y="6866467"/>
+                </a:lnTo>
+                <a:lnTo>
+                  <a:pt x="0" y="6866467"/>
+                </a:lnTo>
+                <a:lnTo>
+                  <a:pt x="2045532" y="0"/>
+                </a:lnTo>
+                <a:close/>
+              </a:path>
+            </a:pathLst>
+          </a:custGeom>
+          <a:solidFill>
+            <a:schemeClr val="accent1">
+              <a:alpha val="30000"/>
+            </a:schemeClr>
+          </a:solidFill>
+          <a:ln>
+            <a:noFill/>
+          </a:ln>
+          <a:effectLst/>
+        </p:spPr>
+        <p:style>
+          <a:lnRef idx="1">
+            <a:schemeClr val="accent1"/>
+          </a:lnRef>
+          <a:fillRef idx="3">
+            <a:schemeClr val="accent1"/>
+          </a:fillRef>
+          <a:effectRef idx="2">
+            <a:schemeClr val="accent1"/>
+          </a:effectRef>
+          <a:fontRef idx="minor">
+            <a:schemeClr val="lt1"/>
+          </a:fontRef>
+        </p:style>
+      </p:sp>
+      <p:sp>
+        <p:nvSpPr>
+          <p:cNvPr id="16" name="Rectangle 25">
+            <a:extLst>
+              <a:ext uri="{FF2B5EF4-FFF2-40B4-BE49-F238E27FC236}">
+                <a16:creationId xmlns:a16="http://schemas.microsoft.com/office/drawing/2014/main" id="{C310626D-5743-49D4-8F7D-88C4F8F05774}"/>
+              </a:ext>
+              <a:ext uri="{C183D7F6-B498-43B3-948B-1728B52AA6E4}">
+                <adec:decorative xmlns:adec="http://schemas.microsoft.com/office/drawing/2017/decorative" val="1"/>
+              </a:ext>
+            </a:extLst>
+          </p:cNvPr>
+          <p:cNvSpPr>
+            <a:spLocks noGrp="1" noRot="1" noChangeAspect="1" noMove="1" noResize="1" noEditPoints="1" noAdjustHandles="1" noChangeArrowheads="1" noChangeShapeType="1" noTextEdit="1"/>
+          </p:cNvSpPr>
+          <p:nvPr>
+            <p:extLst>
+              <p:ext uri="{386F3935-93C4-4BCD-93E2-E3B085C9AB24}">
+                <p16:designElem xmlns:p16="http://schemas.microsoft.com/office/powerpoint/2015/main" val="1"/>
+              </p:ext>
+            </p:extLst>
+          </p:nvPr>
+        </p:nvSpPr>
+        <p:spPr>
+          <a:xfrm>
+            <a:off x="1680730" y="-8467"/>
+            <a:ext cx="2588558" cy="6866467"/>
+          </a:xfrm>
+          <a:custGeom>
+            <a:avLst/>
+            <a:gdLst/>
+            <a:ahLst/>
+            <a:cxnLst/>
+            <a:rect l="l" t="t" r="r" b="b"/>
+            <a:pathLst>
+              <a:path w="2573311" h="6866467">
+                <a:moveTo>
+                  <a:pt x="0" y="0"/>
+                </a:moveTo>
+                <a:lnTo>
+                  <a:pt x="2573311" y="0"/>
+                </a:lnTo>
+                <a:lnTo>
+                  <a:pt x="2573311" y="6866467"/>
+                </a:lnTo>
+                <a:lnTo>
+                  <a:pt x="1202336" y="6866467"/>
+                </a:lnTo>
+                <a:lnTo>
+                  <a:pt x="0" y="0"/>
+                </a:lnTo>
+                <a:close/>
+              </a:path>
+            </a:pathLst>
+          </a:custGeom>
+          <a:solidFill>
+            <a:schemeClr val="accent1">
+              <a:alpha val="20000"/>
+            </a:schemeClr>
+          </a:solidFill>
+          <a:ln>
+            <a:noFill/>
+          </a:ln>
+          <a:effectLst/>
+        </p:spPr>
+        <p:style>
+          <a:lnRef idx="1">
+            <a:schemeClr val="accent1"/>
+          </a:lnRef>
+          <a:fillRef idx="3">
+            <a:schemeClr val="accent1"/>
+          </a:fillRef>
+          <a:effectRef idx="2">
+            <a:schemeClr val="accent1"/>
+          </a:effectRef>
+          <a:fontRef idx="minor">
+            <a:schemeClr val="lt1"/>
+          </a:fontRef>
+        </p:style>
+      </p:sp>
+      <p:sp>
+        <p:nvSpPr>
+          <p:cNvPr id="18" name="Isosceles Triangle 17">
+            <a:extLst>
+              <a:ext uri="{FF2B5EF4-FFF2-40B4-BE49-F238E27FC236}">
+                <a16:creationId xmlns:a16="http://schemas.microsoft.com/office/drawing/2014/main" id="{3C195FC1-B568-4C72-9902-34CB35DDD7A1}"/>
+              </a:ext>
+              <a:ext uri="{C183D7F6-B498-43B3-948B-1728B52AA6E4}">
+                <adec:decorative xmlns:adec="http://schemas.microsoft.com/office/drawing/2017/decorative" val="1"/>
+              </a:ext>
+            </a:extLst>
+          </p:cNvPr>
+          <p:cNvSpPr>
+            <a:spLocks noGrp="1" noRot="1" noChangeAspect="1" noMove="1" noResize="1" noEditPoints="1" noAdjustHandles="1" noChangeArrowheads="1" noChangeShapeType="1" noTextEdit="1"/>
+          </p:cNvSpPr>
+          <p:nvPr>
+            <p:extLst>
+              <p:ext uri="{386F3935-93C4-4BCD-93E2-E3B085C9AB24}">
+                <p16:designElem xmlns:p16="http://schemas.microsoft.com/office/powerpoint/2015/main" val="1"/>
+              </p:ext>
+            </p:extLst>
+          </p:nvPr>
+        </p:nvSpPr>
+        <p:spPr>
+          <a:xfrm>
+            <a:off x="1009621" y="3048000"/>
+            <a:ext cx="3259667" cy="3810000"/>
+          </a:xfrm>
+          <a:prstGeom prst="triangle">
+            <a:avLst>
+              <a:gd name="adj" fmla="val 100000"/>
+            </a:avLst>
+          </a:prstGeom>
+          <a:solidFill>
+            <a:schemeClr val="accent2">
+              <a:alpha val="72000"/>
+            </a:schemeClr>
+          </a:solidFill>
+          <a:ln>
+            <a:noFill/>
+          </a:ln>
+          <a:effectLst/>
+        </p:spPr>
+        <p:style>
+          <a:lnRef idx="1">
+            <a:schemeClr val="accent1"/>
+          </a:lnRef>
+          <a:fillRef idx="3">
+            <a:schemeClr val="accent1"/>
+          </a:fillRef>
+          <a:effectRef idx="2">
+            <a:schemeClr val="accent1"/>
+          </a:effectRef>
+          <a:fontRef idx="minor">
+            <a:schemeClr val="lt1"/>
+          </a:fontRef>
+        </p:style>
+      </p:sp>
+      <p:sp>
+        <p:nvSpPr>
+          <p:cNvPr id="20" name="Rectangle 27">
+            <a:extLst>
+              <a:ext uri="{FF2B5EF4-FFF2-40B4-BE49-F238E27FC236}">
+                <a16:creationId xmlns:a16="http://schemas.microsoft.com/office/drawing/2014/main" id="{EF2BDF77-362C-43F0-8CBB-A969EC2AE0C4}"/>
+              </a:ext>
+              <a:ext uri="{C183D7F6-B498-43B3-948B-1728B52AA6E4}">
+                <adec:decorative xmlns:adec="http://schemas.microsoft.com/office/drawing/2017/decorative" val="1"/>
+              </a:ext>
+            </a:extLst>
+          </p:cNvPr>
+          <p:cNvSpPr>
+            <a:spLocks noGrp="1" noRot="1" noChangeAspect="1" noMove="1" noResize="1" noEditPoints="1" noAdjustHandles="1" noChangeArrowheads="1" noChangeShapeType="1" noTextEdit="1"/>
+          </p:cNvSpPr>
+          <p:nvPr>
+            <p:extLst>
+              <p:ext uri="{386F3935-93C4-4BCD-93E2-E3B085C9AB24}">
+                <p16:designElem xmlns:p16="http://schemas.microsoft.com/office/powerpoint/2015/main" val="1"/>
+              </p:ext>
+            </p:extLst>
+          </p:nvPr>
+        </p:nvSpPr>
+        <p:spPr>
+          <a:xfrm>
+            <a:off x="1411788" y="-8467"/>
+            <a:ext cx="2854326" cy="6866467"/>
+          </a:xfrm>
+          <a:custGeom>
+            <a:avLst/>
+            <a:gdLst/>
+            <a:ahLst/>
+            <a:cxnLst/>
+            <a:rect l="l" t="t" r="r" b="b"/>
+            <a:pathLst>
+              <a:path w="2858013" h="6866467">
+                <a:moveTo>
+                  <a:pt x="0" y="0"/>
+                </a:moveTo>
+                <a:lnTo>
+                  <a:pt x="2858013" y="0"/>
+                </a:lnTo>
+                <a:lnTo>
+                  <a:pt x="2858013" y="6866467"/>
+                </a:lnTo>
+                <a:lnTo>
+                  <a:pt x="2473942" y="6866467"/>
+                </a:lnTo>
+                <a:lnTo>
+                  <a:pt x="0" y="0"/>
+                </a:lnTo>
+                <a:close/>
+              </a:path>
+            </a:pathLst>
+          </a:custGeom>
+          <a:solidFill>
+            <a:schemeClr val="accent2">
+              <a:lumMod val="75000"/>
+              <a:alpha val="70000"/>
+            </a:schemeClr>
+          </a:solidFill>
+          <a:ln>
+            <a:noFill/>
+          </a:ln>
+          <a:effectLst/>
+        </p:spPr>
+        <p:style>
+          <a:lnRef idx="1">
+            <a:schemeClr val="accent1"/>
+          </a:lnRef>
+          <a:fillRef idx="3">
+            <a:schemeClr val="accent1"/>
+          </a:fillRef>
+          <a:effectRef idx="2">
+            <a:schemeClr val="accent1"/>
+          </a:effectRef>
+          <a:fontRef idx="minor">
+            <a:schemeClr val="lt1"/>
+          </a:fontRef>
+        </p:style>
+      </p:sp>
+      <p:sp>
+        <p:nvSpPr>
+          <p:cNvPr id="25" name="Isosceles Triangle 21">
+            <a:extLst>
+              <a:ext uri="{FF2B5EF4-FFF2-40B4-BE49-F238E27FC236}">
+                <a16:creationId xmlns:a16="http://schemas.microsoft.com/office/drawing/2014/main" id="{4BE96B01-3929-432D-B8C2-ADBCB74C2EF4}"/>
+              </a:ext>
+              <a:ext uri="{C183D7F6-B498-43B3-948B-1728B52AA6E4}">
+                <adec:decorative xmlns:adec="http://schemas.microsoft.com/office/drawing/2017/decorative" val="1"/>
+              </a:ext>
+            </a:extLst>
+          </p:cNvPr>
+          <p:cNvSpPr>
+            <a:spLocks noGrp="1" noRot="1" noChangeAspect="1" noMove="1" noResize="1" noEditPoints="1" noAdjustHandles="1" noChangeArrowheads="1" noChangeShapeType="1" noTextEdit="1"/>
+          </p:cNvSpPr>
+          <p:nvPr>
+            <p:extLst>
+              <p:ext uri="{386F3935-93C4-4BCD-93E2-E3B085C9AB24}">
+                <p16:designElem xmlns:p16="http://schemas.microsoft.com/office/powerpoint/2015/main" val="1"/>
+              </p:ext>
+            </p:extLst>
+          </p:nvPr>
+        </p:nvSpPr>
+        <p:spPr>
+          <a:xfrm>
+            <a:off x="2448954" y="3589867"/>
+            <a:ext cx="1817159" cy="3268133"/>
+          </a:xfrm>
+          <a:prstGeom prst="triangle">
+            <a:avLst>
+              <a:gd name="adj" fmla="val 100000"/>
+            </a:avLst>
+          </a:prstGeom>
+          <a:solidFill>
+            <a:schemeClr val="accent1">
+              <a:alpha val="80000"/>
+            </a:schemeClr>
+          </a:solidFill>
+          <a:ln>
+            <a:noFill/>
+          </a:ln>
+          <a:effectLst/>
+        </p:spPr>
+        <p:style>
+          <a:lnRef idx="1">
+            <a:schemeClr val="accent1"/>
+          </a:lnRef>
+          <a:fillRef idx="3">
+            <a:schemeClr val="accent1"/>
+          </a:fillRef>
+          <a:effectRef idx="2">
+            <a:schemeClr val="accent1"/>
+          </a:effectRef>
+          <a:fontRef idx="minor">
+            <a:schemeClr val="lt1"/>
+          </a:fontRef>
+        </p:style>
+      </p:sp>
+      <p:sp>
+        <p:nvSpPr>
+          <p:cNvPr id="24" name="Freeform: Shape 23">
+            <a:extLst>
+              <a:ext uri="{FF2B5EF4-FFF2-40B4-BE49-F238E27FC236}">
+                <a16:creationId xmlns:a16="http://schemas.microsoft.com/office/drawing/2014/main" id="{2A6FCDE6-CDE2-4C51-B18E-A95CFB679714}"/>
+              </a:ext>
+              <a:ext uri="{C183D7F6-B498-43B3-948B-1728B52AA6E4}">
+                <adec:decorative xmlns:adec="http://schemas.microsoft.com/office/drawing/2017/decorative" val="1"/>
+              </a:ext>
+            </a:extLst>
+          </p:cNvPr>
+          <p:cNvSpPr>
+            <a:spLocks noGrp="1" noRot="1" noChangeAspect="1" noMove="1" noResize="1" noEditPoints="1" noAdjustHandles="1" noChangeArrowheads="1" noChangeShapeType="1" noTextEdit="1"/>
+          </p:cNvSpPr>
+          <p:nvPr>
+            <p:extLst>
+              <p:ext uri="{386F3935-93C4-4BCD-93E2-E3B085C9AB24}">
+                <p16:designElem xmlns:p16="http://schemas.microsoft.com/office/powerpoint/2015/main" val="1"/>
+              </p:ext>
+            </p:extLst>
+          </p:nvPr>
+        </p:nvSpPr>
+        <p:spPr>
+          <a:xfrm>
+            <a:off x="3016287" y="-8467"/>
+            <a:ext cx="9175713" cy="6866467"/>
+          </a:xfrm>
+          <a:custGeom>
+            <a:avLst/>
+            <a:gdLst>
+              <a:gd name="connsiteX0" fmla="*/ 0 w 9175713"/>
+              <a:gd name="connsiteY0" fmla="*/ 0 h 6866467"/>
+              <a:gd name="connsiteX1" fmla="*/ 1249825 w 9175713"/>
+              <a:gd name="connsiteY1" fmla="*/ 0 h 6866467"/>
+              <a:gd name="connsiteX2" fmla="*/ 1249825 w 9175713"/>
+              <a:gd name="connsiteY2" fmla="*/ 8467 h 6866467"/>
+              <a:gd name="connsiteX3" fmla="*/ 9175713 w 9175713"/>
+              <a:gd name="connsiteY3" fmla="*/ 8467 h 6866467"/>
+              <a:gd name="connsiteX4" fmla="*/ 9175713 w 9175713"/>
+              <a:gd name="connsiteY4" fmla="*/ 6866467 h 6866467"/>
+              <a:gd name="connsiteX5" fmla="*/ 1249825 w 9175713"/>
+              <a:gd name="connsiteY5" fmla="*/ 6866467 h 6866467"/>
+              <a:gd name="connsiteX6" fmla="*/ 1109382 w 9175713"/>
+              <a:gd name="connsiteY6" fmla="*/ 6866467 h 6866467"/>
+            </a:gdLst>
+            <a:ahLst/>
+            <a:cxnLst>
+              <a:cxn ang="0">
+                <a:pos x="connsiteX0" y="connsiteY0"/>
+              </a:cxn>
+              <a:cxn ang="0">
+                <a:pos x="connsiteX1" y="connsiteY1"/>
+              </a:cxn>
+              <a:cxn ang="0">
+                <a:pos x="connsiteX2" y="connsiteY2"/>
+              </a:cxn>
+              <a:cxn ang="0">
+                <a:pos x="connsiteX3" y="connsiteY3"/>
+              </a:cxn>
+              <a:cxn ang="0">
+                <a:pos x="connsiteX4" y="connsiteY4"/>
+              </a:cxn>
+              <a:cxn ang="0">
+                <a:pos x="connsiteX5" y="connsiteY5"/>
+              </a:cxn>
+              <a:cxn ang="0">
+                <a:pos x="connsiteX6" y="connsiteY6"/>
+              </a:cxn>
+            </a:cxnLst>
+            <a:rect l="l" t="t" r="r" b="b"/>
+            <a:pathLst>
+              <a:path w="9175713" h="6866467">
+                <a:moveTo>
+                  <a:pt x="0" y="0"/>
+                </a:moveTo>
+                <a:lnTo>
+                  <a:pt x="1249825" y="0"/>
+                </a:lnTo>
+                <a:lnTo>
+                  <a:pt x="1249825" y="8467"/>
+                </a:lnTo>
+                <a:lnTo>
+                  <a:pt x="9175713" y="8467"/>
+                </a:lnTo>
+                <a:lnTo>
+                  <a:pt x="9175713" y="6866467"/>
+                </a:lnTo>
+                <a:lnTo>
+                  <a:pt x="1249825" y="6866467"/>
+                </a:lnTo>
+                <a:lnTo>
+                  <a:pt x="1109382" y="6866467"/>
+                </a:lnTo>
+                <a:close/>
+              </a:path>
+            </a:pathLst>
+          </a:custGeom>
+          <a:solidFill>
+            <a:schemeClr val="accent1"/>
+          </a:solidFill>
+          <a:ln>
+            <a:noFill/>
+          </a:ln>
+        </p:spPr>
+        <p:style>
+          <a:lnRef idx="2">
+            <a:schemeClr val="accent1">
+              <a:shade val="50000"/>
+            </a:schemeClr>
+          </a:lnRef>
+          <a:fillRef idx="1">
+            <a:schemeClr val="accent1"/>
+          </a:fillRef>
+          <a:effectRef idx="0">
+            <a:schemeClr val="accent1"/>
+          </a:effectRef>
+          <a:fontRef idx="minor">
+            <a:schemeClr val="lt1"/>
+          </a:fontRef>
+        </p:style>
+        <p:txBody>
+          <a:bodyPr rtlCol="0" anchor="ctr"/>
+          <a:lstStyle/>
+          <a:p>
+            <a:pPr algn="ctr"/>
+            <a:endParaRPr lang="en-US"/>
+          </a:p>
+        </p:txBody>
+      </p:sp>
       <p:sp>
         <p:nvSpPr>
           <p:cNvPr id="2" name="Title 1">
@@ -5794,59 +6464,26 @@
             <p:ph type="ctrTitle"/>
           </p:nvPr>
         </p:nvSpPr>
-        <p:spPr/>
+        <p:spPr>
+          <a:xfrm>
+            <a:off x="4419136" y="1020871"/>
+            <a:ext cx="6960759" cy="2849671"/>
+          </a:xfrm>
+        </p:spPr>
         <p:txBody>
-          <a:bodyPr/>
+          <a:bodyPr>
+            <a:normAutofit/>
+          </a:bodyPr>
           <a:lstStyle/>
           <a:p>
-            <a:pPr algn="ctr"/>
-            <a:r>
-              <a:rPr lang="en-US" dirty="0" err="1"/>
-              <a:t>Công</a:t>
-            </a:r>
-            <a:r>
-              <a:rPr lang="en-US" dirty="0"/>
-              <a:t> </a:t>
-            </a:r>
-            <a:r>
-              <a:rPr lang="en-US" dirty="0" err="1"/>
-              <a:t>nghiệp</a:t>
-            </a:r>
-            <a:r>
-              <a:rPr lang="en-US" dirty="0"/>
-              <a:t> 4.0 </a:t>
-            </a:r>
-            <a:r>
-              <a:rPr lang="en-US" dirty="0" err="1"/>
-              <a:t>và</a:t>
-            </a:r>
-            <a:r>
-              <a:rPr lang="en-US" dirty="0"/>
-              <a:t> </a:t>
-            </a:r>
-            <a:r>
-              <a:rPr lang="en-US" dirty="0" err="1"/>
-              <a:t>cuộc</a:t>
-            </a:r>
-            <a:r>
-              <a:rPr lang="en-US" dirty="0"/>
-              <a:t> </a:t>
-            </a:r>
-            <a:r>
-              <a:rPr lang="en-US" dirty="0" err="1"/>
-              <a:t>sống</a:t>
-            </a:r>
-            <a:r>
-              <a:rPr lang="en-US" dirty="0"/>
-              <a:t> </a:t>
-            </a:r>
-            <a:r>
-              <a:rPr lang="en-US" dirty="0" err="1"/>
-              <a:t>hiện</a:t>
-            </a:r>
-            <a:r>
-              <a:rPr lang="en-US" dirty="0"/>
-              <a:t> nay </a:t>
+            <a:pPr algn="l"/>
+            <a:r>
+              <a:rPr lang="en-US" sz="6000">
+                <a:solidFill>
+                  <a:srgbClr val="FFFFFF"/>
+                </a:solidFill>
+              </a:rPr>
+              <a:t>Công nghiệp 4.0 và cuộc sống hiện nay </a:t>
             </a:r>
           </a:p>
         </p:txBody>
@@ -5867,11 +6504,88 @@
             <p:ph type="subTitle" idx="1"/>
           </p:nvPr>
         </p:nvSpPr>
-        <p:spPr/>
+        <p:spPr>
+          <a:xfrm>
+            <a:off x="4548104" y="3962088"/>
+            <a:ext cx="6112077" cy="1186108"/>
+          </a:xfrm>
+        </p:spPr>
         <p:txBody>
-          <a:bodyPr/>
+          <a:bodyPr>
+            <a:normAutofit/>
+          </a:bodyPr>
           <a:lstStyle/>
           <a:p>
+            <a:pPr algn="l"/>
+            <a:endParaRPr lang="en-US">
+              <a:solidFill>
+                <a:srgbClr val="FFFFFF">
+                  <a:alpha val="70000"/>
+                </a:srgbClr>
+              </a:solidFill>
+            </a:endParaRPr>
+          </a:p>
+        </p:txBody>
+      </p:sp>
+      <p:sp>
+        <p:nvSpPr>
+          <p:cNvPr id="26" name="Isosceles Triangle 25">
+            <a:extLst>
+              <a:ext uri="{FF2B5EF4-FFF2-40B4-BE49-F238E27FC236}">
+                <a16:creationId xmlns:a16="http://schemas.microsoft.com/office/drawing/2014/main" id="{9D2E8756-2465-473A-BA2A-2DB1D6224745}"/>
+              </a:ext>
+              <a:ext uri="{C183D7F6-B498-43B3-948B-1728B52AA6E4}">
+                <adec:decorative xmlns:adec="http://schemas.microsoft.com/office/drawing/2017/decorative" val="1"/>
+              </a:ext>
+            </a:extLst>
+          </p:cNvPr>
+          <p:cNvSpPr>
+            <a:spLocks noGrp="1" noRot="1" noChangeAspect="1" noMove="1" noResize="1" noEditPoints="1" noAdjustHandles="1" noChangeArrowheads="1" noChangeShapeType="1" noTextEdit="1"/>
+          </p:cNvSpPr>
+          <p:nvPr>
+            <p:extLst>
+              <p:ext uri="{386F3935-93C4-4BCD-93E2-E3B085C9AB24}">
+                <p16:designElem xmlns:p16="http://schemas.microsoft.com/office/powerpoint/2015/main" val="1"/>
+              </p:ext>
+            </p:extLst>
+          </p:nvPr>
+        </p:nvSpPr>
+        <p:spPr>
+          <a:xfrm rot="5400000">
+            <a:off x="4062562" y="3271487"/>
+            <a:ext cx="220660" cy="186439"/>
+          </a:xfrm>
+          <a:prstGeom prst="triangle">
+            <a:avLst/>
+          </a:prstGeom>
+          <a:solidFill>
+            <a:srgbClr val="FFFFFF"/>
+          </a:solidFill>
+          <a:ln>
+            <a:noFill/>
+          </a:ln>
+        </p:spPr>
+        <p:style>
+          <a:lnRef idx="2">
+            <a:schemeClr val="accent1">
+              <a:shade val="50000"/>
+            </a:schemeClr>
+          </a:lnRef>
+          <a:fillRef idx="1">
+            <a:schemeClr val="accent1"/>
+          </a:fillRef>
+          <a:effectRef idx="0">
+            <a:schemeClr val="accent1"/>
+          </a:effectRef>
+          <a:fontRef idx="minor">
+            <a:schemeClr val="lt1"/>
+          </a:fontRef>
+        </p:style>
+        <p:txBody>
+          <a:bodyPr rtlCol="0" anchor="ctr"/>
+          <a:lstStyle/>
+          <a:p>
+            <a:pPr algn="ctr"/>
             <a:endParaRPr lang="en-US"/>
           </a:p>
         </p:txBody>
@@ -5884,7 +6598,7 @@
     </p:extLst>
   </p:cSld>
   <p:clrMapOvr>
-    <a:masterClrMapping/>
+    <a:overrideClrMapping bg1="dk1" tx1="lt1" bg2="dk2" tx2="lt2" accent1="accent1" accent2="accent2" accent3="accent3" accent4="accent4" accent5="accent5" accent6="accent6" hlink="hlink" folHlink="folHlink"/>
   </p:clrMapOvr>
 </p:sld>
 </file>
@@ -8856,7 +9570,7 @@
               <a:t> </a:t>
             </a:r>
             <a:r>
-              <a:rPr lang="en-US"/>
+              <a:rPr lang="en-US" dirty="0" err="1"/>
               <a:t>này</a:t>
             </a:r>
             <a:endParaRPr lang="en-US" dirty="0"/>
@@ -8867,6 +9581,5447 @@
     <p:extLst>
       <p:ext uri="{BB962C8B-B14F-4D97-AF65-F5344CB8AC3E}">
         <p14:creationId xmlns:p14="http://schemas.microsoft.com/office/powerpoint/2010/main" val="2236411986"/>
+      </p:ext>
+    </p:extLst>
+  </p:cSld>
+  <p:clrMapOvr>
+    <a:masterClrMapping/>
+  </p:clrMapOvr>
+</p:sld>
+</file>
+
+<file path=ppt/slides/slide13.xml><?xml version="1.0" encoding="utf-8"?>
+<p:sld xmlns:a="http://schemas.openxmlformats.org/drawingml/2006/main" xmlns:r="http://schemas.openxmlformats.org/officeDocument/2006/relationships" xmlns:p="http://schemas.openxmlformats.org/presentationml/2006/main">
+  <p:cSld>
+    <p:spTree>
+      <p:nvGrpSpPr>
+        <p:cNvPr id="1" name=""/>
+        <p:cNvGrpSpPr/>
+        <p:nvPr/>
+      </p:nvGrpSpPr>
+      <p:grpSpPr>
+        <a:xfrm>
+          <a:off x="0" y="0"/>
+          <a:ext cx="0" cy="0"/>
+          <a:chOff x="0" y="0"/>
+          <a:chExt cx="0" cy="0"/>
+        </a:xfrm>
+      </p:grpSpPr>
+      <p:sp>
+        <p:nvSpPr>
+          <p:cNvPr id="2" name="Title 1">
+            <a:extLst>
+              <a:ext uri="{FF2B5EF4-FFF2-40B4-BE49-F238E27FC236}">
+                <a16:creationId xmlns:a16="http://schemas.microsoft.com/office/drawing/2014/main" id="{999EAB71-2F8D-4568-85C7-EC8CD3BF1A1B}"/>
+              </a:ext>
+            </a:extLst>
+          </p:cNvPr>
+          <p:cNvSpPr>
+            <a:spLocks noGrp="1"/>
+          </p:cNvSpPr>
+          <p:nvPr>
+            <p:ph type="title"/>
+          </p:nvPr>
+        </p:nvSpPr>
+        <p:spPr/>
+        <p:txBody>
+          <a:bodyPr>
+            <a:normAutofit fontScale="90000"/>
+          </a:bodyPr>
+          <a:lstStyle/>
+          <a:p>
+            <a:r>
+              <a:rPr lang="en-US" b="1" dirty="0" err="1"/>
+              <a:t>Cách</a:t>
+            </a:r>
+            <a:r>
+              <a:rPr lang="en-US" b="1" dirty="0"/>
+              <a:t> </a:t>
+            </a:r>
+            <a:r>
+              <a:rPr lang="en-US" b="1" dirty="0" err="1"/>
+              <a:t>mạng</a:t>
+            </a:r>
+            <a:r>
+              <a:rPr lang="en-US" b="1" dirty="0"/>
+              <a:t> </a:t>
+            </a:r>
+            <a:r>
+              <a:rPr lang="en-US" b="1" dirty="0" err="1"/>
+              <a:t>công</a:t>
+            </a:r>
+            <a:r>
+              <a:rPr lang="en-US" b="1" dirty="0"/>
+              <a:t> </a:t>
+            </a:r>
+            <a:r>
+              <a:rPr lang="en-US" b="1" dirty="0" err="1"/>
+              <a:t>nghiệp</a:t>
+            </a:r>
+            <a:r>
+              <a:rPr lang="en-US" b="1" dirty="0"/>
+              <a:t> 4.0 </a:t>
+            </a:r>
+            <a:r>
+              <a:rPr lang="en-US" b="1" dirty="0" err="1"/>
+              <a:t>và</a:t>
+            </a:r>
+            <a:r>
+              <a:rPr lang="en-US" b="1" dirty="0"/>
+              <a:t> </a:t>
+            </a:r>
+            <a:r>
+              <a:rPr lang="en-US" b="1" dirty="0" err="1"/>
+              <a:t>những</a:t>
+            </a:r>
+            <a:r>
+              <a:rPr lang="en-US" b="1" dirty="0"/>
+              <a:t> </a:t>
+            </a:r>
+            <a:r>
+              <a:rPr lang="en-US" b="1" dirty="0" err="1"/>
+              <a:t>vấn</a:t>
+            </a:r>
+            <a:r>
+              <a:rPr lang="en-US" b="1" dirty="0"/>
+              <a:t> </a:t>
+            </a:r>
+            <a:r>
+              <a:rPr lang="en-US" b="1" dirty="0" err="1"/>
+              <a:t>đề</a:t>
+            </a:r>
+            <a:r>
+              <a:rPr lang="en-US" b="1" dirty="0"/>
+              <a:t> </a:t>
+            </a:r>
+            <a:r>
+              <a:rPr lang="en-US" b="1" dirty="0" err="1"/>
+              <a:t>đặt</a:t>
+            </a:r>
+            <a:r>
+              <a:rPr lang="en-US" b="1" dirty="0"/>
+              <a:t> ra </a:t>
+            </a:r>
+            <a:r>
+              <a:rPr lang="en-US" b="1" dirty="0" err="1"/>
+              <a:t>với</a:t>
+            </a:r>
+            <a:r>
+              <a:rPr lang="en-US" b="1" dirty="0"/>
+              <a:t> </a:t>
+            </a:r>
+            <a:r>
+              <a:rPr lang="en-US" b="1" dirty="0" err="1"/>
+              <a:t>Việt</a:t>
+            </a:r>
+            <a:r>
+              <a:rPr lang="en-US" b="1" dirty="0"/>
+              <a:t> Nam</a:t>
+            </a:r>
+            <a:br>
+              <a:rPr lang="en-US" b="1" dirty="0"/>
+            </a:br>
+            <a:endParaRPr lang="en-US" dirty="0"/>
+          </a:p>
+        </p:txBody>
+      </p:sp>
+      <p:sp>
+        <p:nvSpPr>
+          <p:cNvPr id="3" name="Content Placeholder 2">
+            <a:extLst>
+              <a:ext uri="{FF2B5EF4-FFF2-40B4-BE49-F238E27FC236}">
+                <a16:creationId xmlns:a16="http://schemas.microsoft.com/office/drawing/2014/main" id="{9E677EDC-ADB8-4CCF-8FC7-4AC9E3FD7C06}"/>
+              </a:ext>
+            </a:extLst>
+          </p:cNvPr>
+          <p:cNvSpPr>
+            <a:spLocks noGrp="1"/>
+          </p:cNvSpPr>
+          <p:nvPr>
+            <p:ph idx="1"/>
+          </p:nvPr>
+        </p:nvSpPr>
+        <p:spPr/>
+        <p:txBody>
+          <a:bodyPr>
+            <a:normAutofit/>
+          </a:bodyPr>
+          <a:lstStyle/>
+          <a:p>
+            <a:r>
+              <a:rPr lang="en-US" dirty="0" err="1"/>
+              <a:t>Nguy</a:t>
+            </a:r>
+            <a:r>
+              <a:rPr lang="en-US" dirty="0"/>
+              <a:t> </a:t>
+            </a:r>
+            <a:r>
+              <a:rPr lang="en-US" dirty="0" err="1"/>
+              <a:t>cơ</a:t>
+            </a:r>
+            <a:r>
+              <a:rPr lang="en-US" dirty="0"/>
+              <a:t> </a:t>
+            </a:r>
+            <a:r>
+              <a:rPr lang="en-US" dirty="0" err="1"/>
+              <a:t>Việt</a:t>
+            </a:r>
+            <a:r>
+              <a:rPr lang="en-US" dirty="0"/>
+              <a:t> Nam </a:t>
+            </a:r>
+            <a:r>
+              <a:rPr lang="en-US" dirty="0" err="1"/>
+              <a:t>tụt</a:t>
+            </a:r>
+            <a:r>
+              <a:rPr lang="en-US" dirty="0"/>
+              <a:t> </a:t>
+            </a:r>
+            <a:r>
+              <a:rPr lang="en-US" dirty="0" err="1"/>
+              <a:t>hậu</a:t>
+            </a:r>
+            <a:r>
+              <a:rPr lang="en-US" dirty="0"/>
+              <a:t> </a:t>
+            </a:r>
+            <a:r>
+              <a:rPr lang="en-US" dirty="0" err="1"/>
+              <a:t>vì</a:t>
+            </a:r>
+            <a:r>
+              <a:rPr lang="en-US" dirty="0"/>
+              <a:t> </a:t>
+            </a:r>
+            <a:r>
+              <a:rPr lang="en-US" dirty="0" err="1"/>
+              <a:t>cách</a:t>
+            </a:r>
+            <a:r>
+              <a:rPr lang="en-US" dirty="0"/>
+              <a:t> </a:t>
+            </a:r>
+            <a:r>
+              <a:rPr lang="en-US" dirty="0" err="1"/>
+              <a:t>mạng</a:t>
+            </a:r>
+            <a:r>
+              <a:rPr lang="en-US" dirty="0"/>
+              <a:t> </a:t>
+            </a:r>
+            <a:r>
+              <a:rPr lang="en-US" dirty="0" err="1"/>
+              <a:t>công</a:t>
+            </a:r>
+            <a:r>
+              <a:rPr lang="en-US" dirty="0"/>
+              <a:t> </a:t>
+            </a:r>
+            <a:r>
+              <a:rPr lang="en-US" dirty="0" err="1"/>
+              <a:t>nghiệp</a:t>
+            </a:r>
+            <a:r>
+              <a:rPr lang="en-US" dirty="0"/>
+              <a:t> 4.0 </a:t>
+            </a:r>
+            <a:r>
+              <a:rPr lang="en-US" dirty="0" err="1"/>
+              <a:t>và</a:t>
+            </a:r>
+            <a:r>
+              <a:rPr lang="en-US" dirty="0"/>
+              <a:t> </a:t>
+            </a:r>
+            <a:r>
+              <a:rPr lang="en-US" dirty="0" err="1"/>
+              <a:t>việc</a:t>
+            </a:r>
+            <a:r>
+              <a:rPr lang="en-US" dirty="0"/>
+              <a:t> </a:t>
+            </a:r>
+            <a:r>
+              <a:rPr lang="en-US" dirty="0" err="1"/>
+              <a:t>lần</a:t>
+            </a:r>
+            <a:r>
+              <a:rPr lang="en-US" dirty="0"/>
+              <a:t> </a:t>
+            </a:r>
+            <a:r>
+              <a:rPr lang="en-US" dirty="0" err="1"/>
+              <a:t>đầu</a:t>
+            </a:r>
+            <a:r>
+              <a:rPr lang="en-US" dirty="0"/>
+              <a:t> </a:t>
+            </a:r>
+            <a:r>
+              <a:rPr lang="en-US" dirty="0" err="1"/>
+              <a:t>tiên</a:t>
+            </a:r>
+            <a:r>
+              <a:rPr lang="en-US" dirty="0"/>
+              <a:t> </a:t>
+            </a:r>
+            <a:r>
+              <a:rPr lang="en-US" dirty="0" err="1"/>
+              <a:t>trí</a:t>
+            </a:r>
+            <a:r>
+              <a:rPr lang="en-US" dirty="0"/>
+              <a:t> </a:t>
+            </a:r>
+            <a:r>
+              <a:rPr lang="en-US" dirty="0" err="1"/>
+              <a:t>thức</a:t>
+            </a:r>
+            <a:r>
+              <a:rPr lang="en-US" dirty="0"/>
+              <a:t>, </a:t>
+            </a:r>
+            <a:r>
+              <a:rPr lang="en-US" dirty="0" err="1"/>
+              <a:t>doanh</a:t>
+            </a:r>
+            <a:r>
+              <a:rPr lang="en-US" dirty="0"/>
+              <a:t> </a:t>
+            </a:r>
+            <a:r>
+              <a:rPr lang="en-US" dirty="0" err="1"/>
+              <a:t>nghiệp</a:t>
+            </a:r>
+            <a:r>
+              <a:rPr lang="en-US" dirty="0"/>
+              <a:t> </a:t>
+            </a:r>
+            <a:r>
+              <a:rPr lang="en-US" dirty="0" err="1"/>
+              <a:t>Việt</a:t>
+            </a:r>
+            <a:r>
+              <a:rPr lang="en-US" dirty="0"/>
+              <a:t> </a:t>
+            </a:r>
+            <a:r>
+              <a:rPr lang="en-US" dirty="0" err="1"/>
+              <a:t>trong</a:t>
+            </a:r>
+            <a:r>
+              <a:rPr lang="en-US" dirty="0"/>
+              <a:t> </a:t>
+            </a:r>
+            <a:r>
+              <a:rPr lang="en-US" dirty="0" err="1"/>
+              <a:t>nước</a:t>
+            </a:r>
+            <a:r>
+              <a:rPr lang="en-US" dirty="0"/>
+              <a:t> </a:t>
+            </a:r>
+            <a:r>
+              <a:rPr lang="en-US" dirty="0" err="1"/>
+              <a:t>và</a:t>
+            </a:r>
+            <a:r>
+              <a:rPr lang="en-US" dirty="0"/>
+              <a:t> </a:t>
+            </a:r>
+            <a:r>
+              <a:rPr lang="en-US" dirty="0" err="1"/>
+              <a:t>trên</a:t>
+            </a:r>
+            <a:r>
+              <a:rPr lang="en-US" dirty="0"/>
+              <a:t> </a:t>
+            </a:r>
+            <a:r>
+              <a:rPr lang="en-US" dirty="0" err="1"/>
+              <a:t>toàn</a:t>
+            </a:r>
+            <a:r>
+              <a:rPr lang="en-US" dirty="0"/>
+              <a:t> </a:t>
+            </a:r>
+            <a:r>
+              <a:rPr lang="en-US" dirty="0" err="1"/>
+              <a:t>cầu</a:t>
+            </a:r>
+            <a:r>
+              <a:rPr lang="en-US" dirty="0"/>
+              <a:t> </a:t>
+            </a:r>
+            <a:r>
+              <a:rPr lang="en-US" dirty="0" err="1"/>
+              <a:t>bắt</a:t>
+            </a:r>
+            <a:r>
+              <a:rPr lang="en-US" dirty="0"/>
+              <a:t> </a:t>
+            </a:r>
+            <a:r>
+              <a:rPr lang="en-US" dirty="0" err="1"/>
+              <a:t>tay</a:t>
+            </a:r>
+            <a:r>
+              <a:rPr lang="en-US" dirty="0"/>
+              <a:t> </a:t>
+            </a:r>
+            <a:r>
+              <a:rPr lang="en-US" dirty="0" err="1"/>
+              <a:t>nhau</a:t>
+            </a:r>
+            <a:r>
+              <a:rPr lang="en-US" dirty="0"/>
+              <a:t> </a:t>
+            </a:r>
+            <a:r>
+              <a:rPr lang="en-US" dirty="0" err="1"/>
+              <a:t>tìm</a:t>
+            </a:r>
+            <a:r>
+              <a:rPr lang="en-US" dirty="0"/>
+              <a:t> </a:t>
+            </a:r>
+            <a:r>
+              <a:rPr lang="en-US" dirty="0" err="1"/>
+              <a:t>lời</a:t>
+            </a:r>
+            <a:r>
+              <a:rPr lang="en-US" dirty="0"/>
+              <a:t> </a:t>
+            </a:r>
+            <a:r>
+              <a:rPr lang="en-US" dirty="0" err="1"/>
+              <a:t>giải</a:t>
+            </a:r>
+            <a:endParaRPr lang="en-US" dirty="0"/>
+          </a:p>
+          <a:p>
+            <a:r>
+              <a:rPr lang="en-US" dirty="0" err="1"/>
+              <a:t>Trước</a:t>
+            </a:r>
+            <a:r>
+              <a:rPr lang="en-US" dirty="0"/>
+              <a:t> </a:t>
+            </a:r>
+            <a:r>
+              <a:rPr lang="en-US" dirty="0" err="1"/>
+              <a:t>khi</a:t>
+            </a:r>
+            <a:r>
+              <a:rPr lang="en-US" dirty="0"/>
+              <a:t> </a:t>
+            </a:r>
+            <a:r>
+              <a:rPr lang="en-US" dirty="0" err="1"/>
+              <a:t>diễn</a:t>
+            </a:r>
+            <a:r>
+              <a:rPr lang="en-US" dirty="0"/>
+              <a:t> ra CMCN 4.0, </a:t>
+            </a:r>
+            <a:r>
+              <a:rPr lang="en-US" dirty="0" err="1"/>
+              <a:t>Việt</a:t>
+            </a:r>
+            <a:r>
+              <a:rPr lang="en-US" dirty="0"/>
+              <a:t> Nam </a:t>
+            </a:r>
+            <a:r>
+              <a:rPr lang="en-US" dirty="0" err="1"/>
+              <a:t>có</a:t>
+            </a:r>
+            <a:r>
+              <a:rPr lang="en-US" dirty="0"/>
+              <a:t> </a:t>
+            </a:r>
+            <a:r>
+              <a:rPr lang="en-US" dirty="0" err="1"/>
+              <a:t>lợi</a:t>
+            </a:r>
+            <a:r>
+              <a:rPr lang="en-US" dirty="0"/>
+              <a:t> </a:t>
+            </a:r>
+            <a:r>
+              <a:rPr lang="en-US" dirty="0" err="1"/>
+              <a:t>thế</a:t>
+            </a:r>
+            <a:r>
+              <a:rPr lang="en-US" dirty="0"/>
+              <a:t> </a:t>
+            </a:r>
+            <a:r>
+              <a:rPr lang="en-US" dirty="0" err="1"/>
+              <a:t>địa</a:t>
+            </a:r>
+            <a:r>
+              <a:rPr lang="en-US" dirty="0"/>
+              <a:t> </a:t>
+            </a:r>
+            <a:r>
+              <a:rPr lang="en-US" dirty="0" err="1"/>
+              <a:t>lý</a:t>
+            </a:r>
+            <a:r>
+              <a:rPr lang="en-US" dirty="0"/>
+              <a:t> </a:t>
+            </a:r>
+            <a:r>
+              <a:rPr lang="en-US" dirty="0" err="1"/>
+              <a:t>kinh</a:t>
+            </a:r>
+            <a:r>
+              <a:rPr lang="en-US" dirty="0"/>
+              <a:t> </a:t>
+            </a:r>
+            <a:r>
+              <a:rPr lang="en-US" dirty="0" err="1"/>
+              <a:t>tế</a:t>
+            </a:r>
+            <a:r>
+              <a:rPr lang="en-US" dirty="0"/>
+              <a:t> </a:t>
+            </a:r>
+            <a:r>
+              <a:rPr lang="en-US" dirty="0" err="1"/>
+              <a:t>và</a:t>
+            </a:r>
+            <a:r>
+              <a:rPr lang="en-US" dirty="0"/>
+              <a:t> </a:t>
+            </a:r>
+            <a:r>
+              <a:rPr lang="en-US" dirty="0" err="1"/>
+              <a:t>nguồn</a:t>
+            </a:r>
+            <a:r>
+              <a:rPr lang="en-US" dirty="0"/>
+              <a:t> lao </a:t>
+            </a:r>
+            <a:r>
+              <a:rPr lang="en-US" dirty="0" err="1"/>
+              <a:t>động</a:t>
+            </a:r>
+            <a:r>
+              <a:rPr lang="en-US" dirty="0"/>
+              <a:t> </a:t>
+            </a:r>
+            <a:r>
+              <a:rPr lang="en-US" dirty="0" err="1"/>
+              <a:t>trẻ</a:t>
+            </a:r>
+            <a:r>
+              <a:rPr lang="en-US" dirty="0"/>
+              <a:t>, </a:t>
+            </a:r>
+            <a:r>
+              <a:rPr lang="en-US" dirty="0" err="1"/>
+              <a:t>dồi</a:t>
+            </a:r>
+            <a:r>
+              <a:rPr lang="en-US" dirty="0"/>
+              <a:t> </a:t>
+            </a:r>
+            <a:r>
+              <a:rPr lang="en-US" dirty="0" err="1"/>
+              <a:t>dào</a:t>
+            </a:r>
+            <a:r>
+              <a:rPr lang="en-US" dirty="0"/>
+              <a:t>, </a:t>
+            </a:r>
+            <a:r>
+              <a:rPr lang="en-US" dirty="0" err="1"/>
+              <a:t>tham</a:t>
+            </a:r>
+            <a:r>
+              <a:rPr lang="en-US" dirty="0"/>
+              <a:t> </a:t>
+            </a:r>
+            <a:r>
+              <a:rPr lang="en-US" dirty="0" err="1"/>
+              <a:t>gia</a:t>
+            </a:r>
+            <a:r>
+              <a:rPr lang="en-US" dirty="0"/>
+              <a:t> </a:t>
+            </a:r>
+            <a:r>
+              <a:rPr lang="en-US" dirty="0" err="1"/>
+              <a:t>vào</a:t>
+            </a:r>
+            <a:r>
+              <a:rPr lang="en-US" dirty="0"/>
+              <a:t> </a:t>
+            </a:r>
+            <a:r>
+              <a:rPr lang="en-US" dirty="0" err="1"/>
+              <a:t>nhiều</a:t>
+            </a:r>
+            <a:r>
+              <a:rPr lang="en-US" dirty="0"/>
+              <a:t> </a:t>
+            </a:r>
+            <a:r>
+              <a:rPr lang="en-US" dirty="0" err="1"/>
+              <a:t>chuỗi</a:t>
+            </a:r>
+            <a:r>
+              <a:rPr lang="en-US" dirty="0"/>
+              <a:t> </a:t>
+            </a:r>
+            <a:r>
+              <a:rPr lang="en-US" dirty="0" err="1"/>
+              <a:t>giá</a:t>
+            </a:r>
+            <a:r>
+              <a:rPr lang="en-US" dirty="0"/>
+              <a:t> </a:t>
+            </a:r>
+            <a:r>
+              <a:rPr lang="en-US" dirty="0" err="1"/>
+              <a:t>trị</a:t>
+            </a:r>
+            <a:r>
+              <a:rPr lang="en-US" dirty="0"/>
+              <a:t> </a:t>
+            </a:r>
+            <a:r>
+              <a:rPr lang="en-US" dirty="0" err="1"/>
+              <a:t>toàn</a:t>
+            </a:r>
+            <a:r>
+              <a:rPr lang="en-US" dirty="0"/>
+              <a:t> </a:t>
+            </a:r>
+            <a:r>
+              <a:rPr lang="en-US" dirty="0" err="1"/>
+              <a:t>cầu</a:t>
+            </a:r>
+            <a:r>
+              <a:rPr lang="en-US" dirty="0"/>
+              <a:t> ở </a:t>
+            </a:r>
+            <a:r>
+              <a:rPr lang="en-US" dirty="0" err="1"/>
+              <a:t>khâu</a:t>
+            </a:r>
+            <a:r>
+              <a:rPr lang="en-US" dirty="0"/>
+              <a:t> </a:t>
+            </a:r>
+            <a:r>
+              <a:rPr lang="en-US" dirty="0" err="1"/>
+              <a:t>lắp</a:t>
+            </a:r>
+            <a:r>
+              <a:rPr lang="en-US" dirty="0"/>
+              <a:t> </a:t>
+            </a:r>
+            <a:r>
+              <a:rPr lang="en-US" dirty="0" err="1"/>
+              <a:t>ráp</a:t>
+            </a:r>
+            <a:r>
+              <a:rPr lang="en-US" dirty="0"/>
+              <a:t>. </a:t>
+            </a:r>
+            <a:r>
+              <a:rPr lang="en-US" dirty="0" err="1"/>
+              <a:t>Cùng</a:t>
+            </a:r>
+            <a:r>
+              <a:rPr lang="en-US" dirty="0"/>
+              <a:t> </a:t>
+            </a:r>
+            <a:r>
+              <a:rPr lang="en-US" dirty="0" err="1"/>
+              <a:t>với</a:t>
+            </a:r>
+            <a:r>
+              <a:rPr lang="en-US" dirty="0"/>
+              <a:t> </a:t>
+            </a:r>
+            <a:r>
+              <a:rPr lang="en-US" dirty="0" err="1"/>
+              <a:t>đó</a:t>
+            </a:r>
+            <a:r>
+              <a:rPr lang="en-US" dirty="0"/>
+              <a:t>, </a:t>
+            </a:r>
+            <a:r>
+              <a:rPr lang="en-US" dirty="0" err="1"/>
+              <a:t>thế</a:t>
+            </a:r>
+            <a:r>
+              <a:rPr lang="en-US" dirty="0"/>
+              <a:t> </a:t>
+            </a:r>
+            <a:r>
+              <a:rPr lang="en-US" dirty="0" err="1"/>
+              <a:t>giới</a:t>
+            </a:r>
+            <a:r>
+              <a:rPr lang="en-US" dirty="0"/>
+              <a:t> </a:t>
+            </a:r>
+            <a:r>
+              <a:rPr lang="en-US" dirty="0" err="1"/>
+              <a:t>cũng</a:t>
+            </a:r>
+            <a:r>
+              <a:rPr lang="en-US" dirty="0"/>
+              <a:t> </a:t>
+            </a:r>
+            <a:r>
+              <a:rPr lang="en-US" dirty="0" err="1"/>
+              <a:t>có</a:t>
+            </a:r>
+            <a:r>
+              <a:rPr lang="en-US" dirty="0"/>
+              <a:t> </a:t>
+            </a:r>
+            <a:r>
+              <a:rPr lang="en-US" dirty="0" err="1"/>
+              <a:t>sự</a:t>
+            </a:r>
+            <a:r>
+              <a:rPr lang="en-US" dirty="0"/>
+              <a:t> </a:t>
+            </a:r>
+            <a:r>
+              <a:rPr lang="en-US" dirty="0" err="1"/>
+              <a:t>dịch</a:t>
+            </a:r>
+            <a:r>
+              <a:rPr lang="en-US" dirty="0"/>
+              <a:t> </a:t>
+            </a:r>
+            <a:r>
+              <a:rPr lang="en-US" dirty="0" err="1"/>
+              <a:t>chuyển</a:t>
+            </a:r>
+            <a:r>
+              <a:rPr lang="en-US" dirty="0"/>
+              <a:t> </a:t>
+            </a:r>
+            <a:r>
+              <a:rPr lang="en-US" dirty="0" err="1"/>
+              <a:t>trung</a:t>
+            </a:r>
+            <a:r>
+              <a:rPr lang="en-US" dirty="0"/>
+              <a:t> </a:t>
+            </a:r>
+            <a:r>
+              <a:rPr lang="en-US" dirty="0" err="1"/>
+              <a:t>tâm</a:t>
+            </a:r>
+            <a:r>
+              <a:rPr lang="en-US" dirty="0"/>
+              <a:t> </a:t>
+            </a:r>
+            <a:r>
+              <a:rPr lang="en-US" dirty="0" err="1"/>
+              <a:t>trọng</a:t>
+            </a:r>
+            <a:r>
+              <a:rPr lang="en-US" dirty="0"/>
+              <a:t> </a:t>
+            </a:r>
+            <a:r>
+              <a:rPr lang="en-US" dirty="0" err="1"/>
+              <a:t>lực</a:t>
+            </a:r>
+            <a:r>
+              <a:rPr lang="en-US" dirty="0"/>
+              <a:t> </a:t>
+            </a:r>
+            <a:r>
+              <a:rPr lang="en-US" dirty="0" err="1"/>
+              <a:t>kinh</a:t>
+            </a:r>
+            <a:r>
+              <a:rPr lang="en-US" dirty="0"/>
+              <a:t> </a:t>
+            </a:r>
+            <a:r>
+              <a:rPr lang="en-US" dirty="0" err="1"/>
+              <a:t>tế</a:t>
+            </a:r>
+            <a:r>
+              <a:rPr lang="en-US" dirty="0"/>
+              <a:t> </a:t>
+            </a:r>
+            <a:r>
+              <a:rPr lang="en-US" dirty="0" err="1"/>
+              <a:t>toàn</a:t>
+            </a:r>
+            <a:r>
+              <a:rPr lang="en-US" dirty="0"/>
+              <a:t> </a:t>
+            </a:r>
+            <a:r>
+              <a:rPr lang="en-US" dirty="0" err="1"/>
+              <a:t>cầu</a:t>
+            </a:r>
+            <a:r>
+              <a:rPr lang="en-US" dirty="0"/>
+              <a:t> </a:t>
+            </a:r>
+            <a:r>
+              <a:rPr lang="en-US" dirty="0" err="1"/>
+              <a:t>từ</a:t>
+            </a:r>
+            <a:r>
+              <a:rPr lang="en-US" dirty="0"/>
+              <a:t> </a:t>
+            </a:r>
+            <a:r>
+              <a:rPr lang="en-US" dirty="0" err="1"/>
+              <a:t>Tây</a:t>
+            </a:r>
+            <a:r>
+              <a:rPr lang="en-US" dirty="0"/>
+              <a:t> sang </a:t>
+            </a:r>
+            <a:r>
+              <a:rPr lang="en-US" dirty="0" err="1"/>
+              <a:t>Đông</a:t>
+            </a:r>
+            <a:r>
+              <a:rPr lang="en-US" dirty="0"/>
+              <a:t>, </a:t>
+            </a:r>
+            <a:r>
+              <a:rPr lang="en-US" dirty="0" err="1"/>
+              <a:t>từ</a:t>
+            </a:r>
+            <a:r>
+              <a:rPr lang="en-US" dirty="0"/>
+              <a:t> </a:t>
+            </a:r>
+            <a:r>
+              <a:rPr lang="en-US" dirty="0" err="1"/>
+              <a:t>Bắc</a:t>
+            </a:r>
+            <a:r>
+              <a:rPr lang="en-US" dirty="0"/>
+              <a:t> </a:t>
+            </a:r>
+            <a:r>
+              <a:rPr lang="en-US" dirty="0" err="1"/>
+              <a:t>xuống</a:t>
+            </a:r>
+            <a:r>
+              <a:rPr lang="en-US" dirty="0"/>
+              <a:t> Nam. </a:t>
+            </a:r>
+            <a:r>
+              <a:rPr lang="en-US" dirty="0" err="1"/>
+              <a:t>Tuy</a:t>
+            </a:r>
+            <a:r>
+              <a:rPr lang="en-US" dirty="0"/>
+              <a:t> </a:t>
+            </a:r>
+            <a:r>
+              <a:rPr lang="en-US" dirty="0" err="1"/>
+              <a:t>nhiên</a:t>
+            </a:r>
+            <a:r>
+              <a:rPr lang="en-US" dirty="0"/>
+              <a:t>, </a:t>
+            </a:r>
+            <a:r>
+              <a:rPr lang="en-US" dirty="0" err="1"/>
+              <a:t>khi</a:t>
+            </a:r>
+            <a:r>
+              <a:rPr lang="en-US" dirty="0"/>
+              <a:t> CMCN 4.0 </a:t>
+            </a:r>
+            <a:r>
+              <a:rPr lang="en-US" dirty="0" err="1"/>
+              <a:t>đổ</a:t>
+            </a:r>
+            <a:r>
+              <a:rPr lang="en-US" dirty="0"/>
+              <a:t> </a:t>
+            </a:r>
+            <a:r>
+              <a:rPr lang="en-US" dirty="0" err="1"/>
+              <a:t>bộ</a:t>
+            </a:r>
+            <a:r>
+              <a:rPr lang="en-US" dirty="0"/>
+              <a:t> </a:t>
+            </a:r>
+            <a:r>
+              <a:rPr lang="en-US" dirty="0" err="1"/>
+              <a:t>thì</a:t>
+            </a:r>
+            <a:r>
+              <a:rPr lang="en-US" dirty="0"/>
+              <a:t> </a:t>
+            </a:r>
+            <a:r>
+              <a:rPr lang="en-US" dirty="0" err="1"/>
+              <a:t>những</a:t>
+            </a:r>
+            <a:r>
+              <a:rPr lang="en-US" dirty="0"/>
+              <a:t> </a:t>
+            </a:r>
+            <a:r>
+              <a:rPr lang="en-US" dirty="0" err="1"/>
+              <a:t>điều</a:t>
+            </a:r>
+            <a:r>
+              <a:rPr lang="en-US" dirty="0"/>
+              <a:t> </a:t>
+            </a:r>
+            <a:r>
+              <a:rPr lang="en-US" dirty="0" err="1"/>
+              <a:t>trên</a:t>
+            </a:r>
+            <a:r>
+              <a:rPr lang="en-US" dirty="0"/>
+              <a:t> </a:t>
+            </a:r>
+            <a:r>
+              <a:rPr lang="en-US" dirty="0" err="1"/>
+              <a:t>sẽ</a:t>
+            </a:r>
+            <a:r>
+              <a:rPr lang="en-US" dirty="0"/>
+              <a:t> </a:t>
+            </a:r>
+            <a:r>
+              <a:rPr lang="en-US" dirty="0" err="1"/>
+              <a:t>thay</a:t>
+            </a:r>
+            <a:r>
+              <a:rPr lang="en-US" dirty="0"/>
+              <a:t> </a:t>
+            </a:r>
+            <a:r>
+              <a:rPr lang="en-US" dirty="0" err="1"/>
+              <a:t>đổi</a:t>
+            </a:r>
+            <a:r>
+              <a:rPr lang="en-US" dirty="0"/>
+              <a:t>, </a:t>
+            </a:r>
+            <a:r>
+              <a:rPr lang="en-US" dirty="0" err="1"/>
+              <a:t>làm</a:t>
+            </a:r>
+            <a:r>
+              <a:rPr lang="en-US" dirty="0"/>
+              <a:t> </a:t>
+            </a:r>
+            <a:r>
+              <a:rPr lang="en-US" dirty="0" err="1"/>
+              <a:t>suy</a:t>
+            </a:r>
+            <a:r>
+              <a:rPr lang="en-US" dirty="0"/>
+              <a:t> </a:t>
+            </a:r>
+            <a:r>
+              <a:rPr lang="en-US" dirty="0" err="1"/>
+              <a:t>giảm</a:t>
+            </a:r>
+            <a:r>
+              <a:rPr lang="en-US" dirty="0"/>
+              <a:t> </a:t>
+            </a:r>
+            <a:r>
+              <a:rPr lang="en-US" dirty="0" err="1"/>
+              <a:t>lợi</a:t>
+            </a:r>
+            <a:r>
+              <a:rPr lang="en-US" dirty="0"/>
+              <a:t> </a:t>
+            </a:r>
+            <a:r>
+              <a:rPr lang="en-US" dirty="0" err="1"/>
+              <a:t>thế</a:t>
+            </a:r>
+            <a:r>
+              <a:rPr lang="en-US" dirty="0"/>
+              <a:t> lao </a:t>
+            </a:r>
+            <a:r>
+              <a:rPr lang="en-US" dirty="0" err="1"/>
+              <a:t>động</a:t>
+            </a:r>
+            <a:r>
+              <a:rPr lang="en-US" dirty="0"/>
+              <a:t> </a:t>
+            </a:r>
+            <a:r>
+              <a:rPr lang="en-US" dirty="0" err="1"/>
+              <a:t>giá</a:t>
+            </a:r>
+            <a:r>
+              <a:rPr lang="en-US" dirty="0"/>
+              <a:t> </a:t>
+            </a:r>
+            <a:r>
+              <a:rPr lang="en-US" dirty="0" err="1"/>
+              <a:t>rẻ</a:t>
+            </a:r>
+            <a:r>
+              <a:rPr lang="en-US" dirty="0"/>
+              <a:t>, </a:t>
+            </a:r>
+            <a:r>
+              <a:rPr lang="en-US" dirty="0" err="1"/>
+              <a:t>cũng</a:t>
+            </a:r>
+            <a:r>
+              <a:rPr lang="en-US" dirty="0"/>
+              <a:t> </a:t>
+            </a:r>
+            <a:r>
+              <a:rPr lang="en-US" dirty="0" err="1"/>
+              <a:t>như</a:t>
+            </a:r>
+            <a:r>
+              <a:rPr lang="en-US" dirty="0"/>
+              <a:t> </a:t>
+            </a:r>
+            <a:r>
+              <a:rPr lang="en-US" dirty="0" err="1"/>
+              <a:t>lợi</a:t>
+            </a:r>
+            <a:r>
+              <a:rPr lang="en-US" dirty="0"/>
+              <a:t> </a:t>
+            </a:r>
+            <a:r>
+              <a:rPr lang="en-US" dirty="0" err="1"/>
+              <a:t>thế</a:t>
+            </a:r>
+            <a:r>
+              <a:rPr lang="en-US" dirty="0"/>
+              <a:t> </a:t>
+            </a:r>
+            <a:r>
+              <a:rPr lang="en-US" dirty="0" err="1"/>
+              <a:t>địa</a:t>
+            </a:r>
+            <a:r>
+              <a:rPr lang="en-US" dirty="0"/>
+              <a:t> </a:t>
+            </a:r>
+            <a:r>
+              <a:rPr lang="en-US" dirty="0" err="1"/>
+              <a:t>kinh</a:t>
+            </a:r>
+            <a:r>
+              <a:rPr lang="en-US" dirty="0"/>
+              <a:t> </a:t>
+            </a:r>
+            <a:r>
+              <a:rPr lang="en-US" dirty="0" err="1"/>
+              <a:t>tế</a:t>
+            </a:r>
+            <a:r>
+              <a:rPr lang="en-US" dirty="0"/>
+              <a:t> </a:t>
+            </a:r>
+            <a:r>
+              <a:rPr lang="en-US" dirty="0" err="1"/>
+              <a:t>khi</a:t>
+            </a:r>
+            <a:r>
+              <a:rPr lang="en-US" dirty="0"/>
+              <a:t> </a:t>
+            </a:r>
+            <a:r>
+              <a:rPr lang="en-US" dirty="0" err="1"/>
+              <a:t>đưa</a:t>
+            </a:r>
+            <a:r>
+              <a:rPr lang="en-US" dirty="0"/>
+              <a:t> </a:t>
+            </a:r>
+            <a:r>
+              <a:rPr lang="en-US" dirty="0" err="1"/>
+              <a:t>công</a:t>
+            </a:r>
+            <a:r>
+              <a:rPr lang="en-US" dirty="0"/>
+              <a:t> </a:t>
+            </a:r>
+            <a:r>
+              <a:rPr lang="en-US" dirty="0" err="1"/>
+              <a:t>nghiệp</a:t>
+            </a:r>
+            <a:r>
+              <a:rPr lang="en-US" dirty="0"/>
+              <a:t> </a:t>
+            </a:r>
+            <a:r>
+              <a:rPr lang="en-US" dirty="0" err="1"/>
+              <a:t>chế</a:t>
+            </a:r>
+            <a:r>
+              <a:rPr lang="en-US" dirty="0"/>
+              <a:t> </a:t>
+            </a:r>
+            <a:r>
+              <a:rPr lang="en-US" dirty="0" err="1"/>
+              <a:t>tạo</a:t>
+            </a:r>
+            <a:r>
+              <a:rPr lang="en-US" dirty="0"/>
+              <a:t> quay </a:t>
+            </a:r>
+            <a:r>
+              <a:rPr lang="en-US" dirty="0" err="1"/>
+              <a:t>lại</a:t>
+            </a:r>
+            <a:r>
+              <a:rPr lang="en-US" dirty="0"/>
+              <a:t> </a:t>
+            </a:r>
+            <a:r>
+              <a:rPr lang="en-US" dirty="0" err="1"/>
+              <a:t>các</a:t>
+            </a:r>
+            <a:r>
+              <a:rPr lang="en-US" dirty="0"/>
+              <a:t> </a:t>
+            </a:r>
+            <a:r>
+              <a:rPr lang="en-US" dirty="0" err="1"/>
+              <a:t>nước</a:t>
+            </a:r>
+            <a:r>
+              <a:rPr lang="en-US" dirty="0"/>
+              <a:t> </a:t>
+            </a:r>
+            <a:r>
+              <a:rPr lang="en-US" dirty="0" err="1"/>
+              <a:t>phát</a:t>
+            </a:r>
+            <a:r>
+              <a:rPr lang="en-US" dirty="0"/>
+              <a:t> </a:t>
+            </a:r>
+            <a:r>
+              <a:rPr lang="en-US" dirty="0" err="1"/>
+              <a:t>triển</a:t>
+            </a:r>
+            <a:r>
+              <a:rPr lang="en-US" dirty="0"/>
+              <a:t> </a:t>
+            </a:r>
+            <a:r>
+              <a:rPr lang="en-US" dirty="0" err="1"/>
+              <a:t>để</a:t>
+            </a:r>
+            <a:r>
+              <a:rPr lang="en-US" dirty="0"/>
+              <a:t> </a:t>
+            </a:r>
+            <a:r>
+              <a:rPr lang="en-US" dirty="0" err="1"/>
+              <a:t>gần</a:t>
+            </a:r>
+            <a:r>
+              <a:rPr lang="en-US" dirty="0"/>
+              <a:t> </a:t>
+            </a:r>
+            <a:r>
+              <a:rPr lang="en-US" dirty="0" err="1"/>
+              <a:t>thị</a:t>
+            </a:r>
+            <a:r>
+              <a:rPr lang="en-US" dirty="0"/>
+              <a:t> </a:t>
+            </a:r>
+            <a:r>
+              <a:rPr lang="en-US" dirty="0" err="1"/>
+              <a:t>trường</a:t>
+            </a:r>
+            <a:r>
+              <a:rPr lang="en-US" dirty="0"/>
+              <a:t> </a:t>
+            </a:r>
+            <a:r>
+              <a:rPr lang="en-US" dirty="0" err="1"/>
+              <a:t>tiêu</a:t>
+            </a:r>
+            <a:r>
+              <a:rPr lang="en-US" dirty="0"/>
+              <a:t> </a:t>
+            </a:r>
+            <a:r>
+              <a:rPr lang="en-US" dirty="0" err="1"/>
+              <a:t>thụ</a:t>
+            </a:r>
+            <a:r>
+              <a:rPr lang="en-US" dirty="0"/>
+              <a:t>. </a:t>
+            </a:r>
+            <a:r>
+              <a:rPr lang="en-US" dirty="0" err="1"/>
+              <a:t>Với</a:t>
+            </a:r>
+            <a:r>
+              <a:rPr lang="en-US" dirty="0"/>
+              <a:t> </a:t>
+            </a:r>
+            <a:r>
+              <a:rPr lang="en-US" dirty="0" err="1"/>
+              <a:t>tình</a:t>
+            </a:r>
+            <a:r>
+              <a:rPr lang="en-US" dirty="0"/>
+              <a:t> </a:t>
+            </a:r>
+            <a:r>
+              <a:rPr lang="en-US" dirty="0" err="1"/>
+              <a:t>thế</a:t>
+            </a:r>
+            <a:r>
+              <a:rPr lang="en-US" dirty="0"/>
+              <a:t> </a:t>
+            </a:r>
+            <a:r>
+              <a:rPr lang="en-US" dirty="0" err="1"/>
+              <a:t>đó</a:t>
+            </a:r>
+            <a:r>
+              <a:rPr lang="en-US" dirty="0"/>
+              <a:t>, </a:t>
+            </a:r>
+            <a:r>
+              <a:rPr lang="en-US" dirty="0" err="1"/>
+              <a:t>Việt</a:t>
+            </a:r>
+            <a:r>
+              <a:rPr lang="en-US" dirty="0"/>
+              <a:t> Nam </a:t>
+            </a:r>
+            <a:r>
+              <a:rPr lang="en-US" dirty="0" err="1"/>
+              <a:t>sẽ</a:t>
+            </a:r>
+            <a:r>
+              <a:rPr lang="en-US" dirty="0"/>
+              <a:t> </a:t>
+            </a:r>
+            <a:r>
+              <a:rPr lang="en-US" dirty="0" err="1"/>
+              <a:t>chịu</a:t>
+            </a:r>
+            <a:r>
+              <a:rPr lang="en-US" dirty="0"/>
+              <a:t> </a:t>
+            </a:r>
+            <a:r>
+              <a:rPr lang="en-US" dirty="0" err="1"/>
+              <a:t>áp</a:t>
+            </a:r>
+            <a:r>
+              <a:rPr lang="en-US" dirty="0"/>
+              <a:t> </a:t>
+            </a:r>
+            <a:r>
+              <a:rPr lang="en-US" dirty="0" err="1"/>
+              <a:t>lực</a:t>
+            </a:r>
+            <a:r>
+              <a:rPr lang="en-US" dirty="0"/>
+              <a:t> </a:t>
+            </a:r>
+            <a:r>
+              <a:rPr lang="en-US" dirty="0" err="1"/>
+              <a:t>tụt</a:t>
+            </a:r>
+            <a:r>
+              <a:rPr lang="en-US" dirty="0"/>
+              <a:t> </a:t>
+            </a:r>
+            <a:r>
+              <a:rPr lang="en-US" dirty="0" err="1"/>
+              <a:t>hậu</a:t>
+            </a:r>
+            <a:r>
+              <a:rPr lang="en-US" dirty="0"/>
+              <a:t> </a:t>
+            </a:r>
+            <a:r>
+              <a:rPr lang="en-US" dirty="0" err="1"/>
+              <a:t>nhưng</a:t>
+            </a:r>
+            <a:r>
+              <a:rPr lang="en-US" dirty="0"/>
+              <a:t> </a:t>
+            </a:r>
+            <a:r>
+              <a:rPr lang="en-US" dirty="0" err="1"/>
+              <a:t>vẫn</a:t>
+            </a:r>
+            <a:r>
+              <a:rPr lang="en-US" dirty="0"/>
+              <a:t> </a:t>
+            </a:r>
+            <a:r>
+              <a:rPr lang="en-US" dirty="0" err="1"/>
+              <a:t>phải</a:t>
+            </a:r>
+            <a:r>
+              <a:rPr lang="en-US" dirty="0"/>
+              <a:t> </a:t>
+            </a:r>
+            <a:r>
+              <a:rPr lang="en-US" dirty="0" err="1"/>
+              <a:t>hội</a:t>
+            </a:r>
+            <a:r>
+              <a:rPr lang="en-US" dirty="0"/>
+              <a:t> </a:t>
+            </a:r>
+            <a:r>
+              <a:rPr lang="en-US" dirty="0" err="1"/>
+              <a:t>nhập</a:t>
+            </a:r>
+            <a:r>
+              <a:rPr lang="en-US" dirty="0"/>
+              <a:t> </a:t>
+            </a:r>
+            <a:r>
+              <a:rPr lang="en-US" dirty="0" err="1"/>
+              <a:t>vào</a:t>
+            </a:r>
+            <a:r>
+              <a:rPr lang="en-US" dirty="0"/>
+              <a:t> </a:t>
+            </a:r>
+            <a:r>
+              <a:rPr lang="en-US" dirty="0" err="1"/>
+              <a:t>thế</a:t>
+            </a:r>
+            <a:r>
+              <a:rPr lang="en-US" dirty="0"/>
+              <a:t> </a:t>
+            </a:r>
+            <a:r>
+              <a:rPr lang="en-US" dirty="0" err="1"/>
+              <a:t>giới</a:t>
+            </a:r>
+            <a:r>
+              <a:rPr lang="en-US" dirty="0"/>
+              <a:t> </a:t>
+            </a:r>
+            <a:r>
+              <a:rPr lang="en-US" dirty="0" err="1"/>
+              <a:t>công</a:t>
+            </a:r>
+            <a:r>
+              <a:rPr lang="en-US" dirty="0"/>
+              <a:t> </a:t>
+            </a:r>
+            <a:r>
+              <a:rPr lang="en-US" dirty="0" err="1"/>
+              <a:t>nghệ</a:t>
+            </a:r>
+            <a:r>
+              <a:rPr lang="en-US" dirty="0"/>
+              <a:t> </a:t>
+            </a:r>
+            <a:r>
+              <a:rPr lang="en-US" dirty="0" err="1"/>
+              <a:t>cao</a:t>
+            </a:r>
+            <a:r>
+              <a:rPr lang="en-US" dirty="0"/>
+              <a:t> </a:t>
+            </a:r>
+            <a:r>
+              <a:rPr lang="en-US" dirty="0" err="1"/>
+              <a:t>và</a:t>
+            </a:r>
+            <a:r>
+              <a:rPr lang="en-US" dirty="0"/>
+              <a:t> </a:t>
+            </a:r>
+            <a:r>
+              <a:rPr lang="en-US" dirty="0" err="1"/>
+              <a:t>cạnh</a:t>
+            </a:r>
+            <a:r>
+              <a:rPr lang="en-US" dirty="0"/>
+              <a:t> </a:t>
+            </a:r>
+            <a:r>
+              <a:rPr lang="en-US" dirty="0" err="1"/>
+              <a:t>tranh</a:t>
+            </a:r>
+            <a:r>
+              <a:rPr lang="en-US" dirty="0"/>
+              <a:t> </a:t>
+            </a:r>
+            <a:r>
+              <a:rPr lang="en-US" dirty="0" err="1"/>
+              <a:t>trong</a:t>
+            </a:r>
+            <a:r>
+              <a:rPr lang="en-US" dirty="0"/>
+              <a:t> </a:t>
+            </a:r>
+            <a:r>
+              <a:rPr lang="en-US" dirty="0" err="1"/>
+              <a:t>đó</a:t>
+            </a:r>
+            <a:r>
+              <a:rPr lang="en-US" dirty="0"/>
+              <a:t>. </a:t>
+            </a:r>
+            <a:r>
+              <a:rPr lang="en-US" dirty="0" err="1"/>
+              <a:t>Thất</a:t>
+            </a:r>
+            <a:r>
+              <a:rPr lang="en-US" dirty="0"/>
+              <a:t> </a:t>
+            </a:r>
+            <a:r>
+              <a:rPr lang="en-US" dirty="0" err="1"/>
+              <a:t>nghiệp</a:t>
+            </a:r>
+            <a:r>
+              <a:rPr lang="en-US" dirty="0"/>
+              <a:t> </a:t>
+            </a:r>
+            <a:r>
+              <a:rPr lang="en-US" dirty="0" err="1"/>
+              <a:t>và</a:t>
+            </a:r>
+            <a:r>
+              <a:rPr lang="en-US" dirty="0"/>
+              <a:t> </a:t>
+            </a:r>
+            <a:r>
+              <a:rPr lang="en-US" dirty="0" err="1"/>
+              <a:t>lạm</a:t>
+            </a:r>
+            <a:r>
+              <a:rPr lang="en-US" dirty="0"/>
+              <a:t> </a:t>
+            </a:r>
+            <a:r>
+              <a:rPr lang="en-US" dirty="0" err="1"/>
+              <a:t>phát</a:t>
+            </a:r>
+            <a:r>
+              <a:rPr lang="en-US" dirty="0"/>
+              <a:t> </a:t>
+            </a:r>
+            <a:r>
+              <a:rPr lang="en-US" dirty="0" err="1"/>
+              <a:t>là</a:t>
+            </a:r>
+            <a:r>
+              <a:rPr lang="en-US" dirty="0"/>
+              <a:t> </a:t>
+            </a:r>
+            <a:r>
+              <a:rPr lang="en-US" dirty="0" err="1"/>
+              <a:t>hai</a:t>
+            </a:r>
+            <a:r>
+              <a:rPr lang="en-US" dirty="0"/>
+              <a:t> </a:t>
+            </a:r>
+            <a:r>
+              <a:rPr lang="en-US" dirty="0" err="1"/>
+              <a:t>vấn</a:t>
+            </a:r>
+            <a:r>
+              <a:rPr lang="en-US" dirty="0"/>
+              <a:t> </a:t>
+            </a:r>
+            <a:r>
+              <a:rPr lang="en-US" dirty="0" err="1"/>
+              <a:t>đề</a:t>
+            </a:r>
+            <a:r>
+              <a:rPr lang="en-US" dirty="0"/>
+              <a:t> nan </a:t>
+            </a:r>
+            <a:r>
+              <a:rPr lang="en-US" dirty="0" err="1"/>
+              <a:t>giải</a:t>
+            </a:r>
+            <a:r>
+              <a:rPr lang="en-US" dirty="0"/>
+              <a:t> </a:t>
+            </a:r>
+            <a:r>
+              <a:rPr lang="en-US" dirty="0" err="1"/>
+              <a:t>nhất</a:t>
+            </a:r>
+            <a:r>
+              <a:rPr lang="en-US" dirty="0"/>
+              <a:t> </a:t>
+            </a:r>
+            <a:r>
+              <a:rPr lang="en-US" dirty="0" err="1"/>
+              <a:t>của</a:t>
+            </a:r>
+            <a:r>
+              <a:rPr lang="en-US" dirty="0"/>
+              <a:t> </a:t>
+            </a:r>
+            <a:r>
+              <a:rPr lang="en-US" dirty="0" err="1"/>
+              <a:t>nước</a:t>
+            </a:r>
+            <a:r>
+              <a:rPr lang="en-US" dirty="0"/>
+              <a:t> ta </a:t>
+            </a:r>
+            <a:r>
+              <a:rPr lang="en-US" dirty="0" err="1"/>
+              <a:t>trước</a:t>
+            </a:r>
+            <a:r>
+              <a:rPr lang="en-US" dirty="0"/>
+              <a:t> </a:t>
+            </a:r>
+            <a:r>
+              <a:rPr lang="en-US" dirty="0" err="1"/>
+              <a:t>tác</a:t>
+            </a:r>
+            <a:r>
+              <a:rPr lang="en-US" dirty="0"/>
+              <a:t> </a:t>
+            </a:r>
+            <a:r>
+              <a:rPr lang="en-US" dirty="0" err="1"/>
+              <a:t>động</a:t>
+            </a:r>
+            <a:r>
+              <a:rPr lang="en-US" dirty="0"/>
+              <a:t> </a:t>
+            </a:r>
+            <a:r>
+              <a:rPr lang="en-US" dirty="0" err="1"/>
+              <a:t>của</a:t>
+            </a:r>
+            <a:r>
+              <a:rPr lang="en-US" dirty="0"/>
+              <a:t> </a:t>
+            </a:r>
+            <a:r>
+              <a:rPr lang="en-US" dirty="0" err="1"/>
+              <a:t>cuộc</a:t>
+            </a:r>
+            <a:r>
+              <a:rPr lang="en-US" dirty="0"/>
+              <a:t> CMCN 4.0, </a:t>
+            </a:r>
+            <a:r>
+              <a:rPr lang="en-US" dirty="0" err="1"/>
+              <a:t>có</a:t>
+            </a:r>
+            <a:r>
+              <a:rPr lang="en-US" dirty="0"/>
+              <a:t> </a:t>
+            </a:r>
+            <a:r>
+              <a:rPr lang="en-US" dirty="0" err="1"/>
+              <a:t>ảnh</a:t>
+            </a:r>
+            <a:r>
+              <a:rPr lang="en-US" dirty="0"/>
+              <a:t> </a:t>
+            </a:r>
+            <a:r>
+              <a:rPr lang="en-US" dirty="0" err="1"/>
+              <a:t>hưởng</a:t>
+            </a:r>
+            <a:r>
+              <a:rPr lang="en-US" dirty="0"/>
+              <a:t> </a:t>
+            </a:r>
+            <a:r>
+              <a:rPr lang="en-US" dirty="0" err="1"/>
+              <a:t>rất</a:t>
+            </a:r>
+            <a:r>
+              <a:rPr lang="en-US" dirty="0"/>
+              <a:t> </a:t>
+            </a:r>
+            <a:r>
+              <a:rPr lang="en-US" dirty="0" err="1"/>
+              <a:t>lớn</a:t>
+            </a:r>
+            <a:r>
+              <a:rPr lang="en-US" dirty="0"/>
+              <a:t> </a:t>
+            </a:r>
+            <a:r>
+              <a:rPr lang="en-US" dirty="0" err="1"/>
+              <a:t>đến</a:t>
+            </a:r>
+            <a:r>
+              <a:rPr lang="en-US" dirty="0"/>
+              <a:t> </a:t>
+            </a:r>
+            <a:r>
+              <a:rPr lang="en-US" dirty="0" err="1"/>
+              <a:t>sự</a:t>
+            </a:r>
+            <a:r>
+              <a:rPr lang="en-US" dirty="0"/>
+              <a:t> </a:t>
+            </a:r>
+            <a:r>
+              <a:rPr lang="en-US" dirty="0" err="1"/>
+              <a:t>phát</a:t>
+            </a:r>
+            <a:r>
+              <a:rPr lang="en-US" dirty="0"/>
+              <a:t> </a:t>
+            </a:r>
+            <a:r>
+              <a:rPr lang="en-US" dirty="0" err="1"/>
+              <a:t>triển</a:t>
+            </a:r>
+            <a:r>
+              <a:rPr lang="en-US" dirty="0"/>
+              <a:t> </a:t>
+            </a:r>
+            <a:r>
+              <a:rPr lang="en-US" dirty="0" err="1"/>
+              <a:t>và</a:t>
+            </a:r>
+            <a:r>
+              <a:rPr lang="en-US" dirty="0"/>
+              <a:t> </a:t>
+            </a:r>
+            <a:r>
+              <a:rPr lang="en-US" dirty="0" err="1"/>
+              <a:t>sự</a:t>
+            </a:r>
+            <a:r>
+              <a:rPr lang="en-US" dirty="0"/>
+              <a:t> </a:t>
+            </a:r>
+            <a:r>
+              <a:rPr lang="en-US" dirty="0" err="1"/>
+              <a:t>ổn</a:t>
+            </a:r>
+            <a:r>
+              <a:rPr lang="en-US" dirty="0"/>
+              <a:t> </a:t>
+            </a:r>
+            <a:r>
+              <a:rPr lang="en-US" dirty="0" err="1"/>
+              <a:t>định</a:t>
+            </a:r>
+            <a:r>
+              <a:rPr lang="en-US" dirty="0"/>
+              <a:t> </a:t>
+            </a:r>
+            <a:r>
+              <a:rPr lang="en-US" dirty="0" err="1"/>
+              <a:t>kinh</a:t>
+            </a:r>
+            <a:r>
+              <a:rPr lang="en-US" dirty="0"/>
+              <a:t> </a:t>
+            </a:r>
+            <a:r>
+              <a:rPr lang="en-US" dirty="0" err="1"/>
+              <a:t>tế</a:t>
+            </a:r>
+            <a:r>
+              <a:rPr lang="en-US" dirty="0"/>
+              <a:t> - </a:t>
+            </a:r>
+            <a:r>
+              <a:rPr lang="en-US" dirty="0" err="1"/>
+              <a:t>chính</a:t>
+            </a:r>
+            <a:r>
+              <a:rPr lang="en-US" dirty="0"/>
+              <a:t> </a:t>
+            </a:r>
+            <a:r>
+              <a:rPr lang="en-US" dirty="0" err="1"/>
+              <a:t>trị</a:t>
+            </a:r>
+            <a:r>
+              <a:rPr lang="en-US" dirty="0"/>
+              <a:t> - </a:t>
+            </a:r>
+            <a:r>
+              <a:rPr lang="en-US" dirty="0" err="1"/>
+              <a:t>xã</a:t>
+            </a:r>
+            <a:r>
+              <a:rPr lang="en-US" dirty="0"/>
+              <a:t> </a:t>
+            </a:r>
+            <a:r>
+              <a:rPr lang="en-US" dirty="0" err="1"/>
+              <a:t>hội</a:t>
+            </a:r>
+            <a:r>
+              <a:rPr lang="en-US" dirty="0"/>
+              <a:t> </a:t>
+            </a:r>
+            <a:r>
+              <a:rPr lang="en-US" dirty="0" err="1"/>
+              <a:t>nói</a:t>
+            </a:r>
+            <a:r>
+              <a:rPr lang="en-US" dirty="0"/>
+              <a:t> </a:t>
+            </a:r>
+            <a:r>
+              <a:rPr lang="en-US" dirty="0" err="1"/>
+              <a:t>chung</a:t>
+            </a:r>
+            <a:r>
+              <a:rPr lang="en-US" dirty="0"/>
+              <a:t>, an </a:t>
+            </a:r>
+            <a:r>
+              <a:rPr lang="en-US" dirty="0" err="1"/>
+              <a:t>ninh</a:t>
+            </a:r>
+            <a:r>
+              <a:rPr lang="en-US" dirty="0"/>
+              <a:t> </a:t>
+            </a:r>
+            <a:r>
+              <a:rPr lang="en-US" dirty="0" err="1"/>
+              <a:t>trật</a:t>
+            </a:r>
+            <a:r>
+              <a:rPr lang="en-US" dirty="0"/>
+              <a:t> </a:t>
+            </a:r>
+            <a:r>
+              <a:rPr lang="en-US" dirty="0" err="1"/>
+              <a:t>tự</a:t>
+            </a:r>
+            <a:r>
+              <a:rPr lang="en-US" dirty="0"/>
+              <a:t> </a:t>
+            </a:r>
+            <a:r>
+              <a:rPr lang="en-US" dirty="0" err="1"/>
+              <a:t>nói</a:t>
+            </a:r>
+            <a:r>
+              <a:rPr lang="en-US" dirty="0"/>
+              <a:t> </a:t>
+            </a:r>
+            <a:r>
+              <a:rPr lang="en-US" dirty="0" err="1"/>
+              <a:t>riêng</a:t>
+            </a:r>
+            <a:r>
+              <a:rPr lang="en-US" dirty="0"/>
+              <a:t>.</a:t>
+            </a:r>
+          </a:p>
+          <a:p>
+            <a:endParaRPr lang="en-US" dirty="0"/>
+          </a:p>
+        </p:txBody>
+      </p:sp>
+    </p:spTree>
+    <p:extLst>
+      <p:ext uri="{BB962C8B-B14F-4D97-AF65-F5344CB8AC3E}">
+        <p14:creationId xmlns:p14="http://schemas.microsoft.com/office/powerpoint/2010/main" val="568847499"/>
+      </p:ext>
+    </p:extLst>
+  </p:cSld>
+  <p:clrMapOvr>
+    <a:masterClrMapping/>
+  </p:clrMapOvr>
+</p:sld>
+</file>
+
+<file path=ppt/slides/slide14.xml><?xml version="1.0" encoding="utf-8"?>
+<p:sld xmlns:a="http://schemas.openxmlformats.org/drawingml/2006/main" xmlns:r="http://schemas.openxmlformats.org/officeDocument/2006/relationships" xmlns:p="http://schemas.openxmlformats.org/presentationml/2006/main">
+  <p:cSld>
+    <p:spTree>
+      <p:nvGrpSpPr>
+        <p:cNvPr id="1" name=""/>
+        <p:cNvGrpSpPr/>
+        <p:nvPr/>
+      </p:nvGrpSpPr>
+      <p:grpSpPr>
+        <a:xfrm>
+          <a:off x="0" y="0"/>
+          <a:ext cx="0" cy="0"/>
+          <a:chOff x="0" y="0"/>
+          <a:chExt cx="0" cy="0"/>
+        </a:xfrm>
+      </p:grpSpPr>
+      <p:sp>
+        <p:nvSpPr>
+          <p:cNvPr id="2" name="Title 1">
+            <a:extLst>
+              <a:ext uri="{FF2B5EF4-FFF2-40B4-BE49-F238E27FC236}">
+                <a16:creationId xmlns:a16="http://schemas.microsoft.com/office/drawing/2014/main" id="{C6F8F38E-9594-4924-95AA-819CA2D96907}"/>
+              </a:ext>
+            </a:extLst>
+          </p:cNvPr>
+          <p:cNvSpPr>
+            <a:spLocks noGrp="1"/>
+          </p:cNvSpPr>
+          <p:nvPr>
+            <p:ph type="title"/>
+          </p:nvPr>
+        </p:nvSpPr>
+        <p:spPr/>
+        <p:txBody>
+          <a:bodyPr/>
+          <a:lstStyle/>
+          <a:p>
+            <a:r>
+              <a:rPr lang="en-US" b="1" dirty="0" err="1"/>
+              <a:t>Giải</a:t>
+            </a:r>
+            <a:r>
+              <a:rPr lang="en-US" b="1" dirty="0"/>
+              <a:t> </a:t>
+            </a:r>
+            <a:r>
+              <a:rPr lang="en-US" b="1" dirty="0" err="1"/>
+              <a:t>pháp</a:t>
+            </a:r>
+            <a:r>
+              <a:rPr lang="en-US" b="1" dirty="0"/>
+              <a:t> </a:t>
+            </a:r>
+            <a:r>
+              <a:rPr lang="en-US" b="1" dirty="0" err="1"/>
+              <a:t>chung</a:t>
+            </a:r>
+            <a:br>
+              <a:rPr lang="en-US" b="1" dirty="0"/>
+            </a:br>
+            <a:endParaRPr lang="en-US" dirty="0"/>
+          </a:p>
+        </p:txBody>
+      </p:sp>
+      <p:sp>
+        <p:nvSpPr>
+          <p:cNvPr id="3" name="Content Placeholder 2">
+            <a:extLst>
+              <a:ext uri="{FF2B5EF4-FFF2-40B4-BE49-F238E27FC236}">
+                <a16:creationId xmlns:a16="http://schemas.microsoft.com/office/drawing/2014/main" id="{9F4E7177-9541-4C02-87B0-9329F946088D}"/>
+              </a:ext>
+            </a:extLst>
+          </p:cNvPr>
+          <p:cNvSpPr>
+            <a:spLocks noGrp="1"/>
+          </p:cNvSpPr>
+          <p:nvPr>
+            <p:ph idx="1"/>
+          </p:nvPr>
+        </p:nvSpPr>
+        <p:spPr/>
+        <p:txBody>
+          <a:bodyPr/>
+          <a:lstStyle/>
+          <a:p>
+            <a:r>
+              <a:rPr lang="en-US" dirty="0" err="1"/>
+              <a:t>Các</a:t>
+            </a:r>
+            <a:r>
+              <a:rPr lang="en-US" dirty="0"/>
+              <a:t> </a:t>
+            </a:r>
+            <a:r>
+              <a:rPr lang="en-US" dirty="0" err="1"/>
+              <a:t>doanh</a:t>
+            </a:r>
+            <a:r>
+              <a:rPr lang="en-US" dirty="0"/>
+              <a:t> </a:t>
+            </a:r>
+            <a:r>
+              <a:rPr lang="en-US" dirty="0" err="1"/>
+              <a:t>nghiệp</a:t>
+            </a:r>
+            <a:r>
+              <a:rPr lang="en-US" dirty="0"/>
+              <a:t> </a:t>
+            </a:r>
+            <a:r>
+              <a:rPr lang="en-US" dirty="0" err="1"/>
+              <a:t>phải</a:t>
+            </a:r>
+            <a:r>
+              <a:rPr lang="en-US" dirty="0"/>
+              <a:t> </a:t>
+            </a:r>
+            <a:r>
+              <a:rPr lang="en-US" dirty="0" err="1"/>
+              <a:t>phát</a:t>
+            </a:r>
+            <a:r>
+              <a:rPr lang="en-US" dirty="0"/>
+              <a:t> </a:t>
+            </a:r>
+            <a:r>
+              <a:rPr lang="en-US" dirty="0" err="1"/>
+              <a:t>triển</a:t>
+            </a:r>
+            <a:r>
+              <a:rPr lang="en-US" dirty="0"/>
+              <a:t> </a:t>
+            </a:r>
+            <a:r>
+              <a:rPr lang="en-US" dirty="0" err="1"/>
+              <a:t>dựa</a:t>
+            </a:r>
+            <a:r>
+              <a:rPr lang="en-US" dirty="0"/>
+              <a:t> </a:t>
+            </a:r>
+            <a:r>
+              <a:rPr lang="en-US" dirty="0" err="1"/>
+              <a:t>trên</a:t>
+            </a:r>
+            <a:r>
+              <a:rPr lang="en-US" dirty="0"/>
+              <a:t> </a:t>
+            </a:r>
+            <a:r>
+              <a:rPr lang="en-US" dirty="0" err="1"/>
+              <a:t>hạ</a:t>
+            </a:r>
+            <a:r>
+              <a:rPr lang="en-US" dirty="0"/>
+              <a:t> </a:t>
+            </a:r>
+            <a:r>
+              <a:rPr lang="en-US" dirty="0" err="1"/>
+              <a:t>tầng</a:t>
+            </a:r>
+            <a:r>
+              <a:rPr lang="en-US" dirty="0"/>
+              <a:t> </a:t>
+            </a:r>
+            <a:r>
+              <a:rPr lang="en-US" dirty="0" err="1"/>
+              <a:t>kết</a:t>
+            </a:r>
+            <a:r>
+              <a:rPr lang="en-US" dirty="0"/>
+              <a:t> </a:t>
+            </a:r>
+            <a:r>
+              <a:rPr lang="en-US" dirty="0" err="1"/>
+              <a:t>nối</a:t>
+            </a:r>
+            <a:r>
+              <a:rPr lang="en-US" dirty="0"/>
+              <a:t> </a:t>
+            </a:r>
+            <a:r>
+              <a:rPr lang="en-US" dirty="0" err="1"/>
+              <a:t>số</a:t>
+            </a:r>
+            <a:r>
+              <a:rPr lang="en-US" dirty="0"/>
+              <a:t>, </a:t>
+            </a:r>
+            <a:r>
+              <a:rPr lang="en-US" dirty="0" err="1"/>
+              <a:t>phải</a:t>
+            </a:r>
+            <a:r>
+              <a:rPr lang="en-US" dirty="0"/>
+              <a:t> </a:t>
+            </a:r>
+            <a:r>
+              <a:rPr lang="en-US" dirty="0" err="1"/>
+              <a:t>ứng</a:t>
+            </a:r>
+            <a:r>
+              <a:rPr lang="en-US" dirty="0"/>
+              <a:t> </a:t>
+            </a:r>
+            <a:r>
+              <a:rPr lang="en-US" dirty="0" err="1"/>
+              <a:t>dụng</a:t>
+            </a:r>
+            <a:r>
+              <a:rPr lang="en-US" dirty="0"/>
+              <a:t> </a:t>
+            </a:r>
+            <a:r>
+              <a:rPr lang="en-US" dirty="0" err="1"/>
+              <a:t>công</a:t>
+            </a:r>
+            <a:r>
+              <a:rPr lang="en-US" dirty="0"/>
+              <a:t> </a:t>
+            </a:r>
+            <a:r>
+              <a:rPr lang="en-US" dirty="0" err="1"/>
+              <a:t>nghệ</a:t>
+            </a:r>
+            <a:r>
+              <a:rPr lang="en-US" dirty="0"/>
+              <a:t> </a:t>
+            </a:r>
+            <a:r>
+              <a:rPr lang="en-US" dirty="0" err="1"/>
+              <a:t>thông</a:t>
+            </a:r>
+            <a:r>
+              <a:rPr lang="en-US" dirty="0"/>
+              <a:t> tin - </a:t>
+            </a:r>
+            <a:r>
+              <a:rPr lang="en-US" dirty="0" err="1"/>
+              <a:t>truyền</a:t>
+            </a:r>
+            <a:r>
+              <a:rPr lang="en-US" dirty="0"/>
+              <a:t> </a:t>
+            </a:r>
+            <a:r>
+              <a:rPr lang="en-US" dirty="0" err="1"/>
+              <a:t>thông</a:t>
+            </a:r>
+            <a:r>
+              <a:rPr lang="en-US" dirty="0"/>
+              <a:t> </a:t>
+            </a:r>
+            <a:r>
+              <a:rPr lang="en-US" dirty="0" err="1"/>
+              <a:t>vào</a:t>
+            </a:r>
+            <a:r>
+              <a:rPr lang="en-US" dirty="0"/>
+              <a:t> </a:t>
+            </a:r>
+            <a:r>
+              <a:rPr lang="en-US" dirty="0" err="1"/>
+              <a:t>các</a:t>
+            </a:r>
+            <a:r>
+              <a:rPr lang="en-US" dirty="0"/>
+              <a:t> </a:t>
+            </a:r>
+            <a:r>
+              <a:rPr lang="en-US" dirty="0" err="1"/>
+              <a:t>công</a:t>
+            </a:r>
+            <a:r>
+              <a:rPr lang="en-US" dirty="0"/>
+              <a:t> </a:t>
+            </a:r>
+            <a:r>
+              <a:rPr lang="en-US" dirty="0" err="1"/>
+              <a:t>đoạn</a:t>
+            </a:r>
+            <a:r>
+              <a:rPr lang="en-US" dirty="0"/>
+              <a:t> </a:t>
+            </a:r>
+            <a:r>
+              <a:rPr lang="en-US" dirty="0" err="1"/>
+              <a:t>quản</a:t>
+            </a:r>
+            <a:r>
+              <a:rPr lang="en-US" dirty="0"/>
+              <a:t> </a:t>
+            </a:r>
+            <a:r>
+              <a:rPr lang="en-US" dirty="0" err="1"/>
+              <a:t>lý</a:t>
+            </a:r>
+            <a:r>
+              <a:rPr lang="en-US" dirty="0"/>
+              <a:t> </a:t>
+            </a:r>
+            <a:r>
+              <a:rPr lang="en-US" dirty="0" err="1"/>
+              <a:t>là</a:t>
+            </a:r>
+            <a:r>
+              <a:rPr lang="en-US" dirty="0"/>
+              <a:t> </a:t>
+            </a:r>
+            <a:r>
+              <a:rPr lang="en-US" dirty="0" err="1"/>
+              <a:t>làm</a:t>
+            </a:r>
+            <a:r>
+              <a:rPr lang="en-US" dirty="0"/>
+              <a:t> </a:t>
+            </a:r>
+            <a:r>
+              <a:rPr lang="en-US" dirty="0" err="1"/>
+              <a:t>việc</a:t>
+            </a:r>
+            <a:r>
+              <a:rPr lang="en-US" dirty="0"/>
+              <a:t>. </a:t>
+            </a:r>
+            <a:r>
+              <a:rPr lang="en-US" dirty="0" err="1"/>
+              <a:t>Ngoài</a:t>
+            </a:r>
+            <a:r>
+              <a:rPr lang="en-US" dirty="0"/>
+              <a:t> ra, </a:t>
+            </a:r>
+            <a:r>
+              <a:rPr lang="en-US" dirty="0" err="1"/>
+              <a:t>phải</a:t>
+            </a:r>
+            <a:r>
+              <a:rPr lang="en-US" dirty="0"/>
+              <a:t> </a:t>
+            </a:r>
+            <a:r>
+              <a:rPr lang="en-US" dirty="0" err="1"/>
+              <a:t>tích</a:t>
+            </a:r>
+            <a:r>
+              <a:rPr lang="en-US" dirty="0"/>
+              <a:t> </a:t>
+            </a:r>
+            <a:r>
+              <a:rPr lang="en-US" dirty="0" err="1"/>
+              <a:t>hợp</a:t>
+            </a:r>
+            <a:r>
+              <a:rPr lang="en-US" dirty="0"/>
+              <a:t> IoT </a:t>
+            </a:r>
+            <a:r>
+              <a:rPr lang="en-US" dirty="0" err="1"/>
+              <a:t>trong</a:t>
+            </a:r>
+            <a:r>
+              <a:rPr lang="en-US" dirty="0"/>
+              <a:t> </a:t>
+            </a:r>
+            <a:r>
+              <a:rPr lang="en-US" dirty="0" err="1"/>
+              <a:t>mỗi</a:t>
+            </a:r>
+            <a:r>
+              <a:rPr lang="en-US" dirty="0"/>
+              <a:t> </a:t>
+            </a:r>
+            <a:r>
+              <a:rPr lang="en-US" dirty="0" err="1"/>
+              <a:t>lĩnh</a:t>
+            </a:r>
+            <a:r>
+              <a:rPr lang="en-US" dirty="0"/>
+              <a:t> </a:t>
+            </a:r>
+            <a:r>
+              <a:rPr lang="en-US" dirty="0" err="1"/>
+              <a:t>vực</a:t>
+            </a:r>
+            <a:r>
+              <a:rPr lang="en-US" dirty="0"/>
+              <a:t> </a:t>
+            </a:r>
+            <a:r>
+              <a:rPr lang="en-US" dirty="0" err="1"/>
+              <a:t>có</a:t>
+            </a:r>
+            <a:r>
+              <a:rPr lang="en-US" dirty="0"/>
+              <a:t> </a:t>
+            </a:r>
+            <a:r>
+              <a:rPr lang="en-US" dirty="0" err="1"/>
+              <a:t>thể</a:t>
+            </a:r>
+            <a:r>
+              <a:rPr lang="en-US" dirty="0"/>
+              <a:t> </a:t>
+            </a:r>
+            <a:r>
+              <a:rPr lang="en-US" dirty="0" err="1"/>
+              <a:t>để</a:t>
+            </a:r>
+            <a:r>
+              <a:rPr lang="en-US" dirty="0"/>
+              <a:t> </a:t>
+            </a:r>
+            <a:r>
+              <a:rPr lang="en-US" dirty="0" err="1"/>
+              <a:t>rút</a:t>
+            </a:r>
+            <a:r>
+              <a:rPr lang="en-US" dirty="0"/>
+              <a:t> </a:t>
+            </a:r>
+            <a:r>
+              <a:rPr lang="en-US" dirty="0" err="1"/>
+              <a:t>ngắn</a:t>
+            </a:r>
+            <a:r>
+              <a:rPr lang="en-US" dirty="0"/>
+              <a:t> </a:t>
+            </a:r>
+            <a:r>
+              <a:rPr lang="en-US" dirty="0" err="1"/>
+              <a:t>thời</a:t>
+            </a:r>
+            <a:r>
+              <a:rPr lang="en-US" dirty="0"/>
+              <a:t> </a:t>
+            </a:r>
+            <a:r>
+              <a:rPr lang="en-US" dirty="0" err="1"/>
+              <a:t>gian</a:t>
+            </a:r>
+            <a:r>
+              <a:rPr lang="en-US" dirty="0"/>
+              <a:t> </a:t>
+            </a:r>
+            <a:r>
+              <a:rPr lang="en-US" dirty="0" err="1"/>
+              <a:t>làm</a:t>
+            </a:r>
+            <a:r>
+              <a:rPr lang="en-US" dirty="0"/>
+              <a:t> </a:t>
+            </a:r>
+            <a:r>
+              <a:rPr lang="en-US" dirty="0" err="1"/>
+              <a:t>việc</a:t>
+            </a:r>
+            <a:r>
+              <a:rPr lang="en-US" dirty="0"/>
+              <a:t> </a:t>
+            </a:r>
+            <a:r>
+              <a:rPr lang="en-US" dirty="0" err="1"/>
+              <a:t>và</a:t>
+            </a:r>
+            <a:r>
+              <a:rPr lang="en-US" dirty="0"/>
+              <a:t> </a:t>
+            </a:r>
+            <a:r>
+              <a:rPr lang="en-US" dirty="0" err="1"/>
+              <a:t>tăng</a:t>
+            </a:r>
+            <a:r>
+              <a:rPr lang="en-US" dirty="0"/>
+              <a:t> </a:t>
+            </a:r>
+            <a:r>
+              <a:rPr lang="en-US" dirty="0" err="1"/>
+              <a:t>năng</a:t>
+            </a:r>
+            <a:r>
+              <a:rPr lang="en-US" dirty="0"/>
+              <a:t> </a:t>
+            </a:r>
+            <a:r>
+              <a:rPr lang="en-US" dirty="0" err="1"/>
+              <a:t>suất</a:t>
+            </a:r>
+            <a:r>
+              <a:rPr lang="en-US" dirty="0"/>
+              <a:t> lao </a:t>
+            </a:r>
+            <a:r>
+              <a:rPr lang="en-US" dirty="0" err="1"/>
+              <a:t>động</a:t>
+            </a:r>
+            <a:endParaRPr lang="en-US" dirty="0"/>
+          </a:p>
+          <a:p>
+            <a:r>
+              <a:rPr lang="en-US" dirty="0" err="1"/>
+              <a:t>Và</a:t>
+            </a:r>
+            <a:r>
+              <a:rPr lang="en-US" dirty="0"/>
+              <a:t> </a:t>
+            </a:r>
+            <a:r>
+              <a:rPr lang="en-US" dirty="0" err="1"/>
+              <a:t>giải</a:t>
+            </a:r>
+            <a:r>
+              <a:rPr lang="en-US" dirty="0"/>
+              <a:t> </a:t>
+            </a:r>
+            <a:r>
+              <a:rPr lang="en-US" dirty="0" err="1"/>
+              <a:t>pháp</a:t>
+            </a:r>
+            <a:r>
+              <a:rPr lang="en-US" dirty="0"/>
+              <a:t> </a:t>
+            </a:r>
+            <a:r>
+              <a:rPr lang="en-US" dirty="0" err="1"/>
+              <a:t>có</a:t>
+            </a:r>
+            <a:r>
+              <a:rPr lang="en-US" dirty="0"/>
+              <a:t> </a:t>
+            </a:r>
+            <a:r>
+              <a:rPr lang="en-US" dirty="0" err="1"/>
+              <a:t>vai</a:t>
+            </a:r>
+            <a:r>
+              <a:rPr lang="en-US" dirty="0"/>
+              <a:t> </a:t>
+            </a:r>
+            <a:r>
+              <a:rPr lang="en-US" dirty="0" err="1"/>
+              <a:t>trò</a:t>
+            </a:r>
+            <a:r>
+              <a:rPr lang="en-US" dirty="0"/>
+              <a:t> </a:t>
+            </a:r>
+            <a:r>
+              <a:rPr lang="en-US" dirty="0" err="1"/>
+              <a:t>quan</a:t>
+            </a:r>
+            <a:r>
+              <a:rPr lang="en-US" dirty="0"/>
+              <a:t> </a:t>
+            </a:r>
+            <a:r>
+              <a:rPr lang="en-US" dirty="0" err="1"/>
+              <a:t>trọng</a:t>
+            </a:r>
+            <a:r>
+              <a:rPr lang="en-US" dirty="0"/>
+              <a:t> </a:t>
+            </a:r>
+            <a:r>
+              <a:rPr lang="en-US" dirty="0" err="1"/>
+              <a:t>nhất</a:t>
+            </a:r>
+            <a:r>
+              <a:rPr lang="en-US" dirty="0"/>
+              <a:t> </a:t>
+            </a:r>
+            <a:r>
+              <a:rPr lang="en-US" dirty="0" err="1"/>
+              <a:t>chính</a:t>
+            </a:r>
+            <a:r>
+              <a:rPr lang="en-US" dirty="0"/>
+              <a:t> </a:t>
+            </a:r>
+            <a:r>
+              <a:rPr lang="en-US" dirty="0" err="1"/>
+              <a:t>là</a:t>
+            </a:r>
+            <a:r>
+              <a:rPr lang="en-US" dirty="0"/>
+              <a:t> </a:t>
+            </a:r>
+            <a:r>
+              <a:rPr lang="en-US" dirty="0" err="1"/>
+              <a:t>giáo</a:t>
+            </a:r>
+            <a:r>
+              <a:rPr lang="en-US" dirty="0"/>
+              <a:t> </a:t>
+            </a:r>
+            <a:r>
+              <a:rPr lang="en-US" dirty="0" err="1"/>
+              <a:t>dục</a:t>
+            </a:r>
+            <a:r>
+              <a:rPr lang="en-US" dirty="0"/>
+              <a:t>. </a:t>
+            </a:r>
+            <a:r>
+              <a:rPr lang="en-US" dirty="0" err="1"/>
+              <a:t>Phải</a:t>
+            </a:r>
+            <a:r>
+              <a:rPr lang="en-US" dirty="0"/>
+              <a:t> </a:t>
+            </a:r>
+            <a:r>
+              <a:rPr lang="en-US" dirty="0" err="1"/>
+              <a:t>cải</a:t>
+            </a:r>
+            <a:r>
+              <a:rPr lang="en-US" dirty="0"/>
+              <a:t> </a:t>
+            </a:r>
+            <a:r>
+              <a:rPr lang="en-US" dirty="0" err="1"/>
+              <a:t>cách</a:t>
+            </a:r>
+            <a:r>
+              <a:rPr lang="en-US" dirty="0"/>
+              <a:t> </a:t>
+            </a:r>
+            <a:r>
+              <a:rPr lang="en-US" dirty="0" err="1"/>
+              <a:t>giáo</a:t>
+            </a:r>
+            <a:r>
+              <a:rPr lang="en-US" dirty="0"/>
+              <a:t> </a:t>
+            </a:r>
+            <a:r>
+              <a:rPr lang="en-US" dirty="0" err="1"/>
+              <a:t>dục</a:t>
+            </a:r>
+            <a:r>
+              <a:rPr lang="en-US" dirty="0"/>
+              <a:t>, </a:t>
+            </a:r>
+            <a:r>
+              <a:rPr lang="en-US" dirty="0" err="1"/>
+              <a:t>triển</a:t>
+            </a:r>
+            <a:r>
+              <a:rPr lang="en-US" dirty="0"/>
+              <a:t> </a:t>
+            </a:r>
+            <a:r>
+              <a:rPr lang="en-US" dirty="0" err="1"/>
+              <a:t>khai</a:t>
+            </a:r>
+            <a:r>
+              <a:rPr lang="en-US" dirty="0"/>
+              <a:t> </a:t>
+            </a:r>
+            <a:r>
+              <a:rPr lang="en-US" dirty="0" err="1"/>
+              <a:t>các</a:t>
+            </a:r>
+            <a:r>
+              <a:rPr lang="en-US" dirty="0"/>
+              <a:t> </a:t>
+            </a:r>
+            <a:r>
+              <a:rPr lang="en-US" dirty="0" err="1"/>
+              <a:t>chương</a:t>
+            </a:r>
+            <a:r>
+              <a:rPr lang="en-US" dirty="0"/>
+              <a:t> </a:t>
+            </a:r>
+            <a:r>
+              <a:rPr lang="en-US" dirty="0" err="1"/>
+              <a:t>trình</a:t>
+            </a:r>
+            <a:r>
+              <a:rPr lang="en-US" dirty="0"/>
+              <a:t> </a:t>
+            </a:r>
+            <a:r>
+              <a:rPr lang="en-US" dirty="0" err="1"/>
+              <a:t>dạy</a:t>
+            </a:r>
+            <a:r>
+              <a:rPr lang="en-US" dirty="0"/>
+              <a:t> </a:t>
+            </a:r>
+            <a:r>
+              <a:rPr lang="en-US" dirty="0" err="1"/>
+              <a:t>học</a:t>
+            </a:r>
+            <a:r>
+              <a:rPr lang="en-US" dirty="0"/>
+              <a:t> </a:t>
+            </a:r>
+            <a:r>
+              <a:rPr lang="en-US" dirty="0" err="1"/>
+              <a:t>tiên</a:t>
+            </a:r>
+            <a:r>
+              <a:rPr lang="en-US" dirty="0"/>
+              <a:t> </a:t>
+            </a:r>
+            <a:r>
+              <a:rPr lang="en-US" dirty="0" err="1"/>
+              <a:t>tiến</a:t>
+            </a:r>
+            <a:r>
+              <a:rPr lang="en-US" dirty="0"/>
+              <a:t> (</a:t>
+            </a:r>
+            <a:r>
+              <a:rPr lang="en-US" dirty="0" err="1"/>
+              <a:t>ví</a:t>
+            </a:r>
+            <a:r>
+              <a:rPr lang="en-US" dirty="0"/>
+              <a:t> </a:t>
+            </a:r>
+            <a:r>
+              <a:rPr lang="en-US" dirty="0" err="1"/>
+              <a:t>dụ</a:t>
+            </a:r>
+            <a:r>
+              <a:rPr lang="en-US" dirty="0"/>
+              <a:t> </a:t>
+            </a:r>
+            <a:r>
+              <a:rPr lang="en-US" dirty="0" err="1"/>
+              <a:t>như</a:t>
+            </a:r>
+            <a:r>
+              <a:rPr lang="en-US" dirty="0"/>
+              <a:t> STEM), </a:t>
+            </a:r>
+            <a:r>
+              <a:rPr lang="en-US" dirty="0" err="1"/>
+              <a:t>giúp</a:t>
+            </a:r>
+            <a:r>
+              <a:rPr lang="en-US" dirty="0"/>
+              <a:t> </a:t>
+            </a:r>
+            <a:r>
+              <a:rPr lang="en-US" dirty="0" err="1"/>
+              <a:t>người</a:t>
+            </a:r>
+            <a:r>
+              <a:rPr lang="en-US" dirty="0"/>
+              <a:t> </a:t>
+            </a:r>
+            <a:r>
+              <a:rPr lang="en-US" dirty="0" err="1"/>
+              <a:t>học</a:t>
+            </a:r>
+            <a:r>
+              <a:rPr lang="en-US" dirty="0"/>
+              <a:t> </a:t>
+            </a:r>
+            <a:r>
+              <a:rPr lang="en-US" dirty="0" err="1"/>
+              <a:t>rèn</a:t>
+            </a:r>
+            <a:r>
+              <a:rPr lang="en-US" dirty="0"/>
+              <a:t> </a:t>
+            </a:r>
+            <a:r>
+              <a:rPr lang="en-US" dirty="0" err="1"/>
+              <a:t>luyện</a:t>
+            </a:r>
+            <a:r>
+              <a:rPr lang="en-US" dirty="0"/>
+              <a:t> </a:t>
+            </a:r>
+            <a:r>
+              <a:rPr lang="en-US" dirty="0" err="1"/>
+              <a:t>thói</a:t>
+            </a:r>
+            <a:r>
+              <a:rPr lang="en-US" dirty="0"/>
+              <a:t> </a:t>
+            </a:r>
+            <a:r>
+              <a:rPr lang="en-US" dirty="0" err="1"/>
+              <a:t>quen</a:t>
+            </a:r>
+            <a:r>
+              <a:rPr lang="en-US" dirty="0"/>
+              <a:t> </a:t>
+            </a:r>
+            <a:r>
+              <a:rPr lang="en-US" dirty="0" err="1"/>
+              <a:t>sáng</a:t>
+            </a:r>
+            <a:r>
+              <a:rPr lang="en-US" dirty="0"/>
+              <a:t> </a:t>
+            </a:r>
+            <a:r>
+              <a:rPr lang="en-US" dirty="0" err="1"/>
+              <a:t>tạo</a:t>
+            </a:r>
+            <a:r>
+              <a:rPr lang="en-US" dirty="0"/>
+              <a:t>, </a:t>
+            </a:r>
+            <a:r>
+              <a:rPr lang="en-US" dirty="0" err="1"/>
+              <a:t>từ</a:t>
+            </a:r>
+            <a:r>
+              <a:rPr lang="en-US" dirty="0"/>
+              <a:t> </a:t>
+            </a:r>
+            <a:r>
+              <a:rPr lang="en-US" dirty="0" err="1"/>
+              <a:t>đó</a:t>
+            </a:r>
+            <a:r>
+              <a:rPr lang="en-US" dirty="0"/>
+              <a:t> </a:t>
+            </a:r>
+            <a:r>
+              <a:rPr lang="en-US" dirty="0" err="1"/>
+              <a:t>có</a:t>
+            </a:r>
+            <a:r>
+              <a:rPr lang="en-US" dirty="0"/>
+              <a:t> </a:t>
+            </a:r>
+            <a:r>
+              <a:rPr lang="en-US" dirty="0" err="1"/>
+              <a:t>thể</a:t>
+            </a:r>
+            <a:r>
+              <a:rPr lang="en-US" dirty="0"/>
+              <a:t> </a:t>
+            </a:r>
+            <a:r>
+              <a:rPr lang="en-US" dirty="0" err="1"/>
+              <a:t>thích</a:t>
+            </a:r>
+            <a:r>
+              <a:rPr lang="en-US" dirty="0"/>
+              <a:t> </a:t>
+            </a:r>
+            <a:r>
+              <a:rPr lang="en-US" dirty="0" err="1"/>
+              <a:t>nghi</a:t>
+            </a:r>
+            <a:r>
+              <a:rPr lang="en-US" dirty="0"/>
+              <a:t> </a:t>
+            </a:r>
+            <a:r>
+              <a:rPr lang="en-US" dirty="0" err="1"/>
+              <a:t>với</a:t>
+            </a:r>
+            <a:r>
+              <a:rPr lang="en-US" dirty="0"/>
+              <a:t> </a:t>
+            </a:r>
+            <a:r>
+              <a:rPr lang="en-US" dirty="0" err="1"/>
+              <a:t>hệ</a:t>
+            </a:r>
+            <a:r>
+              <a:rPr lang="en-US" dirty="0"/>
+              <a:t> </a:t>
+            </a:r>
+            <a:r>
+              <a:rPr lang="en-US" dirty="0" err="1"/>
+              <a:t>thống</a:t>
+            </a:r>
+            <a:r>
+              <a:rPr lang="en-US" dirty="0"/>
+              <a:t> </a:t>
+            </a:r>
+            <a:r>
+              <a:rPr lang="en-US" dirty="0" err="1"/>
+              <a:t>làm</a:t>
+            </a:r>
+            <a:r>
+              <a:rPr lang="en-US" dirty="0"/>
+              <a:t> </a:t>
+            </a:r>
+            <a:r>
+              <a:rPr lang="en-US" dirty="0" err="1"/>
+              <a:t>việc</a:t>
+            </a:r>
+            <a:r>
+              <a:rPr lang="en-US" dirty="0"/>
+              <a:t> </a:t>
+            </a:r>
+            <a:r>
+              <a:rPr lang="en-US" dirty="0" err="1"/>
+              <a:t>mới</a:t>
+            </a:r>
+            <a:r>
+              <a:rPr lang="en-US" dirty="0"/>
+              <a:t>. </a:t>
+            </a:r>
+            <a:r>
+              <a:rPr lang="en-US" dirty="0" err="1"/>
+              <a:t>Ngoài</a:t>
+            </a:r>
+            <a:r>
+              <a:rPr lang="en-US" dirty="0"/>
+              <a:t> ra, </a:t>
+            </a:r>
+            <a:r>
+              <a:rPr lang="en-US" dirty="0" err="1"/>
+              <a:t>phải</a:t>
+            </a:r>
+            <a:r>
+              <a:rPr lang="en-US" dirty="0"/>
+              <a:t> </a:t>
+            </a:r>
+            <a:r>
+              <a:rPr lang="en-US" dirty="0" err="1"/>
+              <a:t>đào</a:t>
+            </a:r>
+            <a:r>
+              <a:rPr lang="en-US" dirty="0"/>
+              <a:t> </a:t>
+            </a:r>
+            <a:r>
+              <a:rPr lang="en-US" dirty="0" err="1"/>
+              <a:t>tạo</a:t>
+            </a:r>
+            <a:r>
+              <a:rPr lang="en-US" dirty="0"/>
+              <a:t> </a:t>
+            </a:r>
+            <a:r>
+              <a:rPr lang="en-US" dirty="0" err="1"/>
+              <a:t>nguồn</a:t>
+            </a:r>
+            <a:r>
+              <a:rPr lang="en-US" dirty="0"/>
+              <a:t> </a:t>
+            </a:r>
+            <a:r>
+              <a:rPr lang="en-US" dirty="0" err="1"/>
+              <a:t>nhân</a:t>
+            </a:r>
+            <a:r>
+              <a:rPr lang="en-US" dirty="0"/>
+              <a:t> </a:t>
+            </a:r>
+            <a:r>
+              <a:rPr lang="en-US" dirty="0" err="1"/>
+              <a:t>lực</a:t>
+            </a:r>
+            <a:r>
+              <a:rPr lang="en-US" dirty="0"/>
+              <a:t> </a:t>
+            </a:r>
+            <a:r>
+              <a:rPr lang="en-US" dirty="0" err="1"/>
+              <a:t>có</a:t>
+            </a:r>
+            <a:r>
+              <a:rPr lang="en-US" dirty="0"/>
+              <a:t> </a:t>
+            </a:r>
+            <a:r>
+              <a:rPr lang="en-US" dirty="0" err="1"/>
+              <a:t>đủ</a:t>
+            </a:r>
+            <a:r>
+              <a:rPr lang="en-US" dirty="0"/>
+              <a:t> </a:t>
+            </a:r>
+            <a:r>
+              <a:rPr lang="en-US" dirty="0" err="1"/>
+              <a:t>kiện</a:t>
+            </a:r>
+            <a:r>
+              <a:rPr lang="en-US" dirty="0"/>
+              <a:t> </a:t>
+            </a:r>
+            <a:r>
+              <a:rPr lang="en-US" dirty="0" err="1"/>
+              <a:t>thức</a:t>
+            </a:r>
+            <a:r>
+              <a:rPr lang="en-US" dirty="0"/>
+              <a:t> </a:t>
+            </a:r>
+            <a:r>
+              <a:rPr lang="en-US" dirty="0" err="1"/>
+              <a:t>để</a:t>
+            </a:r>
+            <a:r>
+              <a:rPr lang="en-US" dirty="0"/>
+              <a:t> </a:t>
+            </a:r>
+            <a:r>
+              <a:rPr lang="en-US" dirty="0" err="1"/>
+              <a:t>nhận</a:t>
+            </a:r>
+            <a:r>
+              <a:rPr lang="en-US" dirty="0"/>
+              <a:t> </a:t>
+            </a:r>
+            <a:r>
+              <a:rPr lang="en-US" dirty="0" err="1"/>
+              <a:t>biết</a:t>
+            </a:r>
+            <a:r>
+              <a:rPr lang="en-US" dirty="0"/>
+              <a:t> </a:t>
+            </a:r>
+            <a:r>
+              <a:rPr lang="en-US" dirty="0" err="1"/>
+              <a:t>và</a:t>
+            </a:r>
+            <a:r>
+              <a:rPr lang="en-US" dirty="0"/>
+              <a:t> </a:t>
+            </a:r>
+            <a:r>
+              <a:rPr lang="en-US" dirty="0" err="1"/>
+              <a:t>nhanh</a:t>
+            </a:r>
+            <a:r>
+              <a:rPr lang="en-US" dirty="0"/>
+              <a:t> </a:t>
+            </a:r>
+            <a:r>
+              <a:rPr lang="en-US" dirty="0" err="1"/>
+              <a:t>chóng</a:t>
+            </a:r>
+            <a:r>
+              <a:rPr lang="en-US" dirty="0"/>
+              <a:t> </a:t>
+            </a:r>
+            <a:r>
+              <a:rPr lang="en-US" dirty="0" err="1"/>
+              <a:t>thích</a:t>
+            </a:r>
+            <a:r>
+              <a:rPr lang="en-US" dirty="0"/>
+              <a:t> </a:t>
+            </a:r>
+            <a:r>
+              <a:rPr lang="en-US" dirty="0" err="1"/>
+              <a:t>nghi</a:t>
+            </a:r>
+            <a:r>
+              <a:rPr lang="en-US" dirty="0"/>
+              <a:t> </a:t>
+            </a:r>
+            <a:r>
+              <a:rPr lang="en-US" dirty="0" err="1"/>
+              <a:t>với</a:t>
+            </a:r>
+            <a:r>
+              <a:rPr lang="en-US" dirty="0"/>
+              <a:t> </a:t>
+            </a:r>
+            <a:r>
+              <a:rPr lang="en-US" dirty="0" err="1"/>
+              <a:t>những</a:t>
+            </a:r>
+            <a:r>
+              <a:rPr lang="en-US" dirty="0"/>
+              <a:t> </a:t>
+            </a:r>
+            <a:r>
+              <a:rPr lang="en-US" dirty="0" err="1"/>
+              <a:t>sự</a:t>
+            </a:r>
+            <a:r>
+              <a:rPr lang="en-US" dirty="0"/>
+              <a:t> </a:t>
+            </a:r>
+            <a:r>
+              <a:rPr lang="en-US" dirty="0" err="1"/>
+              <a:t>thay</a:t>
+            </a:r>
+            <a:r>
+              <a:rPr lang="en-US" dirty="0"/>
+              <a:t> </a:t>
+            </a:r>
+            <a:r>
+              <a:rPr lang="en-US" dirty="0" err="1"/>
+              <a:t>đổi</a:t>
+            </a:r>
+            <a:r>
+              <a:rPr lang="en-US" dirty="0"/>
+              <a:t> </a:t>
+            </a:r>
+            <a:r>
+              <a:rPr lang="en-US" dirty="0" err="1"/>
+              <a:t>trong</a:t>
+            </a:r>
+            <a:r>
+              <a:rPr lang="en-US" dirty="0"/>
+              <a:t> </a:t>
+            </a:r>
+            <a:r>
+              <a:rPr lang="en-US" dirty="0" err="1"/>
+              <a:t>cách</a:t>
+            </a:r>
+            <a:r>
+              <a:rPr lang="en-US" dirty="0"/>
+              <a:t> </a:t>
+            </a:r>
+            <a:r>
+              <a:rPr lang="en-US" dirty="0" err="1"/>
+              <a:t>mạng</a:t>
+            </a:r>
+            <a:r>
+              <a:rPr lang="en-US" dirty="0"/>
+              <a:t> </a:t>
+            </a:r>
+            <a:r>
+              <a:rPr lang="en-US" dirty="0" err="1"/>
+              <a:t>công</a:t>
+            </a:r>
+            <a:r>
+              <a:rPr lang="en-US" dirty="0"/>
+              <a:t> </a:t>
+            </a:r>
+            <a:r>
+              <a:rPr lang="en-US" dirty="0" err="1"/>
+              <a:t>nghiệp</a:t>
+            </a:r>
+            <a:r>
+              <a:rPr lang="en-US" dirty="0"/>
+              <a:t> 4.0.</a:t>
+            </a:r>
+          </a:p>
+          <a:p>
+            <a:endParaRPr lang="en-US" dirty="0"/>
+          </a:p>
+        </p:txBody>
+      </p:sp>
+    </p:spTree>
+    <p:extLst>
+      <p:ext uri="{BB962C8B-B14F-4D97-AF65-F5344CB8AC3E}">
+        <p14:creationId xmlns:p14="http://schemas.microsoft.com/office/powerpoint/2010/main" val="3333866871"/>
+      </p:ext>
+    </p:extLst>
+  </p:cSld>
+  <p:clrMapOvr>
+    <a:masterClrMapping/>
+  </p:clrMapOvr>
+</p:sld>
+</file>
+
+<file path=ppt/slides/slide15.xml><?xml version="1.0" encoding="utf-8"?>
+<p:sld xmlns:a="http://schemas.openxmlformats.org/drawingml/2006/main" xmlns:r="http://schemas.openxmlformats.org/officeDocument/2006/relationships" xmlns:p="http://schemas.openxmlformats.org/presentationml/2006/main">
+  <p:cSld>
+    <p:bg>
+      <p:bgPr>
+        <a:solidFill>
+          <a:schemeClr val="bg1"/>
+        </a:solidFill>
+        <a:effectLst/>
+      </p:bgPr>
+    </p:bg>
+    <p:spTree>
+      <p:nvGrpSpPr>
+        <p:cNvPr id="1" name=""/>
+        <p:cNvGrpSpPr/>
+        <p:nvPr/>
+      </p:nvGrpSpPr>
+      <p:grpSpPr>
+        <a:xfrm>
+          <a:off x="0" y="0"/>
+          <a:ext cx="0" cy="0"/>
+          <a:chOff x="0" y="0"/>
+          <a:chExt cx="0" cy="0"/>
+        </a:xfrm>
+      </p:grpSpPr>
+      <p:sp>
+        <p:nvSpPr>
+          <p:cNvPr id="2" name="Title 1">
+            <a:extLst>
+              <a:ext uri="{FF2B5EF4-FFF2-40B4-BE49-F238E27FC236}">
+                <a16:creationId xmlns:a16="http://schemas.microsoft.com/office/drawing/2014/main" id="{AC62D730-AFDF-461A-B23D-7083770AEAD2}"/>
+              </a:ext>
+            </a:extLst>
+          </p:cNvPr>
+          <p:cNvSpPr>
+            <a:spLocks noGrp="1"/>
+          </p:cNvSpPr>
+          <p:nvPr>
+            <p:ph type="title"/>
+          </p:nvPr>
+        </p:nvSpPr>
+        <p:spPr>
+          <a:xfrm>
+            <a:off x="5536734" y="609600"/>
+            <a:ext cx="3737268" cy="1320800"/>
+          </a:xfrm>
+        </p:spPr>
+        <p:txBody>
+          <a:bodyPr>
+            <a:normAutofit/>
+          </a:bodyPr>
+          <a:lstStyle/>
+          <a:p>
+            <a:endParaRPr lang="en-US" dirty="0"/>
+          </a:p>
+        </p:txBody>
+      </p:sp>
+      <p:sp>
+        <p:nvSpPr>
+          <p:cNvPr id="3" name="Content Placeholder 2">
+            <a:extLst>
+              <a:ext uri="{FF2B5EF4-FFF2-40B4-BE49-F238E27FC236}">
+                <a16:creationId xmlns:a16="http://schemas.microsoft.com/office/drawing/2014/main" id="{A4AC23AA-0EB8-4397-AC6E-08351C8C198C}"/>
+              </a:ext>
+            </a:extLst>
+          </p:cNvPr>
+          <p:cNvSpPr>
+            <a:spLocks noGrp="1"/>
+          </p:cNvSpPr>
+          <p:nvPr>
+            <p:ph idx="1"/>
+          </p:nvPr>
+        </p:nvSpPr>
+        <p:spPr>
+          <a:xfrm>
+            <a:off x="5209563" y="2160589"/>
+            <a:ext cx="4064439" cy="3880773"/>
+          </a:xfrm>
+        </p:spPr>
+        <p:txBody>
+          <a:bodyPr>
+            <a:normAutofit/>
+          </a:bodyPr>
+          <a:lstStyle/>
+          <a:p>
+            <a:r>
+              <a:rPr lang="en-US" dirty="0" err="1"/>
+              <a:t>Phải</a:t>
+            </a:r>
+            <a:r>
+              <a:rPr lang="en-US" dirty="0"/>
+              <a:t> </a:t>
+            </a:r>
+            <a:r>
+              <a:rPr lang="en-US" dirty="0" err="1"/>
+              <a:t>đảm</a:t>
+            </a:r>
+            <a:r>
+              <a:rPr lang="en-US" dirty="0"/>
+              <a:t> </a:t>
+            </a:r>
+            <a:r>
+              <a:rPr lang="en-US" dirty="0" err="1"/>
+              <a:t>đảm</a:t>
+            </a:r>
+            <a:r>
+              <a:rPr lang="en-US" dirty="0"/>
+              <a:t> </a:t>
+            </a:r>
+            <a:r>
+              <a:rPr lang="en-US" dirty="0" err="1"/>
+              <a:t>bảo</a:t>
+            </a:r>
+            <a:r>
+              <a:rPr lang="en-US" dirty="0"/>
+              <a:t> an </a:t>
+            </a:r>
+            <a:r>
+              <a:rPr lang="en-US" dirty="0" err="1"/>
+              <a:t>ninh</a:t>
+            </a:r>
+            <a:r>
+              <a:rPr lang="en-US" dirty="0"/>
+              <a:t> </a:t>
+            </a:r>
+            <a:r>
+              <a:rPr lang="en-US" dirty="0" err="1"/>
+              <a:t>mạng</a:t>
+            </a:r>
+            <a:r>
+              <a:rPr lang="en-US" dirty="0"/>
+              <a:t> </a:t>
+            </a:r>
+            <a:r>
+              <a:rPr lang="en-US" dirty="0" err="1"/>
+              <a:t>và</a:t>
+            </a:r>
+            <a:r>
+              <a:rPr lang="en-US" dirty="0"/>
+              <a:t> </a:t>
+            </a:r>
+            <a:r>
+              <a:rPr lang="en-US" dirty="0" err="1"/>
+              <a:t>bảo</a:t>
+            </a:r>
+            <a:r>
+              <a:rPr lang="en-US" dirty="0"/>
+              <a:t> </a:t>
+            </a:r>
+            <a:r>
+              <a:rPr lang="en-US" dirty="0" err="1"/>
+              <a:t>mật</a:t>
+            </a:r>
+            <a:r>
+              <a:rPr lang="en-US" dirty="0"/>
+              <a:t> </a:t>
+            </a:r>
+            <a:r>
+              <a:rPr lang="en-US" dirty="0" err="1"/>
+              <a:t>thông</a:t>
+            </a:r>
+            <a:r>
+              <a:rPr lang="en-US" dirty="0"/>
+              <a:t> tin </a:t>
+            </a:r>
+            <a:r>
+              <a:rPr lang="en-US" dirty="0" err="1"/>
+              <a:t>trên</a:t>
+            </a:r>
+            <a:r>
+              <a:rPr lang="en-US" dirty="0"/>
+              <a:t> </a:t>
+            </a:r>
+            <a:r>
+              <a:rPr lang="en-US" dirty="0" err="1"/>
+              <a:t>mạng</a:t>
+            </a:r>
+            <a:r>
+              <a:rPr lang="en-US" dirty="0"/>
+              <a:t>.</a:t>
+            </a:r>
+          </a:p>
+          <a:p>
+            <a:r>
+              <a:rPr lang="en-US" dirty="0" err="1"/>
+              <a:t>Phải</a:t>
+            </a:r>
+            <a:r>
+              <a:rPr lang="en-US" dirty="0"/>
+              <a:t> </a:t>
+            </a:r>
+            <a:r>
+              <a:rPr lang="en-US" dirty="0" err="1"/>
+              <a:t>tập</a:t>
+            </a:r>
+            <a:r>
+              <a:rPr lang="en-US" dirty="0"/>
+              <a:t> </a:t>
+            </a:r>
+            <a:r>
+              <a:rPr lang="en-US" dirty="0" err="1"/>
+              <a:t>trung</a:t>
+            </a:r>
+            <a:r>
+              <a:rPr lang="en-US" dirty="0"/>
+              <a:t> </a:t>
+            </a:r>
+            <a:r>
+              <a:rPr lang="en-US" dirty="0" err="1"/>
+              <a:t>nghiên</a:t>
+            </a:r>
+            <a:r>
+              <a:rPr lang="en-US" dirty="0"/>
+              <a:t> </a:t>
+            </a:r>
+            <a:r>
+              <a:rPr lang="en-US" dirty="0" err="1"/>
+              <a:t>cứu</a:t>
+            </a:r>
+            <a:r>
+              <a:rPr lang="en-US" dirty="0"/>
+              <a:t> </a:t>
+            </a:r>
+            <a:r>
+              <a:rPr lang="en-US" dirty="0" err="1"/>
+              <a:t>cách</a:t>
+            </a:r>
+            <a:r>
+              <a:rPr lang="en-US" dirty="0"/>
+              <a:t> </a:t>
+            </a:r>
+            <a:r>
+              <a:rPr lang="en-US" dirty="0" err="1"/>
+              <a:t>ứng</a:t>
+            </a:r>
+            <a:r>
+              <a:rPr lang="en-US" dirty="0"/>
+              <a:t> </a:t>
+            </a:r>
+            <a:r>
+              <a:rPr lang="en-US" dirty="0" err="1"/>
+              <a:t>dụng</a:t>
+            </a:r>
+            <a:r>
+              <a:rPr lang="en-US" dirty="0"/>
+              <a:t> </a:t>
+            </a:r>
+            <a:r>
+              <a:rPr lang="en-US" dirty="0" err="1"/>
+              <a:t>công</a:t>
+            </a:r>
+            <a:r>
+              <a:rPr lang="en-US" dirty="0"/>
+              <a:t> </a:t>
+            </a:r>
+            <a:r>
+              <a:rPr lang="en-US" dirty="0" err="1"/>
+              <a:t>nghệ</a:t>
+            </a:r>
+            <a:r>
+              <a:rPr lang="en-US" dirty="0"/>
+              <a:t> </a:t>
+            </a:r>
+            <a:r>
+              <a:rPr lang="en-US" dirty="0" err="1"/>
+              <a:t>thông</a:t>
+            </a:r>
+            <a:r>
+              <a:rPr lang="en-US" dirty="0"/>
+              <a:t> tin, </a:t>
+            </a:r>
+            <a:r>
+              <a:rPr lang="en-US" dirty="0" err="1"/>
+              <a:t>kỹ</a:t>
+            </a:r>
+            <a:r>
+              <a:rPr lang="en-US" dirty="0"/>
+              <a:t> </a:t>
+            </a:r>
+            <a:r>
+              <a:rPr lang="en-US" dirty="0" err="1"/>
+              <a:t>thuật</a:t>
+            </a:r>
+            <a:r>
+              <a:rPr lang="en-US" dirty="0"/>
+              <a:t> </a:t>
+            </a:r>
+            <a:r>
+              <a:rPr lang="en-US" dirty="0" err="1"/>
+              <a:t>số</a:t>
+            </a:r>
+            <a:r>
+              <a:rPr lang="en-US" dirty="0"/>
+              <a:t> </a:t>
+            </a:r>
+            <a:r>
+              <a:rPr lang="en-US" dirty="0" err="1"/>
+              <a:t>vào</a:t>
+            </a:r>
+            <a:r>
+              <a:rPr lang="en-US" dirty="0"/>
+              <a:t> </a:t>
+            </a:r>
+            <a:r>
+              <a:rPr lang="en-US" dirty="0" err="1"/>
+              <a:t>mọi</a:t>
+            </a:r>
+            <a:r>
+              <a:rPr lang="en-US" dirty="0"/>
+              <a:t> </a:t>
+            </a:r>
+            <a:r>
+              <a:rPr lang="en-US" dirty="0" err="1"/>
+              <a:t>mặt</a:t>
+            </a:r>
+            <a:r>
+              <a:rPr lang="en-US" dirty="0"/>
+              <a:t> </a:t>
+            </a:r>
+            <a:r>
+              <a:rPr lang="en-US" dirty="0" err="1"/>
+              <a:t>trong</a:t>
+            </a:r>
+            <a:r>
+              <a:rPr lang="en-US" dirty="0"/>
+              <a:t> </a:t>
+            </a:r>
+            <a:r>
+              <a:rPr lang="en-US" dirty="0" err="1"/>
+              <a:t>đời</a:t>
+            </a:r>
+            <a:r>
+              <a:rPr lang="en-US" dirty="0"/>
+              <a:t> </a:t>
+            </a:r>
+            <a:r>
+              <a:rPr lang="en-US" dirty="0" err="1"/>
+              <a:t>sống</a:t>
+            </a:r>
+            <a:r>
+              <a:rPr lang="en-US" dirty="0"/>
+              <a:t>. </a:t>
+            </a:r>
+            <a:r>
+              <a:rPr lang="en-US" dirty="0" err="1"/>
+              <a:t>Các</a:t>
+            </a:r>
+            <a:r>
+              <a:rPr lang="en-US" dirty="0"/>
+              <a:t> </a:t>
+            </a:r>
+            <a:r>
+              <a:rPr lang="en-US" dirty="0" err="1"/>
+              <a:t>công</a:t>
+            </a:r>
+            <a:r>
+              <a:rPr lang="en-US" dirty="0"/>
+              <a:t> </a:t>
+            </a:r>
+            <a:r>
+              <a:rPr lang="en-US" dirty="0" err="1"/>
+              <a:t>nghệ</a:t>
+            </a:r>
+            <a:r>
+              <a:rPr lang="en-US" dirty="0"/>
+              <a:t> </a:t>
+            </a:r>
+            <a:r>
+              <a:rPr lang="en-US" dirty="0" err="1"/>
+              <a:t>như</a:t>
+            </a:r>
+            <a:r>
+              <a:rPr lang="en-US" dirty="0"/>
+              <a:t> IoT, big data, cloud computing </a:t>
+            </a:r>
+            <a:r>
+              <a:rPr lang="en-US" dirty="0" err="1"/>
+              <a:t>có</a:t>
+            </a:r>
+            <a:r>
+              <a:rPr lang="en-US" dirty="0"/>
+              <a:t> </a:t>
+            </a:r>
+            <a:r>
+              <a:rPr lang="en-US" dirty="0" err="1"/>
+              <a:t>rất</a:t>
+            </a:r>
+            <a:r>
+              <a:rPr lang="en-US" dirty="0"/>
+              <a:t> </a:t>
+            </a:r>
+            <a:r>
+              <a:rPr lang="en-US" dirty="0" err="1"/>
+              <a:t>nhiều</a:t>
+            </a:r>
+            <a:r>
+              <a:rPr lang="en-US" dirty="0"/>
+              <a:t> </a:t>
+            </a:r>
+            <a:r>
+              <a:rPr lang="en-US" dirty="0" err="1"/>
+              <a:t>ứng</a:t>
+            </a:r>
+            <a:r>
+              <a:rPr lang="en-US" dirty="0"/>
+              <a:t> </a:t>
+            </a:r>
+            <a:r>
+              <a:rPr lang="en-US" dirty="0" err="1"/>
+              <a:t>dụng</a:t>
+            </a:r>
+            <a:r>
+              <a:rPr lang="en-US" dirty="0"/>
+              <a:t> </a:t>
+            </a:r>
+            <a:r>
+              <a:rPr lang="en-US" dirty="0" err="1"/>
+              <a:t>tuyệt</a:t>
+            </a:r>
+            <a:r>
+              <a:rPr lang="en-US" dirty="0"/>
+              <a:t> </a:t>
+            </a:r>
+            <a:r>
+              <a:rPr lang="en-US" dirty="0" err="1"/>
+              <a:t>vời</a:t>
+            </a:r>
+            <a:r>
+              <a:rPr lang="en-US" dirty="0"/>
+              <a:t>, </a:t>
+            </a:r>
+            <a:r>
+              <a:rPr lang="en-US" dirty="0" err="1"/>
+              <a:t>vì</a:t>
+            </a:r>
+            <a:r>
+              <a:rPr lang="en-US" dirty="0"/>
+              <a:t> </a:t>
+            </a:r>
+            <a:r>
+              <a:rPr lang="en-US" dirty="0" err="1"/>
+              <a:t>vậy</a:t>
+            </a:r>
+            <a:r>
+              <a:rPr lang="en-US" dirty="0"/>
+              <a:t> </a:t>
+            </a:r>
+            <a:r>
+              <a:rPr lang="en-US" dirty="0" err="1"/>
+              <a:t>phải</a:t>
+            </a:r>
+            <a:r>
+              <a:rPr lang="en-US" dirty="0"/>
+              <a:t> </a:t>
+            </a:r>
+            <a:r>
+              <a:rPr lang="en-US" dirty="0" err="1"/>
+              <a:t>liên</a:t>
+            </a:r>
+            <a:r>
+              <a:rPr lang="en-US" dirty="0"/>
+              <a:t> </a:t>
+            </a:r>
+            <a:r>
+              <a:rPr lang="en-US" dirty="0" err="1"/>
+              <a:t>tục</a:t>
+            </a:r>
+            <a:r>
+              <a:rPr lang="en-US" dirty="0"/>
+              <a:t> </a:t>
+            </a:r>
+            <a:r>
+              <a:rPr lang="en-US" dirty="0" err="1"/>
+              <a:t>nghiên</a:t>
+            </a:r>
+            <a:r>
+              <a:rPr lang="en-US" dirty="0"/>
+              <a:t> </a:t>
+            </a:r>
+            <a:r>
+              <a:rPr lang="en-US" dirty="0" err="1"/>
+              <a:t>cứu</a:t>
+            </a:r>
+            <a:r>
+              <a:rPr lang="en-US" dirty="0"/>
+              <a:t> ,</a:t>
+            </a:r>
+            <a:r>
+              <a:rPr lang="en-US" dirty="0" err="1"/>
+              <a:t>tìm</a:t>
+            </a:r>
+            <a:r>
+              <a:rPr lang="en-US" dirty="0"/>
+              <a:t> </a:t>
+            </a:r>
+            <a:r>
+              <a:rPr lang="en-US" dirty="0" err="1"/>
+              <a:t>tòi</a:t>
+            </a:r>
+            <a:r>
+              <a:rPr lang="en-US" dirty="0"/>
+              <a:t> </a:t>
+            </a:r>
+            <a:r>
+              <a:rPr lang="en-US" dirty="0" err="1"/>
+              <a:t>để</a:t>
+            </a:r>
+            <a:r>
+              <a:rPr lang="en-US" dirty="0"/>
+              <a:t> </a:t>
+            </a:r>
+            <a:r>
+              <a:rPr lang="en-US" dirty="0" err="1"/>
+              <a:t>nâng</a:t>
+            </a:r>
+            <a:r>
+              <a:rPr lang="en-US" dirty="0"/>
+              <a:t> </a:t>
+            </a:r>
+            <a:r>
+              <a:rPr lang="en-US" dirty="0" err="1"/>
+              <a:t>tầm</a:t>
+            </a:r>
+            <a:r>
+              <a:rPr lang="en-US" dirty="0"/>
+              <a:t> </a:t>
+            </a:r>
+            <a:r>
+              <a:rPr lang="en-US" dirty="0" err="1"/>
+              <a:t>chất</a:t>
+            </a:r>
+            <a:r>
+              <a:rPr lang="en-US" dirty="0"/>
+              <a:t> </a:t>
+            </a:r>
+            <a:r>
+              <a:rPr lang="en-US" dirty="0" err="1"/>
+              <a:t>lượng</a:t>
+            </a:r>
+            <a:r>
+              <a:rPr lang="en-US" dirty="0"/>
+              <a:t> </a:t>
+            </a:r>
+            <a:r>
+              <a:rPr lang="en-US" dirty="0" err="1"/>
+              <a:t>cuộc</a:t>
+            </a:r>
+            <a:r>
+              <a:rPr lang="en-US" dirty="0"/>
+              <a:t> </a:t>
+            </a:r>
+            <a:r>
+              <a:rPr lang="en-US" dirty="0" err="1"/>
+              <a:t>sống</a:t>
+            </a:r>
+            <a:r>
+              <a:rPr lang="en-US" dirty="0"/>
+              <a:t> </a:t>
+            </a:r>
+            <a:r>
+              <a:rPr lang="en-US" dirty="0" err="1"/>
+              <a:t>của</a:t>
+            </a:r>
+            <a:r>
+              <a:rPr lang="en-US" dirty="0"/>
+              <a:t> </a:t>
+            </a:r>
+            <a:r>
+              <a:rPr lang="en-US" dirty="0" err="1"/>
+              <a:t>người</a:t>
+            </a:r>
+            <a:r>
+              <a:rPr lang="en-US" dirty="0"/>
+              <a:t> </a:t>
+            </a:r>
+            <a:r>
+              <a:rPr lang="en-US" dirty="0" err="1"/>
+              <a:t>dân</a:t>
+            </a:r>
+            <a:r>
+              <a:rPr lang="en-US" dirty="0"/>
+              <a:t>.</a:t>
+            </a:r>
+          </a:p>
+          <a:p>
+            <a:pPr lvl="1"/>
+            <a:endParaRPr lang="en-US" dirty="0"/>
+          </a:p>
+        </p:txBody>
+      </p:sp>
+      <p:pic>
+        <p:nvPicPr>
+          <p:cNvPr id="4" name="Picture 3" descr="Phải đảm đảm bảo an ninh mạng và bảo mật thông tin trên mạng.">
+            <a:extLst>
+              <a:ext uri="{FF2B5EF4-FFF2-40B4-BE49-F238E27FC236}">
+                <a16:creationId xmlns:a16="http://schemas.microsoft.com/office/drawing/2014/main" id="{29D19380-48E7-412E-A37D-C6B9E56D29F5}"/>
+              </a:ext>
+            </a:extLst>
+          </p:cNvPr>
+          <p:cNvPicPr/>
+          <p:nvPr/>
+        </p:nvPicPr>
+        <p:blipFill rotWithShape="1">
+          <a:blip r:embed="rId2" cstate="print">
+            <a:extLst>
+              <a:ext uri="{28A0092B-C50C-407E-A947-70E740481C1C}">
+                <a14:useLocalDpi xmlns:a14="http://schemas.microsoft.com/office/drawing/2010/main" val="0"/>
+              </a:ext>
+            </a:extLst>
+          </a:blip>
+          <a:srcRect l="22407" r="30393"/>
+          <a:stretch/>
+        </p:blipFill>
+        <p:spPr bwMode="auto">
+          <a:xfrm>
+            <a:off x="20" y="-1"/>
+            <a:ext cx="5394940" cy="6858001"/>
+          </a:xfrm>
+          <a:custGeom>
+            <a:avLst/>
+            <a:gdLst>
+              <a:gd name="connsiteX0" fmla="*/ 842596 w 5394960"/>
+              <a:gd name="connsiteY0" fmla="*/ 0 h 6858000"/>
+              <a:gd name="connsiteX1" fmla="*/ 5394960 w 5394960"/>
+              <a:gd name="connsiteY1" fmla="*/ 0 h 6858000"/>
+              <a:gd name="connsiteX2" fmla="*/ 5394960 w 5394960"/>
+              <a:gd name="connsiteY2" fmla="*/ 21851 h 6858000"/>
+              <a:gd name="connsiteX3" fmla="*/ 4365943 w 5394960"/>
+              <a:gd name="connsiteY3" fmla="*/ 6858000 h 6858000"/>
+              <a:gd name="connsiteX4" fmla="*/ 0 w 5394960"/>
+              <a:gd name="connsiteY4" fmla="*/ 6858000 h 6858000"/>
+              <a:gd name="connsiteX5" fmla="*/ 0 w 5394960"/>
+              <a:gd name="connsiteY5" fmla="*/ 5666154 h 6858000"/>
+            </a:gdLst>
+            <a:ahLst/>
+            <a:cxnLst>
+              <a:cxn ang="0">
+                <a:pos x="connsiteX0" y="connsiteY0"/>
+              </a:cxn>
+              <a:cxn ang="0">
+                <a:pos x="connsiteX1" y="connsiteY1"/>
+              </a:cxn>
+              <a:cxn ang="0">
+                <a:pos x="connsiteX2" y="connsiteY2"/>
+              </a:cxn>
+              <a:cxn ang="0">
+                <a:pos x="connsiteX3" y="connsiteY3"/>
+              </a:cxn>
+              <a:cxn ang="0">
+                <a:pos x="connsiteX4" y="connsiteY4"/>
+              </a:cxn>
+              <a:cxn ang="0">
+                <a:pos x="connsiteX5" y="connsiteY5"/>
+              </a:cxn>
+            </a:cxnLst>
+            <a:rect l="l" t="t" r="r" b="b"/>
+            <a:pathLst>
+              <a:path w="5394960" h="6858000">
+                <a:moveTo>
+                  <a:pt x="842596" y="0"/>
+                </a:moveTo>
+                <a:lnTo>
+                  <a:pt x="5394960" y="0"/>
+                </a:lnTo>
+                <a:lnTo>
+                  <a:pt x="5394960" y="21851"/>
+                </a:lnTo>
+                <a:lnTo>
+                  <a:pt x="4365943" y="6858000"/>
+                </a:lnTo>
+                <a:lnTo>
+                  <a:pt x="0" y="6858000"/>
+                </a:lnTo>
+                <a:lnTo>
+                  <a:pt x="0" y="5666154"/>
+                </a:lnTo>
+                <a:close/>
+              </a:path>
+            </a:pathLst>
+          </a:custGeom>
+          <a:noFill/>
+        </p:spPr>
+      </p:pic>
+      <p:sp>
+        <p:nvSpPr>
+          <p:cNvPr id="9" name="Isosceles Triangle 8">
+            <a:extLst>
+              <a:ext uri="{FF2B5EF4-FFF2-40B4-BE49-F238E27FC236}">
+                <a16:creationId xmlns:a16="http://schemas.microsoft.com/office/drawing/2014/main" id="{3BCB5F6A-9EB0-40B0-9D13-3023E9A20508}"/>
+              </a:ext>
+              <a:ext uri="{C183D7F6-B498-43B3-948B-1728B52AA6E4}">
+                <adec:decorative xmlns:adec="http://schemas.microsoft.com/office/drawing/2017/decorative" val="1"/>
+              </a:ext>
+            </a:extLst>
+          </p:cNvPr>
+          <p:cNvSpPr>
+            <a:spLocks noGrp="1" noRot="1" noChangeAspect="1" noMove="1" noResize="1" noEditPoints="1" noAdjustHandles="1" noChangeArrowheads="1" noChangeShapeType="1" noTextEdit="1"/>
+          </p:cNvSpPr>
+          <p:nvPr>
+            <p:extLst>
+              <p:ext uri="{386F3935-93C4-4BCD-93E2-E3B085C9AB24}">
+                <p16:designElem xmlns:p16="http://schemas.microsoft.com/office/powerpoint/2015/main" val="1"/>
+              </p:ext>
+            </p:extLst>
+          </p:nvPr>
+        </p:nvSpPr>
+        <p:spPr>
+          <a:xfrm rot="10800000">
+            <a:off x="0" y="0"/>
+            <a:ext cx="842596" cy="5666154"/>
+          </a:xfrm>
+          <a:prstGeom prst="triangle">
+            <a:avLst>
+              <a:gd name="adj" fmla="val 100000"/>
+            </a:avLst>
+          </a:prstGeom>
+          <a:solidFill>
+            <a:schemeClr val="accent1"/>
+          </a:solidFill>
+          <a:ln>
+            <a:noFill/>
+          </a:ln>
+          <a:effectLst/>
+        </p:spPr>
+        <p:style>
+          <a:lnRef idx="1">
+            <a:schemeClr val="accent1"/>
+          </a:lnRef>
+          <a:fillRef idx="3">
+            <a:schemeClr val="accent1"/>
+          </a:fillRef>
+          <a:effectRef idx="2">
+            <a:schemeClr val="accent1"/>
+          </a:effectRef>
+          <a:fontRef idx="minor">
+            <a:schemeClr val="lt1"/>
+          </a:fontRef>
+        </p:style>
+      </p:sp>
+    </p:spTree>
+    <p:extLst>
+      <p:ext uri="{BB962C8B-B14F-4D97-AF65-F5344CB8AC3E}">
+        <p14:creationId xmlns:p14="http://schemas.microsoft.com/office/powerpoint/2010/main" val="250187014"/>
+      </p:ext>
+    </p:extLst>
+  </p:cSld>
+  <p:clrMapOvr>
+    <a:masterClrMapping/>
+  </p:clrMapOvr>
+</p:sld>
+</file>
+
+<file path=ppt/slides/slide16.xml><?xml version="1.0" encoding="utf-8"?>
+<p:sld xmlns:a="http://schemas.openxmlformats.org/drawingml/2006/main" xmlns:r="http://schemas.openxmlformats.org/officeDocument/2006/relationships" xmlns:p="http://schemas.openxmlformats.org/presentationml/2006/main">
+  <p:cSld>
+    <p:spTree>
+      <p:nvGrpSpPr>
+        <p:cNvPr id="1" name=""/>
+        <p:cNvGrpSpPr/>
+        <p:nvPr/>
+      </p:nvGrpSpPr>
+      <p:grpSpPr>
+        <a:xfrm>
+          <a:off x="0" y="0"/>
+          <a:ext cx="0" cy="0"/>
+          <a:chOff x="0" y="0"/>
+          <a:chExt cx="0" cy="0"/>
+        </a:xfrm>
+      </p:grpSpPr>
+      <p:sp>
+        <p:nvSpPr>
+          <p:cNvPr id="2" name="Title 1">
+            <a:extLst>
+              <a:ext uri="{FF2B5EF4-FFF2-40B4-BE49-F238E27FC236}">
+                <a16:creationId xmlns:a16="http://schemas.microsoft.com/office/drawing/2014/main" id="{6BBB6658-D87E-436C-99D4-17DC83AA39EB}"/>
+              </a:ext>
+            </a:extLst>
+          </p:cNvPr>
+          <p:cNvSpPr>
+            <a:spLocks noGrp="1"/>
+          </p:cNvSpPr>
+          <p:nvPr>
+            <p:ph type="title"/>
+          </p:nvPr>
+        </p:nvSpPr>
+        <p:spPr/>
+        <p:txBody>
+          <a:bodyPr/>
+          <a:lstStyle/>
+          <a:p>
+            <a:r>
+              <a:rPr lang="en-US" b="1" dirty="0" err="1"/>
+              <a:t>Giải</a:t>
+            </a:r>
+            <a:r>
+              <a:rPr lang="en-US" b="1" dirty="0"/>
+              <a:t> </a:t>
+            </a:r>
+            <a:r>
+              <a:rPr lang="en-US" b="1" dirty="0" err="1"/>
+              <a:t>pháp</a:t>
+            </a:r>
+            <a:r>
+              <a:rPr lang="en-US" b="1" dirty="0"/>
+              <a:t> </a:t>
+            </a:r>
+            <a:r>
+              <a:rPr lang="en-US" b="1" dirty="0" err="1"/>
+              <a:t>đối</a:t>
+            </a:r>
+            <a:r>
+              <a:rPr lang="en-US" b="1" dirty="0"/>
+              <a:t> </a:t>
+            </a:r>
+            <a:r>
+              <a:rPr lang="en-US" b="1" dirty="0" err="1"/>
+              <a:t>với</a:t>
+            </a:r>
+            <a:r>
+              <a:rPr lang="en-US" b="1" dirty="0"/>
+              <a:t> </a:t>
+            </a:r>
+            <a:r>
+              <a:rPr lang="en-US" b="1" dirty="0" err="1"/>
+              <a:t>bản</a:t>
+            </a:r>
+            <a:r>
+              <a:rPr lang="en-US" b="1" dirty="0"/>
+              <a:t> </a:t>
+            </a:r>
+            <a:r>
+              <a:rPr lang="en-US" b="1" dirty="0" err="1"/>
+              <a:t>thân</a:t>
+            </a:r>
+            <a:r>
+              <a:rPr lang="en-US" b="1" dirty="0"/>
+              <a:t> </a:t>
+            </a:r>
+            <a:r>
+              <a:rPr lang="en-US" b="1" dirty="0" err="1"/>
+              <a:t>mỗi</a:t>
+            </a:r>
+            <a:r>
+              <a:rPr lang="en-US" b="1" dirty="0"/>
+              <a:t> </a:t>
+            </a:r>
+            <a:r>
+              <a:rPr lang="en-US" b="1" dirty="0" err="1"/>
+              <a:t>người</a:t>
+            </a:r>
+            <a:br>
+              <a:rPr lang="en-US" b="1" dirty="0"/>
+            </a:br>
+            <a:endParaRPr lang="en-US" dirty="0"/>
+          </a:p>
+        </p:txBody>
+      </p:sp>
+      <p:sp>
+        <p:nvSpPr>
+          <p:cNvPr id="3" name="Content Placeholder 2">
+            <a:extLst>
+              <a:ext uri="{FF2B5EF4-FFF2-40B4-BE49-F238E27FC236}">
+                <a16:creationId xmlns:a16="http://schemas.microsoft.com/office/drawing/2014/main" id="{363A50C7-8F00-4A82-B6D5-9942076C6DC5}"/>
+              </a:ext>
+            </a:extLst>
+          </p:cNvPr>
+          <p:cNvSpPr>
+            <a:spLocks noGrp="1"/>
+          </p:cNvSpPr>
+          <p:nvPr>
+            <p:ph idx="1"/>
+          </p:nvPr>
+        </p:nvSpPr>
+        <p:spPr/>
+        <p:txBody>
+          <a:bodyPr/>
+          <a:lstStyle/>
+          <a:p>
+            <a:r>
+              <a:rPr lang="en-US" dirty="0" err="1"/>
+              <a:t>Bản</a:t>
+            </a:r>
+            <a:r>
+              <a:rPr lang="en-US" dirty="0"/>
+              <a:t> </a:t>
+            </a:r>
+            <a:r>
+              <a:rPr lang="en-US" dirty="0" err="1"/>
+              <a:t>thân</a:t>
+            </a:r>
+            <a:r>
+              <a:rPr lang="en-US" dirty="0"/>
+              <a:t> </a:t>
+            </a:r>
+            <a:r>
+              <a:rPr lang="en-US" dirty="0" err="1"/>
+              <a:t>chúng</a:t>
+            </a:r>
+            <a:r>
+              <a:rPr lang="en-US" dirty="0"/>
+              <a:t> ta </a:t>
+            </a:r>
+            <a:r>
+              <a:rPr lang="en-US" dirty="0" err="1"/>
+              <a:t>cũng</a:t>
+            </a:r>
+            <a:r>
+              <a:rPr lang="en-US" dirty="0"/>
+              <a:t> </a:t>
+            </a:r>
+            <a:r>
+              <a:rPr lang="en-US" dirty="0" err="1"/>
+              <a:t>cần</a:t>
+            </a:r>
+            <a:r>
+              <a:rPr lang="en-US" dirty="0"/>
+              <a:t> </a:t>
+            </a:r>
+            <a:r>
+              <a:rPr lang="en-US" dirty="0" err="1"/>
+              <a:t>tự</a:t>
+            </a:r>
+            <a:r>
+              <a:rPr lang="en-US" dirty="0"/>
+              <a:t> </a:t>
+            </a:r>
+            <a:r>
+              <a:rPr lang="en-US" dirty="0" err="1"/>
+              <a:t>chuẩn</a:t>
+            </a:r>
+            <a:r>
+              <a:rPr lang="en-US" dirty="0"/>
+              <a:t> </a:t>
+            </a:r>
+            <a:r>
+              <a:rPr lang="en-US" dirty="0" err="1"/>
+              <a:t>bị</a:t>
+            </a:r>
+            <a:r>
+              <a:rPr lang="en-US" dirty="0"/>
+              <a:t> </a:t>
+            </a:r>
+            <a:r>
+              <a:rPr lang="en-US" dirty="0" err="1"/>
+              <a:t>để</a:t>
+            </a:r>
+            <a:r>
+              <a:rPr lang="en-US" dirty="0"/>
+              <a:t> </a:t>
+            </a:r>
+            <a:r>
+              <a:rPr lang="en-US" dirty="0" err="1"/>
+              <a:t>thích</a:t>
+            </a:r>
+            <a:r>
+              <a:rPr lang="en-US" dirty="0"/>
+              <a:t> </a:t>
+            </a:r>
+            <a:r>
+              <a:rPr lang="en-US" dirty="0" err="1"/>
+              <a:t>nghi</a:t>
+            </a:r>
+            <a:r>
+              <a:rPr lang="en-US" dirty="0"/>
+              <a:t> </a:t>
+            </a:r>
+            <a:r>
+              <a:rPr lang="en-US" dirty="0" err="1"/>
+              <a:t>với</a:t>
+            </a:r>
+            <a:r>
+              <a:rPr lang="en-US" dirty="0"/>
+              <a:t> </a:t>
+            </a:r>
+            <a:r>
+              <a:rPr lang="en-US" dirty="0" err="1"/>
+              <a:t>thời</a:t>
+            </a:r>
+            <a:r>
+              <a:rPr lang="en-US" dirty="0"/>
+              <a:t> </a:t>
+            </a:r>
+            <a:r>
+              <a:rPr lang="en-US" dirty="0" err="1"/>
+              <a:t>đại</a:t>
+            </a:r>
+            <a:r>
+              <a:rPr lang="en-US" dirty="0"/>
+              <a:t> </a:t>
+            </a:r>
+            <a:r>
+              <a:rPr lang="en-US" dirty="0" err="1"/>
+              <a:t>cách</a:t>
+            </a:r>
+            <a:r>
+              <a:rPr lang="en-US" dirty="0"/>
+              <a:t> </a:t>
+            </a:r>
+            <a:r>
+              <a:rPr lang="en-US" dirty="0" err="1"/>
+              <a:t>mạng</a:t>
+            </a:r>
+            <a:r>
+              <a:rPr lang="en-US" dirty="0"/>
+              <a:t> </a:t>
+            </a:r>
+            <a:r>
+              <a:rPr lang="en-US" dirty="0" err="1"/>
+              <a:t>công</a:t>
+            </a:r>
+            <a:r>
+              <a:rPr lang="en-US" dirty="0"/>
+              <a:t> </a:t>
+            </a:r>
+            <a:r>
+              <a:rPr lang="en-US" dirty="0" err="1"/>
+              <a:t>nghiệp</a:t>
+            </a:r>
+            <a:r>
+              <a:rPr lang="en-US" dirty="0"/>
+              <a:t> 4.0, </a:t>
+            </a:r>
+            <a:r>
+              <a:rPr lang="en-US" dirty="0" err="1"/>
+              <a:t>nếu</a:t>
+            </a:r>
+            <a:r>
+              <a:rPr lang="en-US" dirty="0"/>
+              <a:t> </a:t>
+            </a:r>
+            <a:r>
+              <a:rPr lang="en-US" dirty="0" err="1"/>
+              <a:t>không</a:t>
+            </a:r>
+            <a:r>
+              <a:rPr lang="en-US" dirty="0"/>
+              <a:t> </a:t>
+            </a:r>
+            <a:r>
+              <a:rPr lang="en-US" dirty="0" err="1"/>
+              <a:t>có</a:t>
+            </a:r>
+            <a:r>
+              <a:rPr lang="en-US" dirty="0"/>
+              <a:t> </a:t>
+            </a:r>
+            <a:r>
+              <a:rPr lang="en-US" dirty="0" err="1"/>
+              <a:t>thể</a:t>
+            </a:r>
+            <a:r>
+              <a:rPr lang="en-US" dirty="0"/>
+              <a:t> </a:t>
+            </a:r>
+            <a:r>
+              <a:rPr lang="en-US" dirty="0" err="1"/>
+              <a:t>sẽ</a:t>
+            </a:r>
+            <a:r>
+              <a:rPr lang="en-US" dirty="0"/>
+              <a:t> </a:t>
+            </a:r>
+            <a:r>
+              <a:rPr lang="en-US" dirty="0" err="1"/>
+              <a:t>bị</a:t>
+            </a:r>
+            <a:r>
+              <a:rPr lang="en-US" dirty="0"/>
+              <a:t> </a:t>
+            </a:r>
+            <a:r>
+              <a:rPr lang="en-US" dirty="0" err="1"/>
+              <a:t>đào</a:t>
+            </a:r>
+            <a:r>
+              <a:rPr lang="en-US" dirty="0"/>
+              <a:t> </a:t>
+            </a:r>
+            <a:r>
+              <a:rPr lang="en-US" dirty="0" err="1"/>
+              <a:t>thải</a:t>
+            </a:r>
+            <a:r>
+              <a:rPr lang="en-US" dirty="0"/>
+              <a:t>.</a:t>
+            </a:r>
+          </a:p>
+          <a:p>
+            <a:r>
+              <a:rPr lang="en-US" dirty="0" err="1"/>
+              <a:t>Chúng</a:t>
+            </a:r>
+            <a:r>
+              <a:rPr lang="en-US" dirty="0"/>
+              <a:t> ta </a:t>
+            </a:r>
+            <a:r>
+              <a:rPr lang="en-US" dirty="0" err="1"/>
+              <a:t>phải</a:t>
+            </a:r>
+            <a:r>
+              <a:rPr lang="en-US" dirty="0"/>
+              <a:t> </a:t>
+            </a:r>
+            <a:r>
+              <a:rPr lang="en-US" dirty="0" err="1"/>
+              <a:t>tự</a:t>
+            </a:r>
+            <a:r>
+              <a:rPr lang="en-US" dirty="0"/>
+              <a:t> </a:t>
+            </a:r>
+            <a:r>
+              <a:rPr lang="en-US" dirty="0" err="1"/>
+              <a:t>tìm</a:t>
+            </a:r>
+            <a:r>
+              <a:rPr lang="en-US" dirty="0"/>
+              <a:t> </a:t>
+            </a:r>
+            <a:r>
+              <a:rPr lang="en-US" dirty="0" err="1"/>
+              <a:t>hiểu</a:t>
+            </a:r>
+            <a:r>
+              <a:rPr lang="en-US" dirty="0"/>
+              <a:t>, </a:t>
+            </a:r>
+            <a:r>
+              <a:rPr lang="en-US" dirty="0" err="1"/>
+              <a:t>nghiên</a:t>
+            </a:r>
+            <a:r>
+              <a:rPr lang="en-US" dirty="0"/>
+              <a:t> </a:t>
+            </a:r>
+            <a:r>
+              <a:rPr lang="en-US" dirty="0" err="1"/>
+              <a:t>cứu</a:t>
+            </a:r>
+            <a:r>
+              <a:rPr lang="en-US" dirty="0"/>
+              <a:t> </a:t>
+            </a:r>
+            <a:r>
+              <a:rPr lang="en-US" dirty="0" err="1"/>
+              <a:t>về</a:t>
+            </a:r>
+            <a:r>
+              <a:rPr lang="en-US" dirty="0"/>
+              <a:t> </a:t>
+            </a:r>
+            <a:r>
+              <a:rPr lang="en-US" dirty="0" err="1"/>
+              <a:t>cách</a:t>
+            </a:r>
+            <a:r>
+              <a:rPr lang="en-US" dirty="0"/>
+              <a:t> </a:t>
+            </a:r>
+            <a:r>
+              <a:rPr lang="en-US" dirty="0" err="1"/>
+              <a:t>mạng</a:t>
+            </a:r>
+            <a:r>
+              <a:rPr lang="en-US" dirty="0"/>
+              <a:t> </a:t>
+            </a:r>
+            <a:r>
+              <a:rPr lang="en-US" dirty="0" err="1"/>
+              <a:t>công</a:t>
+            </a:r>
+            <a:r>
+              <a:rPr lang="en-US" dirty="0"/>
+              <a:t> </a:t>
+            </a:r>
+            <a:r>
+              <a:rPr lang="en-US" dirty="0" err="1"/>
+              <a:t>nghiệp</a:t>
+            </a:r>
+            <a:r>
+              <a:rPr lang="en-US" dirty="0"/>
+              <a:t> 4.0, </a:t>
+            </a:r>
+            <a:r>
+              <a:rPr lang="en-US" dirty="0" err="1"/>
+              <a:t>những</a:t>
+            </a:r>
+            <a:r>
+              <a:rPr lang="en-US" dirty="0"/>
+              <a:t> </a:t>
+            </a:r>
+            <a:r>
+              <a:rPr lang="en-US" dirty="0" err="1"/>
+              <a:t>lợi</a:t>
+            </a:r>
+            <a:r>
+              <a:rPr lang="en-US" dirty="0"/>
+              <a:t> </a:t>
+            </a:r>
+            <a:r>
+              <a:rPr lang="en-US" dirty="0" err="1"/>
+              <a:t>ích</a:t>
+            </a:r>
+            <a:r>
+              <a:rPr lang="en-US" dirty="0"/>
+              <a:t> </a:t>
+            </a:r>
+            <a:r>
+              <a:rPr lang="en-US" dirty="0" err="1"/>
+              <a:t>và</a:t>
+            </a:r>
+            <a:r>
+              <a:rPr lang="en-US" dirty="0"/>
+              <a:t> </a:t>
+            </a:r>
+            <a:r>
+              <a:rPr lang="en-US" dirty="0" err="1"/>
+              <a:t>bất</a:t>
+            </a:r>
+            <a:r>
+              <a:rPr lang="en-US" dirty="0"/>
+              <a:t> </a:t>
+            </a:r>
+            <a:r>
+              <a:rPr lang="en-US" dirty="0" err="1"/>
+              <a:t>lợi</a:t>
+            </a:r>
+            <a:r>
+              <a:rPr lang="en-US" dirty="0"/>
+              <a:t> </a:t>
+            </a:r>
+            <a:r>
+              <a:rPr lang="en-US" dirty="0" err="1"/>
+              <a:t>của</a:t>
+            </a:r>
+            <a:r>
+              <a:rPr lang="en-US" dirty="0"/>
+              <a:t> </a:t>
+            </a:r>
+            <a:r>
+              <a:rPr lang="en-US" dirty="0" err="1"/>
+              <a:t>nó</a:t>
+            </a:r>
+            <a:r>
+              <a:rPr lang="en-US" dirty="0"/>
+              <a:t>, </a:t>
+            </a:r>
+            <a:r>
+              <a:rPr lang="en-US" dirty="0" err="1"/>
+              <a:t>để</a:t>
+            </a:r>
+            <a:r>
+              <a:rPr lang="en-US" dirty="0"/>
+              <a:t> </a:t>
+            </a:r>
+            <a:r>
+              <a:rPr lang="en-US" dirty="0" err="1"/>
+              <a:t>không</a:t>
+            </a:r>
+            <a:r>
+              <a:rPr lang="en-US" dirty="0"/>
+              <a:t> </a:t>
+            </a:r>
+            <a:r>
+              <a:rPr lang="en-US" dirty="0" err="1"/>
+              <a:t>bỡ</a:t>
+            </a:r>
+            <a:r>
+              <a:rPr lang="en-US" dirty="0"/>
+              <a:t> </a:t>
+            </a:r>
+            <a:r>
+              <a:rPr lang="en-US" dirty="0" err="1"/>
+              <a:t>ngỡ</a:t>
+            </a:r>
+            <a:r>
+              <a:rPr lang="en-US" dirty="0"/>
+              <a:t> </a:t>
+            </a:r>
+            <a:r>
+              <a:rPr lang="en-US" dirty="0" err="1"/>
+              <a:t>trong</a:t>
+            </a:r>
+            <a:r>
+              <a:rPr lang="en-US" dirty="0"/>
+              <a:t> </a:t>
+            </a:r>
+            <a:r>
+              <a:rPr lang="en-US" dirty="0" err="1"/>
+              <a:t>tương</a:t>
+            </a:r>
+            <a:r>
+              <a:rPr lang="en-US" dirty="0"/>
+              <a:t> </a:t>
+            </a:r>
+            <a:r>
+              <a:rPr lang="en-US" dirty="0" err="1"/>
+              <a:t>lai</a:t>
+            </a:r>
+            <a:r>
+              <a:rPr lang="en-US" dirty="0"/>
+              <a:t>. </a:t>
+            </a:r>
+            <a:r>
+              <a:rPr lang="en-US" dirty="0" err="1"/>
+              <a:t>Chúng</a:t>
+            </a:r>
+            <a:r>
+              <a:rPr lang="en-US" dirty="0"/>
+              <a:t> ta </a:t>
+            </a:r>
+            <a:r>
+              <a:rPr lang="en-US" dirty="0" err="1"/>
+              <a:t>phải</a:t>
+            </a:r>
+            <a:r>
+              <a:rPr lang="en-US" dirty="0"/>
+              <a:t> </a:t>
+            </a:r>
+            <a:r>
+              <a:rPr lang="en-US" dirty="0" err="1"/>
+              <a:t>nhận</a:t>
+            </a:r>
+            <a:r>
+              <a:rPr lang="en-US" dirty="0"/>
+              <a:t> </a:t>
+            </a:r>
+            <a:r>
+              <a:rPr lang="en-US" dirty="0" err="1"/>
+              <a:t>biết</a:t>
+            </a:r>
+            <a:r>
+              <a:rPr lang="en-US" dirty="0"/>
+              <a:t> </a:t>
+            </a:r>
+            <a:r>
+              <a:rPr lang="en-US" dirty="0" err="1"/>
+              <a:t>được</a:t>
+            </a:r>
+            <a:r>
+              <a:rPr lang="en-US" dirty="0"/>
+              <a:t> </a:t>
+            </a:r>
+            <a:r>
+              <a:rPr lang="en-US" dirty="0" err="1"/>
+              <a:t>những</a:t>
+            </a:r>
+            <a:r>
+              <a:rPr lang="en-US" dirty="0"/>
+              <a:t> </a:t>
+            </a:r>
+            <a:r>
+              <a:rPr lang="en-US" dirty="0" err="1"/>
+              <a:t>thay</a:t>
+            </a:r>
+            <a:r>
+              <a:rPr lang="en-US" dirty="0"/>
+              <a:t> </a:t>
+            </a:r>
+            <a:r>
+              <a:rPr lang="en-US" dirty="0" err="1"/>
+              <a:t>đổi</a:t>
+            </a:r>
+            <a:r>
+              <a:rPr lang="en-US" dirty="0"/>
+              <a:t> </a:t>
+            </a:r>
+            <a:r>
+              <a:rPr lang="en-US" dirty="0" err="1"/>
+              <a:t>của</a:t>
+            </a:r>
+            <a:r>
+              <a:rPr lang="en-US" dirty="0"/>
+              <a:t> </a:t>
+            </a:r>
+            <a:r>
+              <a:rPr lang="en-US" dirty="0" err="1"/>
+              <a:t>cách</a:t>
+            </a:r>
+            <a:r>
+              <a:rPr lang="en-US" dirty="0"/>
+              <a:t> </a:t>
+            </a:r>
+            <a:r>
+              <a:rPr lang="en-US" dirty="0" err="1"/>
+              <a:t>mạng</a:t>
+            </a:r>
+            <a:r>
+              <a:rPr lang="en-US" dirty="0"/>
+              <a:t> </a:t>
+            </a:r>
+            <a:r>
+              <a:rPr lang="en-US" dirty="0" err="1"/>
+              <a:t>công</a:t>
+            </a:r>
+            <a:r>
+              <a:rPr lang="en-US" dirty="0"/>
+              <a:t> </a:t>
+            </a:r>
+            <a:r>
+              <a:rPr lang="en-US" dirty="0" err="1"/>
+              <a:t>nghiệp</a:t>
+            </a:r>
+            <a:r>
+              <a:rPr lang="en-US" dirty="0"/>
+              <a:t> 4.0 </a:t>
+            </a:r>
+            <a:r>
+              <a:rPr lang="en-US" dirty="0" err="1"/>
+              <a:t>đang</a:t>
+            </a:r>
+            <a:r>
+              <a:rPr lang="en-US" dirty="0"/>
+              <a:t> </a:t>
+            </a:r>
+            <a:r>
+              <a:rPr lang="en-US" dirty="0" err="1"/>
+              <a:t>diễn</a:t>
+            </a:r>
+            <a:r>
+              <a:rPr lang="en-US" dirty="0"/>
+              <a:t> ra </a:t>
+            </a:r>
+            <a:r>
+              <a:rPr lang="en-US" dirty="0" err="1"/>
+              <a:t>trong</a:t>
+            </a:r>
+            <a:r>
+              <a:rPr lang="en-US" dirty="0"/>
+              <a:t> </a:t>
+            </a:r>
+            <a:r>
+              <a:rPr lang="en-US" dirty="0" err="1"/>
+              <a:t>cuộc</a:t>
+            </a:r>
+            <a:r>
+              <a:rPr lang="en-US" dirty="0"/>
+              <a:t> </a:t>
+            </a:r>
+            <a:r>
+              <a:rPr lang="en-US" dirty="0" err="1"/>
+              <a:t>sống</a:t>
+            </a:r>
+            <a:r>
+              <a:rPr lang="en-US" dirty="0"/>
+              <a:t> </a:t>
+            </a:r>
+            <a:r>
+              <a:rPr lang="en-US" dirty="0" err="1"/>
+              <a:t>hàng</a:t>
+            </a:r>
+            <a:r>
+              <a:rPr lang="en-US" dirty="0"/>
+              <a:t> </a:t>
+            </a:r>
+            <a:r>
+              <a:rPr lang="en-US" dirty="0" err="1"/>
+              <a:t>ngày</a:t>
+            </a:r>
+            <a:r>
+              <a:rPr lang="en-US" dirty="0"/>
+              <a:t> </a:t>
+            </a:r>
+            <a:r>
+              <a:rPr lang="en-US" dirty="0" err="1"/>
+              <a:t>để</a:t>
+            </a:r>
+            <a:r>
+              <a:rPr lang="en-US" dirty="0"/>
+              <a:t> </a:t>
+            </a:r>
+            <a:r>
+              <a:rPr lang="en-US" dirty="0" err="1"/>
+              <a:t>phán</a:t>
+            </a:r>
+            <a:r>
+              <a:rPr lang="en-US" dirty="0"/>
+              <a:t> </a:t>
+            </a:r>
+            <a:r>
+              <a:rPr lang="en-US" dirty="0" err="1"/>
+              <a:t>đoán</a:t>
+            </a:r>
+            <a:r>
+              <a:rPr lang="en-US" dirty="0"/>
+              <a:t> </a:t>
+            </a:r>
+            <a:r>
+              <a:rPr lang="en-US" dirty="0" err="1"/>
+              <a:t>xem</a:t>
+            </a:r>
+            <a:r>
+              <a:rPr lang="en-US" dirty="0"/>
+              <a:t> </a:t>
+            </a:r>
+            <a:r>
+              <a:rPr lang="en-US" dirty="0" err="1"/>
+              <a:t>chúng</a:t>
+            </a:r>
+            <a:r>
+              <a:rPr lang="en-US" dirty="0"/>
+              <a:t> </a:t>
+            </a:r>
+            <a:r>
+              <a:rPr lang="en-US" dirty="0" err="1"/>
+              <a:t>là</a:t>
+            </a:r>
+            <a:r>
+              <a:rPr lang="en-US" dirty="0"/>
+              <a:t> </a:t>
+            </a:r>
+            <a:r>
+              <a:rPr lang="en-US" dirty="0" err="1"/>
+              <a:t>tích</a:t>
+            </a:r>
+            <a:r>
+              <a:rPr lang="en-US" dirty="0"/>
+              <a:t> </a:t>
+            </a:r>
+            <a:r>
+              <a:rPr lang="en-US" dirty="0" err="1"/>
+              <a:t>cực</a:t>
+            </a:r>
+            <a:r>
+              <a:rPr lang="en-US" dirty="0"/>
+              <a:t> hay </a:t>
+            </a:r>
+            <a:r>
+              <a:rPr lang="en-US" dirty="0" err="1"/>
+              <a:t>tiêu</a:t>
+            </a:r>
+            <a:r>
+              <a:rPr lang="en-US" dirty="0"/>
+              <a:t> </a:t>
+            </a:r>
+            <a:r>
+              <a:rPr lang="en-US" dirty="0" err="1"/>
+              <a:t>cực</a:t>
+            </a:r>
+            <a:r>
+              <a:rPr lang="en-US" dirty="0"/>
+              <a:t>, </a:t>
+            </a:r>
+            <a:r>
+              <a:rPr lang="en-US" dirty="0" err="1"/>
+              <a:t>từ</a:t>
+            </a:r>
+            <a:r>
+              <a:rPr lang="en-US" dirty="0"/>
+              <a:t> </a:t>
+            </a:r>
+            <a:r>
+              <a:rPr lang="en-US" dirty="0" err="1"/>
+              <a:t>đó</a:t>
+            </a:r>
+            <a:r>
+              <a:rPr lang="en-US" dirty="0"/>
+              <a:t> </a:t>
+            </a:r>
+            <a:r>
+              <a:rPr lang="en-US" dirty="0" err="1"/>
+              <a:t>đưa</a:t>
+            </a:r>
+            <a:r>
+              <a:rPr lang="en-US" dirty="0"/>
+              <a:t> ra </a:t>
+            </a:r>
+            <a:r>
+              <a:rPr lang="en-US" dirty="0" err="1"/>
+              <a:t>một</a:t>
+            </a:r>
+            <a:r>
+              <a:rPr lang="en-US" dirty="0"/>
+              <a:t> </a:t>
+            </a:r>
+            <a:r>
+              <a:rPr lang="en-US" dirty="0" err="1"/>
+              <a:t>giải</a:t>
+            </a:r>
+            <a:r>
+              <a:rPr lang="en-US" dirty="0"/>
+              <a:t> </a:t>
+            </a:r>
+            <a:r>
+              <a:rPr lang="en-US" dirty="0" err="1"/>
+              <a:t>pháp</a:t>
+            </a:r>
+            <a:r>
+              <a:rPr lang="en-US" dirty="0"/>
+              <a:t> </a:t>
+            </a:r>
+            <a:r>
+              <a:rPr lang="en-US" dirty="0" err="1"/>
+              <a:t>hiệu</a:t>
+            </a:r>
+            <a:r>
+              <a:rPr lang="en-US" dirty="0"/>
+              <a:t> </a:t>
+            </a:r>
+            <a:r>
+              <a:rPr lang="en-US" dirty="0" err="1"/>
+              <a:t>quả</a:t>
+            </a:r>
+            <a:r>
+              <a:rPr lang="en-US" dirty="0"/>
+              <a:t> </a:t>
+            </a:r>
+            <a:r>
+              <a:rPr lang="en-US" dirty="0" err="1"/>
+              <a:t>nhất</a:t>
+            </a:r>
+            <a:r>
+              <a:rPr lang="en-US" dirty="0"/>
+              <a:t> </a:t>
+            </a:r>
+            <a:r>
+              <a:rPr lang="en-US" dirty="0" err="1"/>
+              <a:t>cho</a:t>
+            </a:r>
+            <a:r>
+              <a:rPr lang="en-US" dirty="0"/>
+              <a:t> </a:t>
+            </a:r>
+            <a:r>
+              <a:rPr lang="en-US" dirty="0" err="1"/>
+              <a:t>bản</a:t>
+            </a:r>
+            <a:r>
+              <a:rPr lang="en-US" dirty="0"/>
+              <a:t> </a:t>
+            </a:r>
+            <a:r>
+              <a:rPr lang="en-US" dirty="0" err="1"/>
+              <a:t>thân</a:t>
+            </a:r>
+            <a:r>
+              <a:rPr lang="en-US" dirty="0"/>
+              <a:t>.</a:t>
+            </a:r>
+          </a:p>
+          <a:p>
+            <a:endParaRPr lang="en-US" dirty="0"/>
+          </a:p>
+        </p:txBody>
+      </p:sp>
+    </p:spTree>
+    <p:extLst>
+      <p:ext uri="{BB962C8B-B14F-4D97-AF65-F5344CB8AC3E}">
+        <p14:creationId xmlns:p14="http://schemas.microsoft.com/office/powerpoint/2010/main" val="3413183161"/>
+      </p:ext>
+    </p:extLst>
+  </p:cSld>
+  <p:clrMapOvr>
+    <a:masterClrMapping/>
+  </p:clrMapOvr>
+</p:sld>
+</file>
+
+<file path=ppt/slides/slide17.xml><?xml version="1.0" encoding="utf-8"?>
+<p:sld xmlns:a="http://schemas.openxmlformats.org/drawingml/2006/main" xmlns:r="http://schemas.openxmlformats.org/officeDocument/2006/relationships" xmlns:p="http://schemas.openxmlformats.org/presentationml/2006/main">
+  <p:cSld>
+    <p:spTree>
+      <p:nvGrpSpPr>
+        <p:cNvPr id="1" name=""/>
+        <p:cNvGrpSpPr/>
+        <p:nvPr/>
+      </p:nvGrpSpPr>
+      <p:grpSpPr>
+        <a:xfrm>
+          <a:off x="0" y="0"/>
+          <a:ext cx="0" cy="0"/>
+          <a:chOff x="0" y="0"/>
+          <a:chExt cx="0" cy="0"/>
+        </a:xfrm>
+      </p:grpSpPr>
+      <p:sp>
+        <p:nvSpPr>
+          <p:cNvPr id="2" name="Title 1">
+            <a:extLst>
+              <a:ext uri="{FF2B5EF4-FFF2-40B4-BE49-F238E27FC236}">
+                <a16:creationId xmlns:a16="http://schemas.microsoft.com/office/drawing/2014/main" id="{51D0C447-079A-4F04-98FA-A11258163DD6}"/>
+              </a:ext>
+            </a:extLst>
+          </p:cNvPr>
+          <p:cNvSpPr>
+            <a:spLocks noGrp="1"/>
+          </p:cNvSpPr>
+          <p:nvPr>
+            <p:ph type="title"/>
+          </p:nvPr>
+        </p:nvSpPr>
+        <p:spPr/>
+        <p:txBody>
+          <a:bodyPr/>
+          <a:lstStyle/>
+          <a:p>
+            <a:endParaRPr lang="en-US"/>
+          </a:p>
+        </p:txBody>
+      </p:sp>
+      <p:sp>
+        <p:nvSpPr>
+          <p:cNvPr id="3" name="Content Placeholder 2">
+            <a:extLst>
+              <a:ext uri="{FF2B5EF4-FFF2-40B4-BE49-F238E27FC236}">
+                <a16:creationId xmlns:a16="http://schemas.microsoft.com/office/drawing/2014/main" id="{B2679FC9-C0F9-4330-B00A-408B54A07513}"/>
+              </a:ext>
+            </a:extLst>
+          </p:cNvPr>
+          <p:cNvSpPr>
+            <a:spLocks noGrp="1"/>
+          </p:cNvSpPr>
+          <p:nvPr>
+            <p:ph idx="1"/>
+          </p:nvPr>
+        </p:nvSpPr>
+        <p:spPr/>
+        <p:txBody>
+          <a:bodyPr/>
+          <a:lstStyle/>
+          <a:p>
+            <a:pPr fontAlgn="base"/>
+            <a:r>
+              <a:rPr lang="en-US" dirty="0" err="1"/>
+              <a:t>Chúng</a:t>
+            </a:r>
+            <a:r>
+              <a:rPr lang="en-US" dirty="0"/>
+              <a:t> ta </a:t>
+            </a:r>
+            <a:r>
+              <a:rPr lang="en-US" dirty="0" err="1"/>
+              <a:t>phải</a:t>
+            </a:r>
+            <a:r>
+              <a:rPr lang="en-US" dirty="0"/>
+              <a:t> </a:t>
+            </a:r>
+            <a:r>
+              <a:rPr lang="en-US" dirty="0" err="1"/>
+              <a:t>tìm</a:t>
+            </a:r>
+            <a:r>
+              <a:rPr lang="en-US" dirty="0"/>
+              <a:t> </a:t>
+            </a:r>
+            <a:r>
+              <a:rPr lang="en-US" dirty="0" err="1"/>
+              <a:t>cách</a:t>
+            </a:r>
+            <a:r>
+              <a:rPr lang="en-US" dirty="0"/>
+              <a:t> </a:t>
+            </a:r>
+            <a:r>
+              <a:rPr lang="en-US" dirty="0" err="1"/>
+              <a:t>ứng</a:t>
+            </a:r>
+            <a:r>
+              <a:rPr lang="en-US" dirty="0"/>
+              <a:t> </a:t>
+            </a:r>
+            <a:r>
+              <a:rPr lang="en-US" dirty="0" err="1"/>
+              <a:t>dụng</a:t>
+            </a:r>
+            <a:r>
+              <a:rPr lang="en-US" dirty="0"/>
+              <a:t> </a:t>
+            </a:r>
+            <a:r>
+              <a:rPr lang="en-US" dirty="0" err="1"/>
+              <a:t>các</a:t>
+            </a:r>
+            <a:r>
+              <a:rPr lang="en-US" dirty="0"/>
+              <a:t> </a:t>
+            </a:r>
+            <a:r>
+              <a:rPr lang="en-US" dirty="0" err="1"/>
+              <a:t>công</a:t>
+            </a:r>
+            <a:r>
+              <a:rPr lang="en-US" dirty="0"/>
+              <a:t> </a:t>
+            </a:r>
+            <a:r>
+              <a:rPr lang="en-US" dirty="0" err="1"/>
+              <a:t>nghệ</a:t>
+            </a:r>
+            <a:r>
+              <a:rPr lang="en-US" dirty="0"/>
+              <a:t> </a:t>
+            </a:r>
+            <a:r>
+              <a:rPr lang="en-US" dirty="0" err="1"/>
+              <a:t>bổ</a:t>
+            </a:r>
+            <a:r>
+              <a:rPr lang="en-US" dirty="0"/>
+              <a:t> </a:t>
+            </a:r>
+            <a:r>
+              <a:rPr lang="en-US" dirty="0" err="1"/>
+              <a:t>ích</a:t>
+            </a:r>
+            <a:r>
+              <a:rPr lang="en-US" dirty="0"/>
+              <a:t> </a:t>
+            </a:r>
+            <a:r>
+              <a:rPr lang="en-US" dirty="0" err="1"/>
+              <a:t>vào</a:t>
+            </a:r>
+            <a:r>
+              <a:rPr lang="en-US" dirty="0"/>
+              <a:t> </a:t>
+            </a:r>
+            <a:r>
+              <a:rPr lang="en-US" dirty="0" err="1"/>
+              <a:t>cuộc</a:t>
+            </a:r>
+            <a:r>
+              <a:rPr lang="en-US" dirty="0"/>
+              <a:t> </a:t>
+            </a:r>
+            <a:r>
+              <a:rPr lang="en-US" dirty="0" err="1"/>
+              <a:t>sống</a:t>
+            </a:r>
+            <a:r>
+              <a:rPr lang="en-US" dirty="0"/>
+              <a:t> </a:t>
+            </a:r>
+            <a:r>
+              <a:rPr lang="en-US" dirty="0" err="1"/>
+              <a:t>để</a:t>
+            </a:r>
+            <a:r>
+              <a:rPr lang="en-US" dirty="0"/>
+              <a:t> </a:t>
+            </a:r>
+            <a:r>
+              <a:rPr lang="en-US" dirty="0" err="1"/>
+              <a:t>giải</a:t>
+            </a:r>
+            <a:r>
+              <a:rPr lang="en-US" dirty="0"/>
+              <a:t> </a:t>
+            </a:r>
+            <a:r>
+              <a:rPr lang="en-US" dirty="0" err="1"/>
+              <a:t>quyết</a:t>
+            </a:r>
+            <a:r>
+              <a:rPr lang="en-US" dirty="0"/>
+              <a:t> </a:t>
+            </a:r>
+            <a:r>
+              <a:rPr lang="en-US" dirty="0" err="1"/>
+              <a:t>các</a:t>
+            </a:r>
+            <a:r>
+              <a:rPr lang="en-US" dirty="0"/>
+              <a:t> </a:t>
+            </a:r>
+            <a:r>
+              <a:rPr lang="en-US" dirty="0" err="1"/>
+              <a:t>công</a:t>
+            </a:r>
+            <a:r>
+              <a:rPr lang="en-US" dirty="0"/>
+              <a:t> </a:t>
+            </a:r>
+            <a:r>
+              <a:rPr lang="en-US" dirty="0" err="1"/>
+              <a:t>việc</a:t>
+            </a:r>
+            <a:r>
+              <a:rPr lang="en-US" dirty="0"/>
+              <a:t> </a:t>
+            </a:r>
+            <a:r>
+              <a:rPr lang="en-US" dirty="0" err="1"/>
+              <a:t>thường</a:t>
+            </a:r>
+            <a:r>
+              <a:rPr lang="en-US" dirty="0"/>
+              <a:t> </a:t>
+            </a:r>
+            <a:r>
+              <a:rPr lang="en-US" dirty="0" err="1"/>
+              <a:t>nhật</a:t>
+            </a:r>
+            <a:r>
+              <a:rPr lang="en-US" dirty="0"/>
+              <a:t> </a:t>
+            </a:r>
+            <a:r>
+              <a:rPr lang="en-US" dirty="0" err="1"/>
+              <a:t>hiệu</a:t>
+            </a:r>
+            <a:r>
+              <a:rPr lang="en-US" dirty="0"/>
+              <a:t> </a:t>
+            </a:r>
+            <a:r>
+              <a:rPr lang="en-US" dirty="0" err="1"/>
+              <a:t>quả</a:t>
+            </a:r>
+            <a:r>
+              <a:rPr lang="en-US" dirty="0"/>
+              <a:t> </a:t>
+            </a:r>
+            <a:r>
+              <a:rPr lang="en-US" dirty="0" err="1"/>
+              <a:t>hơn</a:t>
+            </a:r>
+            <a:r>
+              <a:rPr lang="en-US" dirty="0"/>
+              <a:t>. </a:t>
+            </a:r>
+            <a:r>
+              <a:rPr lang="en-US" dirty="0" err="1"/>
+              <a:t>Chúng</a:t>
+            </a:r>
+            <a:r>
+              <a:rPr lang="en-US" dirty="0"/>
+              <a:t> ta </a:t>
+            </a:r>
+            <a:r>
+              <a:rPr lang="en-US" dirty="0" err="1"/>
+              <a:t>phải</a:t>
+            </a:r>
+            <a:r>
+              <a:rPr lang="en-US" dirty="0"/>
+              <a:t> </a:t>
+            </a:r>
+            <a:r>
+              <a:rPr lang="en-US" dirty="0" err="1"/>
+              <a:t>tìm</a:t>
+            </a:r>
+            <a:r>
+              <a:rPr lang="en-US" dirty="0"/>
+              <a:t> </a:t>
+            </a:r>
+            <a:r>
+              <a:rPr lang="en-US" dirty="0" err="1"/>
+              <a:t>cách</a:t>
+            </a:r>
+            <a:r>
+              <a:rPr lang="en-US" dirty="0"/>
+              <a:t> </a:t>
+            </a:r>
+            <a:r>
+              <a:rPr lang="en-US" dirty="0" err="1"/>
+              <a:t>sử</a:t>
+            </a:r>
+            <a:r>
+              <a:rPr lang="en-US" dirty="0"/>
+              <a:t> </a:t>
+            </a:r>
+            <a:r>
+              <a:rPr lang="en-US" dirty="0" err="1"/>
+              <a:t>dụng</a:t>
+            </a:r>
+            <a:r>
+              <a:rPr lang="en-US" dirty="0"/>
+              <a:t>, </a:t>
+            </a:r>
+            <a:r>
+              <a:rPr lang="en-US" dirty="0" err="1"/>
+              <a:t>tiết</a:t>
+            </a:r>
+            <a:r>
+              <a:rPr lang="en-US" dirty="0"/>
+              <a:t> </a:t>
+            </a:r>
+            <a:r>
+              <a:rPr lang="en-US" dirty="0" err="1"/>
+              <a:t>lộ</a:t>
+            </a:r>
+            <a:r>
+              <a:rPr lang="en-US" dirty="0"/>
+              <a:t> </a:t>
+            </a:r>
+            <a:r>
+              <a:rPr lang="en-US" dirty="0" err="1"/>
+              <a:t>thông</a:t>
+            </a:r>
+            <a:r>
+              <a:rPr lang="en-US" dirty="0"/>
+              <a:t> tin </a:t>
+            </a:r>
+            <a:r>
+              <a:rPr lang="en-US" dirty="0" err="1"/>
+              <a:t>cá</a:t>
+            </a:r>
+            <a:r>
+              <a:rPr lang="en-US" dirty="0"/>
+              <a:t> </a:t>
+            </a:r>
+            <a:r>
+              <a:rPr lang="en-US" dirty="0" err="1"/>
+              <a:t>nhân</a:t>
+            </a:r>
+            <a:r>
+              <a:rPr lang="en-US" dirty="0"/>
+              <a:t> </a:t>
+            </a:r>
+            <a:r>
+              <a:rPr lang="en-US" dirty="0" err="1"/>
+              <a:t>một</a:t>
+            </a:r>
+            <a:r>
+              <a:rPr lang="en-US" dirty="0"/>
+              <a:t> </a:t>
+            </a:r>
+            <a:r>
+              <a:rPr lang="en-US" dirty="0" err="1"/>
+              <a:t>cách</a:t>
+            </a:r>
+            <a:r>
+              <a:rPr lang="en-US" dirty="0"/>
+              <a:t> </a:t>
+            </a:r>
+            <a:r>
+              <a:rPr lang="en-US" dirty="0" err="1"/>
+              <a:t>hiệu</a:t>
+            </a:r>
+            <a:r>
+              <a:rPr lang="en-US" dirty="0"/>
+              <a:t> </a:t>
+            </a:r>
+            <a:r>
+              <a:rPr lang="en-US" dirty="0" err="1"/>
+              <a:t>quả</a:t>
+            </a:r>
+            <a:r>
+              <a:rPr lang="en-US" dirty="0"/>
+              <a:t> </a:t>
+            </a:r>
+            <a:r>
+              <a:rPr lang="en-US" dirty="0" err="1"/>
+              <a:t>nhất</a:t>
+            </a:r>
+            <a:r>
+              <a:rPr lang="en-US" dirty="0"/>
+              <a:t> </a:t>
+            </a:r>
+            <a:r>
+              <a:rPr lang="en-US" dirty="0" err="1"/>
+              <a:t>để</a:t>
+            </a:r>
+            <a:r>
+              <a:rPr lang="en-US" dirty="0"/>
+              <a:t> </a:t>
+            </a:r>
+            <a:r>
+              <a:rPr lang="en-US" dirty="0" err="1"/>
+              <a:t>không</a:t>
+            </a:r>
+            <a:r>
+              <a:rPr lang="en-US" dirty="0"/>
+              <a:t> </a:t>
+            </a:r>
+            <a:r>
+              <a:rPr lang="en-US" dirty="0" err="1"/>
+              <a:t>bị</a:t>
+            </a:r>
+            <a:r>
+              <a:rPr lang="en-US" dirty="0"/>
+              <a:t> </a:t>
+            </a:r>
+            <a:r>
+              <a:rPr lang="en-US" dirty="0" err="1"/>
+              <a:t>khai</a:t>
+            </a:r>
+            <a:r>
+              <a:rPr lang="en-US" dirty="0"/>
+              <a:t> </a:t>
+            </a:r>
+            <a:r>
+              <a:rPr lang="en-US" dirty="0" err="1"/>
+              <a:t>thác</a:t>
+            </a:r>
+            <a:r>
+              <a:rPr lang="en-US" dirty="0"/>
+              <a:t>, </a:t>
+            </a:r>
+            <a:r>
+              <a:rPr lang="en-US" dirty="0" err="1"/>
+              <a:t>tấn</a:t>
+            </a:r>
+            <a:r>
+              <a:rPr lang="en-US" dirty="0"/>
+              <a:t> </a:t>
+            </a:r>
+            <a:r>
+              <a:rPr lang="en-US" dirty="0" err="1"/>
+              <a:t>công</a:t>
+            </a:r>
+            <a:r>
+              <a:rPr lang="en-US" dirty="0"/>
+              <a:t>, </a:t>
+            </a:r>
+            <a:r>
+              <a:rPr lang="en-US" dirty="0" err="1"/>
+              <a:t>trục</a:t>
+            </a:r>
+            <a:r>
+              <a:rPr lang="en-US" dirty="0"/>
+              <a:t> </a:t>
+            </a:r>
+            <a:r>
+              <a:rPr lang="en-US" dirty="0" err="1"/>
+              <a:t>lợi</a:t>
+            </a:r>
+            <a:r>
+              <a:rPr lang="en-US" dirty="0"/>
+              <a:t>.</a:t>
+            </a:r>
+          </a:p>
+          <a:p>
+            <a:pPr fontAlgn="base"/>
+            <a:r>
+              <a:rPr lang="en-US" dirty="0" err="1"/>
+              <a:t>Và</a:t>
+            </a:r>
+            <a:r>
+              <a:rPr lang="en-US" dirty="0"/>
+              <a:t> </a:t>
+            </a:r>
+            <a:r>
+              <a:rPr lang="en-US" dirty="0" err="1"/>
+              <a:t>quan</a:t>
+            </a:r>
+            <a:r>
+              <a:rPr lang="en-US" dirty="0"/>
+              <a:t> </a:t>
+            </a:r>
+            <a:r>
+              <a:rPr lang="en-US" dirty="0" err="1"/>
+              <a:t>trọng</a:t>
+            </a:r>
+            <a:r>
+              <a:rPr lang="en-US" dirty="0"/>
+              <a:t> </a:t>
+            </a:r>
+            <a:r>
+              <a:rPr lang="en-US" dirty="0" err="1"/>
+              <a:t>nhất</a:t>
+            </a:r>
+            <a:r>
+              <a:rPr lang="en-US" dirty="0"/>
+              <a:t> </a:t>
+            </a:r>
+            <a:r>
+              <a:rPr lang="en-US" dirty="0" err="1"/>
+              <a:t>là</a:t>
+            </a:r>
+            <a:r>
+              <a:rPr lang="en-US" dirty="0"/>
+              <a:t>: </a:t>
+            </a:r>
+            <a:r>
+              <a:rPr lang="en-US" dirty="0" err="1"/>
+              <a:t>chúng</a:t>
+            </a:r>
+            <a:r>
+              <a:rPr lang="en-US" dirty="0"/>
+              <a:t> ta </a:t>
+            </a:r>
+            <a:r>
+              <a:rPr lang="en-US" dirty="0" err="1"/>
+              <a:t>phải</a:t>
+            </a:r>
+            <a:r>
+              <a:rPr lang="en-US" dirty="0"/>
+              <a:t> </a:t>
+            </a:r>
+            <a:r>
+              <a:rPr lang="en-US" dirty="0" err="1"/>
+              <a:t>tự</a:t>
+            </a:r>
+            <a:r>
+              <a:rPr lang="en-US" dirty="0"/>
+              <a:t> tin </a:t>
+            </a:r>
+            <a:r>
+              <a:rPr lang="en-US" dirty="0" err="1"/>
+              <a:t>rằng</a:t>
+            </a:r>
+            <a:r>
+              <a:rPr lang="en-US" dirty="0"/>
+              <a:t> </a:t>
+            </a:r>
+            <a:r>
+              <a:rPr lang="en-US" dirty="0" err="1"/>
+              <a:t>có</a:t>
+            </a:r>
+            <a:r>
+              <a:rPr lang="en-US" dirty="0"/>
+              <a:t> </a:t>
+            </a:r>
+            <a:r>
+              <a:rPr lang="en-US" dirty="0" err="1"/>
+              <a:t>thể</a:t>
+            </a:r>
+            <a:r>
+              <a:rPr lang="en-US" dirty="0"/>
+              <a:t> </a:t>
+            </a:r>
+            <a:r>
+              <a:rPr lang="en-US" dirty="0" err="1"/>
+              <a:t>thích</a:t>
+            </a:r>
+            <a:r>
+              <a:rPr lang="en-US" dirty="0"/>
+              <a:t> </a:t>
+            </a:r>
+            <a:r>
+              <a:rPr lang="en-US" dirty="0" err="1"/>
+              <a:t>nghi</a:t>
+            </a:r>
+            <a:r>
+              <a:rPr lang="en-US" dirty="0"/>
+              <a:t> </a:t>
+            </a:r>
+            <a:r>
+              <a:rPr lang="en-US" dirty="0" err="1"/>
+              <a:t>được</a:t>
+            </a:r>
+            <a:r>
+              <a:rPr lang="en-US" dirty="0"/>
+              <a:t> </a:t>
+            </a:r>
+            <a:r>
+              <a:rPr lang="en-US" dirty="0" err="1"/>
+              <a:t>với</a:t>
+            </a:r>
+            <a:r>
+              <a:rPr lang="en-US" dirty="0"/>
+              <a:t> </a:t>
+            </a:r>
+            <a:r>
+              <a:rPr lang="en-US" dirty="0" err="1"/>
+              <a:t>cách</a:t>
+            </a:r>
+            <a:r>
+              <a:rPr lang="en-US" dirty="0"/>
+              <a:t> </a:t>
+            </a:r>
+            <a:r>
+              <a:rPr lang="en-US" dirty="0" err="1"/>
+              <a:t>mạng</a:t>
+            </a:r>
+            <a:r>
+              <a:rPr lang="en-US" dirty="0"/>
+              <a:t> </a:t>
+            </a:r>
+            <a:r>
+              <a:rPr lang="en-US" dirty="0" err="1"/>
+              <a:t>công</a:t>
+            </a:r>
+            <a:r>
+              <a:rPr lang="en-US" dirty="0"/>
+              <a:t> </a:t>
+            </a:r>
+            <a:r>
+              <a:rPr lang="en-US" dirty="0" err="1"/>
+              <a:t>nghiệp</a:t>
+            </a:r>
+            <a:r>
+              <a:rPr lang="en-US" dirty="0"/>
+              <a:t> 4.0. </a:t>
+            </a:r>
+            <a:r>
+              <a:rPr lang="en-US" dirty="0" err="1"/>
+              <a:t>Phải</a:t>
+            </a:r>
+            <a:r>
+              <a:rPr lang="en-US" dirty="0"/>
+              <a:t> </a:t>
+            </a:r>
+            <a:r>
+              <a:rPr lang="en-US" dirty="0" err="1"/>
+              <a:t>đón</a:t>
+            </a:r>
+            <a:r>
+              <a:rPr lang="en-US" dirty="0"/>
+              <a:t> </a:t>
+            </a:r>
+            <a:r>
+              <a:rPr lang="en-US" dirty="0" err="1"/>
+              <a:t>nhận</a:t>
+            </a:r>
+            <a:r>
+              <a:rPr lang="en-US" dirty="0"/>
+              <a:t> </a:t>
+            </a:r>
+            <a:r>
+              <a:rPr lang="en-US" dirty="0" err="1"/>
+              <a:t>những</a:t>
+            </a:r>
+            <a:r>
+              <a:rPr lang="en-US" dirty="0"/>
+              <a:t> </a:t>
+            </a:r>
+            <a:r>
+              <a:rPr lang="en-US" dirty="0" err="1"/>
+              <a:t>lợi</a:t>
+            </a:r>
+            <a:r>
+              <a:rPr lang="en-US" dirty="0"/>
+              <a:t> </a:t>
+            </a:r>
+            <a:r>
+              <a:rPr lang="en-US" dirty="0" err="1"/>
+              <a:t>ích</a:t>
+            </a:r>
+            <a:r>
+              <a:rPr lang="en-US" dirty="0"/>
+              <a:t> </a:t>
+            </a:r>
+            <a:r>
+              <a:rPr lang="en-US" dirty="0" err="1"/>
+              <a:t>nó</a:t>
+            </a:r>
+            <a:r>
+              <a:rPr lang="en-US" dirty="0"/>
+              <a:t> </a:t>
+            </a:r>
+            <a:r>
+              <a:rPr lang="en-US" dirty="0" err="1"/>
+              <a:t>mang</a:t>
+            </a:r>
+            <a:r>
+              <a:rPr lang="en-US" dirty="0"/>
+              <a:t> </a:t>
+            </a:r>
+            <a:r>
+              <a:rPr lang="en-US" dirty="0" err="1"/>
+              <a:t>lại</a:t>
+            </a:r>
+            <a:r>
+              <a:rPr lang="en-US" dirty="0"/>
+              <a:t>, </a:t>
+            </a:r>
+            <a:r>
+              <a:rPr lang="en-US" dirty="0" err="1"/>
+              <a:t>cũng</a:t>
+            </a:r>
+            <a:r>
+              <a:rPr lang="en-US" dirty="0"/>
+              <a:t> </a:t>
+            </a:r>
+            <a:r>
+              <a:rPr lang="en-US" dirty="0" err="1"/>
+              <a:t>như</a:t>
+            </a:r>
+            <a:r>
+              <a:rPr lang="en-US" dirty="0"/>
+              <a:t> </a:t>
+            </a:r>
+            <a:r>
+              <a:rPr lang="en-US" dirty="0" err="1"/>
+              <a:t>thận</a:t>
+            </a:r>
+            <a:r>
+              <a:rPr lang="en-US" dirty="0"/>
+              <a:t> </a:t>
+            </a:r>
+            <a:r>
+              <a:rPr lang="en-US" dirty="0" err="1"/>
+              <a:t>trọng</a:t>
+            </a:r>
+            <a:r>
+              <a:rPr lang="en-US" dirty="0"/>
+              <a:t> </a:t>
+            </a:r>
+            <a:r>
+              <a:rPr lang="en-US" dirty="0" err="1"/>
+              <a:t>trước</a:t>
+            </a:r>
+            <a:r>
+              <a:rPr lang="en-US" dirty="0"/>
+              <a:t> </a:t>
+            </a:r>
+            <a:r>
+              <a:rPr lang="en-US" dirty="0" err="1"/>
+              <a:t>những</a:t>
+            </a:r>
+            <a:r>
+              <a:rPr lang="en-US" dirty="0"/>
+              <a:t> </a:t>
+            </a:r>
+            <a:r>
+              <a:rPr lang="en-US" dirty="0" err="1"/>
+              <a:t>thách</a:t>
+            </a:r>
+            <a:r>
+              <a:rPr lang="en-US" dirty="0"/>
+              <a:t> </a:t>
+            </a:r>
+            <a:r>
+              <a:rPr lang="en-US" dirty="0" err="1"/>
+              <a:t>thức</a:t>
+            </a:r>
+            <a:r>
+              <a:rPr lang="en-US" dirty="0"/>
+              <a:t> </a:t>
+            </a:r>
+            <a:r>
+              <a:rPr lang="en-US" dirty="0" err="1"/>
+              <a:t>không</a:t>
+            </a:r>
+            <a:r>
+              <a:rPr lang="en-US" dirty="0"/>
+              <a:t> </a:t>
+            </a:r>
+            <a:r>
+              <a:rPr lang="en-US" dirty="0" err="1"/>
+              <a:t>có</a:t>
+            </a:r>
+            <a:r>
+              <a:rPr lang="en-US" dirty="0"/>
+              <a:t> </a:t>
+            </a:r>
+            <a:r>
+              <a:rPr lang="en-US" dirty="0" err="1"/>
+              <a:t>tiền</a:t>
+            </a:r>
+            <a:r>
+              <a:rPr lang="en-US" dirty="0"/>
+              <a:t> </a:t>
+            </a:r>
+            <a:r>
+              <a:rPr lang="en-US" dirty="0" err="1"/>
+              <a:t>lệ</a:t>
+            </a:r>
+            <a:r>
+              <a:rPr lang="en-US" dirty="0"/>
+              <a:t> </a:t>
+            </a:r>
+            <a:r>
+              <a:rPr lang="en-US" dirty="0" err="1"/>
+              <a:t>của</a:t>
+            </a:r>
+            <a:r>
+              <a:rPr lang="en-US" dirty="0"/>
+              <a:t> </a:t>
+            </a:r>
+            <a:r>
+              <a:rPr lang="en-US" dirty="0" err="1"/>
+              <a:t>cách</a:t>
+            </a:r>
+            <a:r>
+              <a:rPr lang="en-US" dirty="0"/>
+              <a:t> </a:t>
+            </a:r>
+            <a:r>
+              <a:rPr lang="en-US" dirty="0" err="1"/>
+              <a:t>mạng</a:t>
+            </a:r>
+            <a:r>
+              <a:rPr lang="en-US" dirty="0"/>
+              <a:t> </a:t>
+            </a:r>
+            <a:r>
+              <a:rPr lang="en-US" dirty="0" err="1"/>
+              <a:t>công</a:t>
+            </a:r>
+            <a:r>
+              <a:rPr lang="en-US" dirty="0"/>
+              <a:t> </a:t>
+            </a:r>
+            <a:r>
+              <a:rPr lang="en-US" dirty="0" err="1"/>
+              <a:t>nghiệp</a:t>
+            </a:r>
+            <a:r>
+              <a:rPr lang="en-US" dirty="0"/>
+              <a:t> 4.0.</a:t>
+            </a:r>
+          </a:p>
+          <a:p>
+            <a:endParaRPr lang="en-US" dirty="0"/>
+          </a:p>
+        </p:txBody>
+      </p:sp>
+    </p:spTree>
+    <p:extLst>
+      <p:ext uri="{BB962C8B-B14F-4D97-AF65-F5344CB8AC3E}">
+        <p14:creationId xmlns:p14="http://schemas.microsoft.com/office/powerpoint/2010/main" val="1254087020"/>
       </p:ext>
     </p:extLst>
   </p:cSld>
